--- a/day1-addressbook/day1-workshop-design.pptx
+++ b/day1-addressbook/day1-workshop-design.pptx
@@ -8,6 +8,10 @@
     <p:sldId id="256" r:id="rId3"/>
     <p:sldId id="257" r:id="rId4"/>
     <p:sldId id="258" r:id="rId5"/>
+    <p:sldId id="259" r:id="rId6"/>
+    <p:sldId id="260" r:id="rId7"/>
+    <p:sldId id="261" r:id="rId8"/>
+    <p:sldId id="262" r:id="rId9"/>
   </p:sldIdLst>
   <p:sldSz cx="10080625" cy="5670550"/>
   <p:notesSz cx="7559675" cy="10691812"/>
@@ -55,7 +59,7 @@
       </p:grpSpPr>
       <p:sp>
         <p:nvSpPr>
-          <p:cNvPr id="26" name="PlaceHolder 1"/>
+          <p:cNvPr id="23" name="PlaceHolder 1"/>
           <p:cNvSpPr>
             <a:spLocks noGrp="1"/>
           </p:cNvSpPr>
@@ -66,7 +70,7 @@
         <p:spPr>
           <a:xfrm>
             <a:off x="504000" y="226080"/>
-            <a:ext cx="9071640" cy="946440"/>
+            <a:ext cx="9072000" cy="946440"/>
           </a:xfrm>
           <a:prstGeom prst="rect">
             <a:avLst/>
@@ -84,7 +88,7 @@
       </p:sp>
       <p:sp>
         <p:nvSpPr>
-          <p:cNvPr id="27" name="PlaceHolder 2"/>
+          <p:cNvPr id="24" name="PlaceHolder 2"/>
           <p:cNvSpPr>
             <a:spLocks noGrp="1"/>
           </p:cNvSpPr>
@@ -95,7 +99,7 @@
         <p:spPr>
           <a:xfrm>
             <a:off x="504000" y="1326600"/>
-            <a:ext cx="9071640" cy="1568160"/>
+            <a:ext cx="9072000" cy="1568520"/>
           </a:xfrm>
           <a:prstGeom prst="rect">
             <a:avLst/>
@@ -114,7 +118,7 @@
       </p:sp>
       <p:sp>
         <p:nvSpPr>
-          <p:cNvPr id="28" name="PlaceHolder 3"/>
+          <p:cNvPr id="25" name="PlaceHolder 3"/>
           <p:cNvSpPr>
             <a:spLocks noGrp="1"/>
           </p:cNvSpPr>
@@ -124,8 +128,8 @@
         </p:nvSpPr>
         <p:spPr>
           <a:xfrm>
-            <a:off x="504000" y="3044160"/>
-            <a:ext cx="9071640" cy="1568160"/>
+            <a:off x="504000" y="3044520"/>
+            <a:ext cx="9072000" cy="1568520"/>
           </a:xfrm>
           <a:prstGeom prst="rect">
             <a:avLst/>
@@ -166,7 +170,7 @@
       </p:grpSpPr>
       <p:sp>
         <p:nvSpPr>
-          <p:cNvPr id="29" name="PlaceHolder 1"/>
+          <p:cNvPr id="26" name="PlaceHolder 1"/>
           <p:cNvSpPr>
             <a:spLocks noGrp="1"/>
           </p:cNvSpPr>
@@ -177,7 +181,7 @@
         <p:spPr>
           <a:xfrm>
             <a:off x="504000" y="226080"/>
-            <a:ext cx="9071640" cy="946440"/>
+            <a:ext cx="9072000" cy="946440"/>
           </a:xfrm>
           <a:prstGeom prst="rect">
             <a:avLst/>
@@ -195,7 +199,7 @@
       </p:sp>
       <p:sp>
         <p:nvSpPr>
-          <p:cNvPr id="30" name="PlaceHolder 2"/>
+          <p:cNvPr id="27" name="PlaceHolder 2"/>
           <p:cNvSpPr>
             <a:spLocks noGrp="1"/>
           </p:cNvSpPr>
@@ -206,7 +210,7 @@
         <p:spPr>
           <a:xfrm>
             <a:off x="504000" y="1326600"/>
-            <a:ext cx="4426920" cy="1568160"/>
+            <a:ext cx="4426920" cy="1568520"/>
           </a:xfrm>
           <a:prstGeom prst="rect">
             <a:avLst/>
@@ -225,7 +229,7 @@
       </p:sp>
       <p:sp>
         <p:nvSpPr>
-          <p:cNvPr id="31" name="PlaceHolder 3"/>
+          <p:cNvPr id="28" name="PlaceHolder 3"/>
           <p:cNvSpPr>
             <a:spLocks noGrp="1"/>
           </p:cNvSpPr>
@@ -236,7 +240,7 @@
         <p:spPr>
           <a:xfrm>
             <a:off x="5152680" y="1326600"/>
-            <a:ext cx="4426920" cy="1568160"/>
+            <a:ext cx="4426920" cy="1568520"/>
           </a:xfrm>
           <a:prstGeom prst="rect">
             <a:avLst/>
@@ -255,7 +259,7 @@
       </p:sp>
       <p:sp>
         <p:nvSpPr>
-          <p:cNvPr id="32" name="PlaceHolder 4"/>
+          <p:cNvPr id="29" name="PlaceHolder 4"/>
           <p:cNvSpPr>
             <a:spLocks noGrp="1"/>
           </p:cNvSpPr>
@@ -265,8 +269,8 @@
         </p:nvSpPr>
         <p:spPr>
           <a:xfrm>
-            <a:off x="504000" y="3044160"/>
-            <a:ext cx="4426920" cy="1568160"/>
+            <a:off x="504000" y="3044520"/>
+            <a:ext cx="4426920" cy="1568520"/>
           </a:xfrm>
           <a:prstGeom prst="rect">
             <a:avLst/>
@@ -285,7 +289,7 @@
       </p:sp>
       <p:sp>
         <p:nvSpPr>
-          <p:cNvPr id="33" name="PlaceHolder 5"/>
+          <p:cNvPr id="30" name="PlaceHolder 5"/>
           <p:cNvSpPr>
             <a:spLocks noGrp="1"/>
           </p:cNvSpPr>
@@ -295,8 +299,8 @@
         </p:nvSpPr>
         <p:spPr>
           <a:xfrm>
-            <a:off x="5152680" y="3044160"/>
-            <a:ext cx="4426920" cy="1568160"/>
+            <a:off x="5152680" y="3044520"/>
+            <a:ext cx="4426920" cy="1568520"/>
           </a:xfrm>
           <a:prstGeom prst="rect">
             <a:avLst/>
@@ -337,7 +341,7 @@
       </p:grpSpPr>
       <p:sp>
         <p:nvSpPr>
-          <p:cNvPr id="34" name="PlaceHolder 1"/>
+          <p:cNvPr id="31" name="PlaceHolder 1"/>
           <p:cNvSpPr>
             <a:spLocks noGrp="1"/>
           </p:cNvSpPr>
@@ -348,7 +352,7 @@
         <p:spPr>
           <a:xfrm>
             <a:off x="504000" y="226080"/>
-            <a:ext cx="9071640" cy="946440"/>
+            <a:ext cx="9072000" cy="946440"/>
           </a:xfrm>
           <a:prstGeom prst="rect">
             <a:avLst/>
@@ -366,7 +370,7 @@
       </p:sp>
       <p:sp>
         <p:nvSpPr>
-          <p:cNvPr id="35" name="PlaceHolder 2"/>
+          <p:cNvPr id="32" name="PlaceHolder 2"/>
           <p:cNvSpPr>
             <a:spLocks noGrp="1"/>
           </p:cNvSpPr>
@@ -377,7 +381,7 @@
         <p:spPr>
           <a:xfrm>
             <a:off x="504000" y="1326600"/>
-            <a:ext cx="2920680" cy="1568160"/>
+            <a:ext cx="2921040" cy="1568520"/>
           </a:xfrm>
           <a:prstGeom prst="rect">
             <a:avLst/>
@@ -396,7 +400,7 @@
       </p:sp>
       <p:sp>
         <p:nvSpPr>
-          <p:cNvPr id="36" name="PlaceHolder 3"/>
+          <p:cNvPr id="33" name="PlaceHolder 3"/>
           <p:cNvSpPr>
             <a:spLocks noGrp="1"/>
           </p:cNvSpPr>
@@ -406,8 +410,8 @@
         </p:nvSpPr>
         <p:spPr>
           <a:xfrm>
-            <a:off x="3571200" y="1326600"/>
-            <a:ext cx="2920680" cy="1568160"/>
+            <a:off x="3571560" y="1326600"/>
+            <a:ext cx="2921040" cy="1568520"/>
           </a:xfrm>
           <a:prstGeom prst="rect">
             <a:avLst/>
@@ -426,7 +430,7 @@
       </p:sp>
       <p:sp>
         <p:nvSpPr>
-          <p:cNvPr id="37" name="PlaceHolder 4"/>
+          <p:cNvPr id="34" name="PlaceHolder 4"/>
           <p:cNvSpPr>
             <a:spLocks noGrp="1"/>
           </p:cNvSpPr>
@@ -436,8 +440,8 @@
         </p:nvSpPr>
         <p:spPr>
           <a:xfrm>
-            <a:off x="6638040" y="1326600"/>
-            <a:ext cx="2920680" cy="1568160"/>
+            <a:off x="6639120" y="1326600"/>
+            <a:ext cx="2921040" cy="1568520"/>
           </a:xfrm>
           <a:prstGeom prst="rect">
             <a:avLst/>
@@ -456,7 +460,7 @@
       </p:sp>
       <p:sp>
         <p:nvSpPr>
-          <p:cNvPr id="38" name="PlaceHolder 5"/>
+          <p:cNvPr id="35" name="PlaceHolder 5"/>
           <p:cNvSpPr>
             <a:spLocks noGrp="1"/>
           </p:cNvSpPr>
@@ -466,8 +470,8 @@
         </p:nvSpPr>
         <p:spPr>
           <a:xfrm>
-            <a:off x="504000" y="3044160"/>
-            <a:ext cx="2920680" cy="1568160"/>
+            <a:off x="504000" y="3044520"/>
+            <a:ext cx="2921040" cy="1568520"/>
           </a:xfrm>
           <a:prstGeom prst="rect">
             <a:avLst/>
@@ -486,7 +490,7 @@
       </p:sp>
       <p:sp>
         <p:nvSpPr>
-          <p:cNvPr id="39" name="PlaceHolder 6"/>
+          <p:cNvPr id="36" name="PlaceHolder 6"/>
           <p:cNvSpPr>
             <a:spLocks noGrp="1"/>
           </p:cNvSpPr>
@@ -496,8 +500,8 @@
         </p:nvSpPr>
         <p:spPr>
           <a:xfrm>
-            <a:off x="3571200" y="3044160"/>
-            <a:ext cx="2920680" cy="1568160"/>
+            <a:off x="3571560" y="3044520"/>
+            <a:ext cx="2921040" cy="1568520"/>
           </a:xfrm>
           <a:prstGeom prst="rect">
             <a:avLst/>
@@ -516,7 +520,7 @@
       </p:sp>
       <p:sp>
         <p:nvSpPr>
-          <p:cNvPr id="40" name="PlaceHolder 7"/>
+          <p:cNvPr id="37" name="PlaceHolder 7"/>
           <p:cNvSpPr>
             <a:spLocks noGrp="1"/>
           </p:cNvSpPr>
@@ -526,8 +530,8 @@
         </p:nvSpPr>
         <p:spPr>
           <a:xfrm>
-            <a:off x="6638040" y="3044160"/>
-            <a:ext cx="2920680" cy="1568160"/>
+            <a:off x="6639120" y="3044520"/>
+            <a:ext cx="2921040" cy="1568520"/>
           </a:xfrm>
           <a:prstGeom prst="rect">
             <a:avLst/>
@@ -568,7 +572,7 @@
       </p:grpSpPr>
       <p:sp>
         <p:nvSpPr>
-          <p:cNvPr id="5" name="PlaceHolder 1"/>
+          <p:cNvPr id="2" name="PlaceHolder 1"/>
           <p:cNvSpPr>
             <a:spLocks noGrp="1"/>
           </p:cNvSpPr>
@@ -579,7 +583,7 @@
         <p:spPr>
           <a:xfrm>
             <a:off x="504000" y="226080"/>
-            <a:ext cx="9071640" cy="946440"/>
+            <a:ext cx="9072000" cy="946440"/>
           </a:xfrm>
           <a:prstGeom prst="rect">
             <a:avLst/>
@@ -597,7 +601,7 @@
       </p:sp>
       <p:sp>
         <p:nvSpPr>
-          <p:cNvPr id="6" name="PlaceHolder 2"/>
+          <p:cNvPr id="3" name="PlaceHolder 2"/>
           <p:cNvSpPr>
             <a:spLocks noGrp="1"/>
           </p:cNvSpPr>
@@ -608,7 +612,7 @@
         <p:spPr>
           <a:xfrm>
             <a:off x="504000" y="1326600"/>
-            <a:ext cx="9071640" cy="3288240"/>
+            <a:ext cx="9072000" cy="3288600"/>
           </a:xfrm>
           <a:prstGeom prst="rect">
             <a:avLst/>
@@ -648,7 +652,7 @@
       </p:grpSpPr>
       <p:sp>
         <p:nvSpPr>
-          <p:cNvPr id="7" name="PlaceHolder 1"/>
+          <p:cNvPr id="4" name="PlaceHolder 1"/>
           <p:cNvSpPr>
             <a:spLocks noGrp="1"/>
           </p:cNvSpPr>
@@ -659,7 +663,7 @@
         <p:spPr>
           <a:xfrm>
             <a:off x="504000" y="226080"/>
-            <a:ext cx="9071640" cy="946440"/>
+            <a:ext cx="9072000" cy="946440"/>
           </a:xfrm>
           <a:prstGeom prst="rect">
             <a:avLst/>
@@ -677,7 +681,7 @@
       </p:sp>
       <p:sp>
         <p:nvSpPr>
-          <p:cNvPr id="8" name="PlaceHolder 2"/>
+          <p:cNvPr id="5" name="PlaceHolder 2"/>
           <p:cNvSpPr>
             <a:spLocks noGrp="1"/>
           </p:cNvSpPr>
@@ -688,7 +692,7 @@
         <p:spPr>
           <a:xfrm>
             <a:off x="504000" y="1326600"/>
-            <a:ext cx="9071640" cy="3288240"/>
+            <a:ext cx="9072000" cy="3288600"/>
           </a:xfrm>
           <a:prstGeom prst="rect">
             <a:avLst/>
@@ -729,7 +733,7 @@
       </p:grpSpPr>
       <p:sp>
         <p:nvSpPr>
-          <p:cNvPr id="9" name="PlaceHolder 1"/>
+          <p:cNvPr id="6" name="PlaceHolder 1"/>
           <p:cNvSpPr>
             <a:spLocks noGrp="1"/>
           </p:cNvSpPr>
@@ -740,7 +744,7 @@
         <p:spPr>
           <a:xfrm>
             <a:off x="504000" y="226080"/>
-            <a:ext cx="9071640" cy="946440"/>
+            <a:ext cx="9072000" cy="946440"/>
           </a:xfrm>
           <a:prstGeom prst="rect">
             <a:avLst/>
@@ -758,7 +762,7 @@
       </p:sp>
       <p:sp>
         <p:nvSpPr>
-          <p:cNvPr id="10" name="PlaceHolder 2"/>
+          <p:cNvPr id="7" name="PlaceHolder 2"/>
           <p:cNvSpPr>
             <a:spLocks noGrp="1"/>
           </p:cNvSpPr>
@@ -769,7 +773,7 @@
         <p:spPr>
           <a:xfrm>
             <a:off x="504000" y="1326600"/>
-            <a:ext cx="4426920" cy="3288240"/>
+            <a:ext cx="4426920" cy="3288600"/>
           </a:xfrm>
           <a:prstGeom prst="rect">
             <a:avLst/>
@@ -788,7 +792,7 @@
       </p:sp>
       <p:sp>
         <p:nvSpPr>
-          <p:cNvPr id="11" name="PlaceHolder 3"/>
+          <p:cNvPr id="8" name="PlaceHolder 3"/>
           <p:cNvSpPr>
             <a:spLocks noGrp="1"/>
           </p:cNvSpPr>
@@ -799,7 +803,7 @@
         <p:spPr>
           <a:xfrm>
             <a:off x="5152680" y="1326600"/>
-            <a:ext cx="4426920" cy="3288240"/>
+            <a:ext cx="4426920" cy="3288600"/>
           </a:xfrm>
           <a:prstGeom prst="rect">
             <a:avLst/>
@@ -840,7 +844,7 @@
       </p:grpSpPr>
       <p:sp>
         <p:nvSpPr>
-          <p:cNvPr id="12" name="PlaceHolder 1"/>
+          <p:cNvPr id="9" name="PlaceHolder 1"/>
           <p:cNvSpPr>
             <a:spLocks noGrp="1"/>
           </p:cNvSpPr>
@@ -851,7 +855,7 @@
         <p:spPr>
           <a:xfrm>
             <a:off x="504000" y="226080"/>
-            <a:ext cx="9071640" cy="946440"/>
+            <a:ext cx="9072000" cy="946440"/>
           </a:xfrm>
           <a:prstGeom prst="rect">
             <a:avLst/>
@@ -891,7 +895,7 @@
       </p:grpSpPr>
       <p:sp>
         <p:nvSpPr>
-          <p:cNvPr id="13" name="PlaceHolder 1"/>
+          <p:cNvPr id="10" name="PlaceHolder 1"/>
           <p:cNvSpPr>
             <a:spLocks noGrp="1"/>
           </p:cNvSpPr>
@@ -902,7 +906,7 @@
         <p:spPr>
           <a:xfrm>
             <a:off x="504000" y="226080"/>
-            <a:ext cx="9071640" cy="4388400"/>
+            <a:ext cx="9072000" cy="4388400"/>
           </a:xfrm>
           <a:prstGeom prst="rect">
             <a:avLst/>
@@ -942,7 +946,7 @@
       </p:grpSpPr>
       <p:sp>
         <p:nvSpPr>
-          <p:cNvPr id="14" name="PlaceHolder 1"/>
+          <p:cNvPr id="11" name="PlaceHolder 1"/>
           <p:cNvSpPr>
             <a:spLocks noGrp="1"/>
           </p:cNvSpPr>
@@ -953,7 +957,7 @@
         <p:spPr>
           <a:xfrm>
             <a:off x="504000" y="226080"/>
-            <a:ext cx="9071640" cy="946440"/>
+            <a:ext cx="9072000" cy="946440"/>
           </a:xfrm>
           <a:prstGeom prst="rect">
             <a:avLst/>
@@ -971,7 +975,7 @@
       </p:sp>
       <p:sp>
         <p:nvSpPr>
-          <p:cNvPr id="15" name="PlaceHolder 2"/>
+          <p:cNvPr id="12" name="PlaceHolder 2"/>
           <p:cNvSpPr>
             <a:spLocks noGrp="1"/>
           </p:cNvSpPr>
@@ -982,7 +986,7 @@
         <p:spPr>
           <a:xfrm>
             <a:off x="504000" y="1326600"/>
-            <a:ext cx="4426920" cy="1568160"/>
+            <a:ext cx="4426920" cy="1568520"/>
           </a:xfrm>
           <a:prstGeom prst="rect">
             <a:avLst/>
@@ -1001,7 +1005,7 @@
       </p:sp>
       <p:sp>
         <p:nvSpPr>
-          <p:cNvPr id="16" name="PlaceHolder 3"/>
+          <p:cNvPr id="13" name="PlaceHolder 3"/>
           <p:cNvSpPr>
             <a:spLocks noGrp="1"/>
           </p:cNvSpPr>
@@ -1012,7 +1016,7 @@
         <p:spPr>
           <a:xfrm>
             <a:off x="5152680" y="1326600"/>
-            <a:ext cx="4426920" cy="3288240"/>
+            <a:ext cx="4426920" cy="3288600"/>
           </a:xfrm>
           <a:prstGeom prst="rect">
             <a:avLst/>
@@ -1031,7 +1035,7 @@
       </p:sp>
       <p:sp>
         <p:nvSpPr>
-          <p:cNvPr id="17" name="PlaceHolder 4"/>
+          <p:cNvPr id="14" name="PlaceHolder 4"/>
           <p:cNvSpPr>
             <a:spLocks noGrp="1"/>
           </p:cNvSpPr>
@@ -1041,8 +1045,8 @@
         </p:nvSpPr>
         <p:spPr>
           <a:xfrm>
-            <a:off x="504000" y="3044160"/>
-            <a:ext cx="4426920" cy="1568160"/>
+            <a:off x="504000" y="3044520"/>
+            <a:ext cx="4426920" cy="1568520"/>
           </a:xfrm>
           <a:prstGeom prst="rect">
             <a:avLst/>
@@ -1083,7 +1087,7 @@
       </p:grpSpPr>
       <p:sp>
         <p:nvSpPr>
-          <p:cNvPr id="18" name="PlaceHolder 1"/>
+          <p:cNvPr id="15" name="PlaceHolder 1"/>
           <p:cNvSpPr>
             <a:spLocks noGrp="1"/>
           </p:cNvSpPr>
@@ -1094,7 +1098,7 @@
         <p:spPr>
           <a:xfrm>
             <a:off x="504000" y="226080"/>
-            <a:ext cx="9071640" cy="946440"/>
+            <a:ext cx="9072000" cy="946440"/>
           </a:xfrm>
           <a:prstGeom prst="rect">
             <a:avLst/>
@@ -1112,7 +1116,7 @@
       </p:sp>
       <p:sp>
         <p:nvSpPr>
-          <p:cNvPr id="19" name="PlaceHolder 2"/>
+          <p:cNvPr id="16" name="PlaceHolder 2"/>
           <p:cNvSpPr>
             <a:spLocks noGrp="1"/>
           </p:cNvSpPr>
@@ -1123,7 +1127,7 @@
         <p:spPr>
           <a:xfrm>
             <a:off x="504000" y="1326600"/>
-            <a:ext cx="4426920" cy="3288240"/>
+            <a:ext cx="4426920" cy="3288600"/>
           </a:xfrm>
           <a:prstGeom prst="rect">
             <a:avLst/>
@@ -1142,7 +1146,7 @@
       </p:sp>
       <p:sp>
         <p:nvSpPr>
-          <p:cNvPr id="20" name="PlaceHolder 3"/>
+          <p:cNvPr id="17" name="PlaceHolder 3"/>
           <p:cNvSpPr>
             <a:spLocks noGrp="1"/>
           </p:cNvSpPr>
@@ -1153,7 +1157,7 @@
         <p:spPr>
           <a:xfrm>
             <a:off x="5152680" y="1326600"/>
-            <a:ext cx="4426920" cy="1568160"/>
+            <a:ext cx="4426920" cy="1568520"/>
           </a:xfrm>
           <a:prstGeom prst="rect">
             <a:avLst/>
@@ -1172,7 +1176,7 @@
       </p:sp>
       <p:sp>
         <p:nvSpPr>
-          <p:cNvPr id="21" name="PlaceHolder 4"/>
+          <p:cNvPr id="18" name="PlaceHolder 4"/>
           <p:cNvSpPr>
             <a:spLocks noGrp="1"/>
           </p:cNvSpPr>
@@ -1182,8 +1186,8 @@
         </p:nvSpPr>
         <p:spPr>
           <a:xfrm>
-            <a:off x="5152680" y="3044160"/>
-            <a:ext cx="4426920" cy="1568160"/>
+            <a:off x="5152680" y="3044520"/>
+            <a:ext cx="4426920" cy="1568520"/>
           </a:xfrm>
           <a:prstGeom prst="rect">
             <a:avLst/>
@@ -1224,7 +1228,7 @@
       </p:grpSpPr>
       <p:sp>
         <p:nvSpPr>
-          <p:cNvPr id="22" name="PlaceHolder 1"/>
+          <p:cNvPr id="19" name="PlaceHolder 1"/>
           <p:cNvSpPr>
             <a:spLocks noGrp="1"/>
           </p:cNvSpPr>
@@ -1235,7 +1239,7 @@
         <p:spPr>
           <a:xfrm>
             <a:off x="504000" y="226080"/>
-            <a:ext cx="9071640" cy="946440"/>
+            <a:ext cx="9072000" cy="946440"/>
           </a:xfrm>
           <a:prstGeom prst="rect">
             <a:avLst/>
@@ -1253,7 +1257,7 @@
       </p:sp>
       <p:sp>
         <p:nvSpPr>
-          <p:cNvPr id="23" name="PlaceHolder 2"/>
+          <p:cNvPr id="20" name="PlaceHolder 2"/>
           <p:cNvSpPr>
             <a:spLocks noGrp="1"/>
           </p:cNvSpPr>
@@ -1264,7 +1268,7 @@
         <p:spPr>
           <a:xfrm>
             <a:off x="504000" y="1326600"/>
-            <a:ext cx="4426920" cy="1568160"/>
+            <a:ext cx="4426920" cy="1568520"/>
           </a:xfrm>
           <a:prstGeom prst="rect">
             <a:avLst/>
@@ -1283,7 +1287,7 @@
       </p:sp>
       <p:sp>
         <p:nvSpPr>
-          <p:cNvPr id="24" name="PlaceHolder 3"/>
+          <p:cNvPr id="21" name="PlaceHolder 3"/>
           <p:cNvSpPr>
             <a:spLocks noGrp="1"/>
           </p:cNvSpPr>
@@ -1294,7 +1298,7 @@
         <p:spPr>
           <a:xfrm>
             <a:off x="5152680" y="1326600"/>
-            <a:ext cx="4426920" cy="1568160"/>
+            <a:ext cx="4426920" cy="1568520"/>
           </a:xfrm>
           <a:prstGeom prst="rect">
             <a:avLst/>
@@ -1313,7 +1317,7 @@
       </p:sp>
       <p:sp>
         <p:nvSpPr>
-          <p:cNvPr id="25" name="PlaceHolder 4"/>
+          <p:cNvPr id="22" name="PlaceHolder 4"/>
           <p:cNvSpPr>
             <a:spLocks noGrp="1"/>
           </p:cNvSpPr>
@@ -1323,8 +1327,8 @@
         </p:nvSpPr>
         <p:spPr>
           <a:xfrm>
-            <a:off x="504000" y="3044160"/>
-            <a:ext cx="9071640" cy="1568160"/>
+            <a:off x="504000" y="3044520"/>
+            <a:ext cx="9072000" cy="1568520"/>
           </a:xfrm>
           <a:prstGeom prst="rect">
             <a:avLst/>
@@ -1376,7 +1380,7 @@
         <p:spPr>
           <a:xfrm>
             <a:off x="504000" y="226080"/>
-            <a:ext cx="9071640" cy="946440"/>
+            <a:ext cx="9072000" cy="946440"/>
           </a:xfrm>
           <a:prstGeom prst="rect">
             <a:avLst/>
@@ -1390,49 +1394,19 @@
               <a:rPr b="0" lang="en-US" sz="4400" spc="-1" strike="noStrike">
                 <a:latin typeface="Arial"/>
               </a:rPr>
-              <a:t>Click </a:t>
+              <a:t>Click to edit </a:t>
             </a:r>
             <a:r>
               <a:rPr b="0" lang="en-US" sz="4400" spc="-1" strike="noStrike">
                 <a:latin typeface="Arial"/>
               </a:rPr>
-              <a:t>to </a:t>
+              <a:t>the title text </a:t>
             </a:r>
             <a:r>
               <a:rPr b="0" lang="en-US" sz="4400" spc="-1" strike="noStrike">
                 <a:latin typeface="Arial"/>
               </a:rPr>
-              <a:t>edit </a:t>
-            </a:r>
-            <a:r>
-              <a:rPr b="0" lang="en-US" sz="4400" spc="-1" strike="noStrike">
-                <a:latin typeface="Arial"/>
-              </a:rPr>
-              <a:t>the </a:t>
-            </a:r>
-            <a:r>
-              <a:rPr b="0" lang="en-US" sz="4400" spc="-1" strike="noStrike">
-                <a:latin typeface="Arial"/>
-              </a:rPr>
-              <a:t>title </a:t>
-            </a:r>
-            <a:r>
-              <a:rPr b="0" lang="en-US" sz="4400" spc="-1" strike="noStrike">
-                <a:latin typeface="Arial"/>
-              </a:rPr>
-              <a:t>text </a:t>
-            </a:r>
-            <a:r>
-              <a:rPr b="0" lang="en-US" sz="4400" spc="-1" strike="noStrike">
-                <a:latin typeface="Arial"/>
-              </a:rPr>
-              <a:t>form</a:t>
-            </a:r>
-            <a:r>
-              <a:rPr b="0" lang="en-US" sz="4400" spc="-1" strike="noStrike">
-                <a:latin typeface="Arial"/>
-              </a:rPr>
-              <a:t>at</a:t>
+              <a:t>format</a:t>
             </a:r>
             <a:endParaRPr b="0" lang="en-US" sz="4400" spc="-1" strike="noStrike">
               <a:latin typeface="Arial"/>
@@ -1453,7 +1427,7 @@
         <p:spPr>
           <a:xfrm>
             <a:off x="504000" y="1326600"/>
-            <a:ext cx="9071640" cy="3288240"/>
+            <a:ext cx="9072000" cy="3288600"/>
           </a:xfrm>
           <a:prstGeom prst="rect">
             <a:avLst/>
@@ -1615,110 +1589,6 @@
             </a:r>
             <a:endParaRPr b="0" lang="en-US" sz="2000" spc="-1" strike="noStrike">
               <a:latin typeface="Arial"/>
-            </a:endParaRPr>
-          </a:p>
-        </p:txBody>
-      </p:sp>
-      <p:sp>
-        <p:nvSpPr>
-          <p:cNvPr id="2" name="PlaceHolder 3"/>
-          <p:cNvSpPr>
-            <a:spLocks noGrp="1"/>
-          </p:cNvSpPr>
-          <p:nvPr>
-            <p:ph type="dt"/>
-          </p:nvPr>
-        </p:nvSpPr>
-        <p:spPr>
-          <a:xfrm>
-            <a:off x="504000" y="5165280"/>
-            <a:ext cx="2348280" cy="390600"/>
-          </a:xfrm>
-          <a:prstGeom prst="rect">
-            <a:avLst/>
-          </a:prstGeom>
-        </p:spPr>
-        <p:txBody>
-          <a:bodyPr lIns="0" rIns="0" tIns="0" bIns="0"/>
-          <a:p>
-            <a:r>
-              <a:rPr b="0" lang="en-US" sz="1400" spc="-1" strike="noStrike">
-                <a:latin typeface="Times New Roman"/>
-              </a:rPr>
-              <a:t>&lt;date/time&gt;</a:t>
-            </a:r>
-            <a:endParaRPr b="0" lang="en-US" sz="1400" spc="-1" strike="noStrike">
-              <a:latin typeface="Times New Roman"/>
-            </a:endParaRPr>
-          </a:p>
-        </p:txBody>
-      </p:sp>
-      <p:sp>
-        <p:nvSpPr>
-          <p:cNvPr id="3" name="PlaceHolder 4"/>
-          <p:cNvSpPr>
-            <a:spLocks noGrp="1"/>
-          </p:cNvSpPr>
-          <p:nvPr>
-            <p:ph type="ftr"/>
-          </p:nvPr>
-        </p:nvSpPr>
-        <p:spPr>
-          <a:xfrm>
-            <a:off x="3447360" y="5165280"/>
-            <a:ext cx="3195000" cy="390600"/>
-          </a:xfrm>
-          <a:prstGeom prst="rect">
-            <a:avLst/>
-          </a:prstGeom>
-        </p:spPr>
-        <p:txBody>
-          <a:bodyPr lIns="0" rIns="0" tIns="0" bIns="0"/>
-          <a:p>
-            <a:pPr algn="ctr"/>
-            <a:r>
-              <a:rPr b="0" lang="en-US" sz="1400" spc="-1" strike="noStrike">
-                <a:latin typeface="Times New Roman"/>
-              </a:rPr>
-              <a:t>&lt;footer&gt;</a:t>
-            </a:r>
-            <a:endParaRPr b="0" lang="en-US" sz="1400" spc="-1" strike="noStrike">
-              <a:latin typeface="Times New Roman"/>
-            </a:endParaRPr>
-          </a:p>
-        </p:txBody>
-      </p:sp>
-      <p:sp>
-        <p:nvSpPr>
-          <p:cNvPr id="4" name="PlaceHolder 5"/>
-          <p:cNvSpPr>
-            <a:spLocks noGrp="1"/>
-          </p:cNvSpPr>
-          <p:nvPr>
-            <p:ph type="sldNum"/>
-          </p:nvPr>
-        </p:nvSpPr>
-        <p:spPr>
-          <a:xfrm>
-            <a:off x="7227360" y="5165280"/>
-            <a:ext cx="2348280" cy="390600"/>
-          </a:xfrm>
-          <a:prstGeom prst="rect">
-            <a:avLst/>
-          </a:prstGeom>
-        </p:spPr>
-        <p:txBody>
-          <a:bodyPr lIns="0" rIns="0" tIns="0" bIns="0"/>
-          <a:p>
-            <a:pPr algn="r"/>
-            <a:fld id="{F8B52D1A-B256-4C86-AE10-507ED3A907E7}" type="slidenum">
-              <a:rPr b="0" lang="en-US" sz="1400" spc="-1" strike="noStrike">
-                <a:latin typeface="Times New Roman"/>
-              </a:rPr>
-              <a:t>&lt;number&gt;</a:t>
-            </a:fld>
-            <a:endParaRPr b="0" lang="en-US" sz="1400" spc="-1" strike="noStrike">
-              <a:latin typeface="Times New Roman"/>
             </a:endParaRPr>
           </a:p>
         </p:txBody>
@@ -1762,14 +1632,14 @@
       </p:grpSpPr>
       <p:sp>
         <p:nvSpPr>
-          <p:cNvPr id="41" name="CustomShape 1"/>
+          <p:cNvPr id="38" name="CustomShape 1"/>
           <p:cNvSpPr/>
           <p:nvPr/>
         </p:nvSpPr>
         <p:spPr>
           <a:xfrm>
             <a:off x="1371600" y="1645920"/>
-            <a:ext cx="1920240" cy="1097280"/>
+            <a:ext cx="1919160" cy="1096200"/>
           </a:xfrm>
           <a:prstGeom prst="rect">
             <a:avLst/>
@@ -1793,10 +1663,18 @@
         <p:txBody>
           <a:bodyPr wrap="none" lIns="99000" rIns="99000" tIns="54000" bIns="54000" anchor="ctr"/>
           <a:p>
-            <a:pPr algn="ctr"/>
+            <a:pPr algn="ctr">
+              <a:lnSpc>
+                <a:spcPct val="100000"/>
+              </a:lnSpc>
+            </a:pPr>
             <a:r>
               <a:rPr b="1" lang="en-US" sz="1800" spc="-1" strike="noStrike">
-                <a:latin typeface="Arial"/>
+                <a:solidFill>
+                  <a:srgbClr val="000000"/>
+                </a:solidFill>
+                <a:latin typeface="Arial"/>
+                <a:ea typeface="DejaVu Sans"/>
               </a:rPr>
               <a:t>AppModule</a:t>
             </a:r>
@@ -1805,10 +1683,18 @@
             </a:endParaRPr>
           </a:p>
           <a:p>
-            <a:pPr algn="ctr"/>
+            <a:pPr algn="ctr">
+              <a:lnSpc>
+                <a:spcPct val="100000"/>
+              </a:lnSpc>
+            </a:pPr>
             <a:r>
               <a:rPr b="0" lang="en-US" sz="1600" spc="-1" strike="noStrike">
-                <a:latin typeface="Arial"/>
+                <a:solidFill>
+                  <a:srgbClr val="000000"/>
+                </a:solidFill>
+                <a:latin typeface="Arial"/>
+                <a:ea typeface="DejaVu Sans"/>
               </a:rPr>
               <a:t>App.module.ts</a:t>
             </a:r>
@@ -1820,14 +1706,14 @@
       </p:sp>
       <p:sp>
         <p:nvSpPr>
-          <p:cNvPr id="42" name="TextShape 2"/>
-          <p:cNvSpPr txBox="1"/>
+          <p:cNvPr id="39" name="CustomShape 2"/>
+          <p:cNvSpPr/>
           <p:nvPr/>
         </p:nvSpPr>
         <p:spPr>
           <a:xfrm>
             <a:off x="1280160" y="914400"/>
-            <a:ext cx="4572000" cy="346320"/>
+            <a:ext cx="4570920" cy="345240"/>
           </a:xfrm>
           <a:prstGeom prst="rect">
             <a:avLst/>
@@ -1837,12 +1723,27 @@
             <a:noFill/>
           </a:ln>
         </p:spPr>
+        <p:style>
+          <a:lnRef idx="0"/>
+          <a:fillRef idx="0"/>
+          <a:effectRef idx="0"/>
+          <a:fontRef idx="minor"/>
+        </p:style>
         <p:txBody>
           <a:bodyPr lIns="90000" rIns="90000" tIns="45000" bIns="45000"/>
           <a:p>
+            <a:pPr>
+              <a:lnSpc>
+                <a:spcPct val="100000"/>
+              </a:lnSpc>
+            </a:pPr>
             <a:r>
               <a:rPr b="0" lang="en-US" sz="1800" spc="-1" strike="noStrike">
-                <a:latin typeface="Arial"/>
+                <a:solidFill>
+                  <a:srgbClr val="000000"/>
+                </a:solidFill>
+                <a:latin typeface="Arial"/>
+                <a:ea typeface="DejaVu Sans"/>
               </a:rPr>
               <a:t>ng new my-app</a:t>
             </a:r>
@@ -1854,14 +1755,14 @@
       </p:sp>
       <p:sp>
         <p:nvSpPr>
-          <p:cNvPr id="43" name="CustomShape 3"/>
+          <p:cNvPr id="40" name="CustomShape 3"/>
           <p:cNvSpPr/>
           <p:nvPr/>
         </p:nvSpPr>
         <p:spPr>
           <a:xfrm>
             <a:off x="4114800" y="1554480"/>
-            <a:ext cx="1920240" cy="1097280"/>
+            <a:ext cx="1919160" cy="1096200"/>
           </a:xfrm>
           <a:prstGeom prst="rect">
             <a:avLst/>
@@ -1885,10 +1786,18 @@
         <p:txBody>
           <a:bodyPr wrap="none" lIns="99000" rIns="99000" tIns="54000" bIns="54000" anchor="ctr"/>
           <a:p>
-            <a:pPr algn="ctr"/>
+            <a:pPr algn="ctr">
+              <a:lnSpc>
+                <a:spcPct val="100000"/>
+              </a:lnSpc>
+            </a:pPr>
             <a:r>
               <a:rPr b="1" lang="en-US" sz="1800" spc="-1" strike="noStrike">
-                <a:latin typeface="Arial"/>
+                <a:solidFill>
+                  <a:srgbClr val="000000"/>
+                </a:solidFill>
+                <a:latin typeface="Arial"/>
+                <a:ea typeface="DejaVu Sans"/>
               </a:rPr>
               <a:t>AppComponent</a:t>
             </a:r>
@@ -1897,10 +1806,18 @@
             </a:endParaRPr>
           </a:p>
           <a:p>
-            <a:pPr algn="ctr"/>
+            <a:pPr algn="ctr">
+              <a:lnSpc>
+                <a:spcPct val="100000"/>
+              </a:lnSpc>
+            </a:pPr>
             <a:r>
               <a:rPr b="0" lang="en-US" sz="1600" spc="-1" strike="noStrike">
-                <a:latin typeface="Arial"/>
+                <a:solidFill>
+                  <a:srgbClr val="000000"/>
+                </a:solidFill>
+                <a:latin typeface="Arial"/>
+                <a:ea typeface="DejaVu Sans"/>
               </a:rPr>
               <a:t>App.component.ts</a:t>
             </a:r>
@@ -1909,10 +1826,18 @@
             </a:endParaRPr>
           </a:p>
           <a:p>
-            <a:pPr algn="ctr"/>
+            <a:pPr algn="ctr">
+              <a:lnSpc>
+                <a:spcPct val="100000"/>
+              </a:lnSpc>
+            </a:pPr>
             <a:r>
               <a:rPr b="0" lang="en-US" sz="1600" spc="-1" strike="noStrike">
-                <a:latin typeface="Arial"/>
+                <a:solidFill>
+                  <a:srgbClr val="000000"/>
+                </a:solidFill>
+                <a:latin typeface="Arial"/>
+                <a:ea typeface="DejaVu Sans"/>
               </a:rPr>
               <a:t>App.component.html</a:t>
             </a:r>
@@ -1921,10 +1846,18 @@
             </a:endParaRPr>
           </a:p>
           <a:p>
-            <a:pPr algn="ctr"/>
+            <a:pPr algn="ctr">
+              <a:lnSpc>
+                <a:spcPct val="100000"/>
+              </a:lnSpc>
+            </a:pPr>
             <a:r>
               <a:rPr b="0" lang="en-US" sz="1600" spc="-1" strike="noStrike">
-                <a:latin typeface="Arial"/>
+                <a:solidFill>
+                  <a:srgbClr val="000000"/>
+                </a:solidFill>
+                <a:latin typeface="Arial"/>
+                <a:ea typeface="DejaVu Sans"/>
               </a:rPr>
               <a:t>App.component.css</a:t>
             </a:r>
@@ -1936,14 +1869,14 @@
       </p:sp>
       <p:sp>
         <p:nvSpPr>
-          <p:cNvPr id="44" name="CustomShape 4"/>
+          <p:cNvPr id="41" name="CustomShape 4"/>
           <p:cNvSpPr/>
           <p:nvPr/>
         </p:nvSpPr>
         <p:spPr>
           <a:xfrm>
             <a:off x="7026120" y="1125360"/>
-            <a:ext cx="1920240" cy="1097280"/>
+            <a:ext cx="1919160" cy="1096200"/>
           </a:xfrm>
           <a:prstGeom prst="rect">
             <a:avLst/>
@@ -1967,10 +1900,18 @@
         <p:txBody>
           <a:bodyPr wrap="none" lIns="99000" rIns="99000" tIns="54000" bIns="54000" anchor="ctr"/>
           <a:p>
-            <a:pPr algn="ctr"/>
+            <a:pPr algn="ctr">
+              <a:lnSpc>
+                <a:spcPct val="100000"/>
+              </a:lnSpc>
+            </a:pPr>
             <a:r>
               <a:rPr b="1" lang="en-US" sz="1800" spc="-1" strike="noStrike">
-                <a:latin typeface="Arial"/>
+                <a:solidFill>
+                  <a:srgbClr val="000000"/>
+                </a:solidFill>
+                <a:latin typeface="Arial"/>
+                <a:ea typeface="DejaVu Sans"/>
               </a:rPr>
               <a:t>AddressEntry</a:t>
             </a:r>
@@ -1979,10 +1920,18 @@
             </a:endParaRPr>
           </a:p>
           <a:p>
-            <a:pPr algn="ctr"/>
+            <a:pPr algn="ctr">
+              <a:lnSpc>
+                <a:spcPct val="100000"/>
+              </a:lnSpc>
+            </a:pPr>
             <a:r>
               <a:rPr b="1" lang="en-US" sz="1800" spc="-1" strike="noStrike">
-                <a:latin typeface="Arial"/>
+                <a:solidFill>
+                  <a:srgbClr val="000000"/>
+                </a:solidFill>
+                <a:latin typeface="Arial"/>
+                <a:ea typeface="DejaVu Sans"/>
               </a:rPr>
               <a:t>Component</a:t>
             </a:r>
@@ -1991,7 +1940,11 @@
             </a:endParaRPr>
           </a:p>
           <a:p>
-            <a:pPr algn="ctr"/>
+            <a:pPr algn="ctr">
+              <a:lnSpc>
+                <a:spcPct val="100000"/>
+              </a:lnSpc>
+            </a:pPr>
             <a:endParaRPr b="0" lang="en-US" sz="1800" spc="-1" strike="noStrike">
               <a:latin typeface="Arial"/>
             </a:endParaRPr>
@@ -2000,14 +1953,14 @@
       </p:sp>
       <p:sp>
         <p:nvSpPr>
-          <p:cNvPr id="45" name="CustomShape 5"/>
+          <p:cNvPr id="42" name="CustomShape 5"/>
           <p:cNvSpPr/>
           <p:nvPr/>
         </p:nvSpPr>
         <p:spPr>
           <a:xfrm>
             <a:off x="7132320" y="3017520"/>
-            <a:ext cx="1920240" cy="1097280"/>
+            <a:ext cx="1919160" cy="1096200"/>
           </a:xfrm>
           <a:prstGeom prst="rect">
             <a:avLst/>
@@ -2031,10 +1984,18 @@
         <p:txBody>
           <a:bodyPr wrap="none" lIns="99000" rIns="99000" tIns="54000" bIns="54000" anchor="ctr"/>
           <a:p>
-            <a:pPr algn="ctr"/>
+            <a:pPr algn="ctr">
+              <a:lnSpc>
+                <a:spcPct val="100000"/>
+              </a:lnSpc>
+            </a:pPr>
             <a:r>
               <a:rPr b="1" lang="en-US" sz="1600" spc="-1" strike="noStrike">
-                <a:latin typeface="Arial"/>
+                <a:solidFill>
+                  <a:srgbClr val="000000"/>
+                </a:solidFill>
+                <a:latin typeface="Arial"/>
+                <a:ea typeface="DejaVu Sans"/>
               </a:rPr>
               <a:t>AddressItem</a:t>
             </a:r>
@@ -2095,14 +2056,14 @@
       </p:grpSpPr>
       <p:sp>
         <p:nvSpPr>
-          <p:cNvPr id="46" name="CustomShape 1"/>
+          <p:cNvPr id="43" name="CustomShape 1"/>
           <p:cNvSpPr/>
           <p:nvPr/>
         </p:nvSpPr>
         <p:spPr>
           <a:xfrm>
             <a:off x="2926080" y="365760"/>
-            <a:ext cx="6858000" cy="4754880"/>
+            <a:ext cx="6856920" cy="4753800"/>
           </a:xfrm>
           <a:prstGeom prst="rect">
             <a:avLst/>
@@ -2126,14 +2087,14 @@
       </p:sp>
       <p:sp>
         <p:nvSpPr>
-          <p:cNvPr id="47" name="TextShape 2"/>
-          <p:cNvSpPr txBox="1"/>
+          <p:cNvPr id="44" name="CustomShape 2"/>
+          <p:cNvSpPr/>
           <p:nvPr/>
         </p:nvSpPr>
         <p:spPr>
           <a:xfrm>
             <a:off x="3200400" y="640080"/>
-            <a:ext cx="2743200" cy="858240"/>
+            <a:ext cx="2742120" cy="857160"/>
           </a:xfrm>
           <a:prstGeom prst="rect">
             <a:avLst/>
@@ -2143,37 +2104,46 @@
             <a:noFill/>
           </a:ln>
         </p:spPr>
+        <p:style>
+          <a:lnRef idx="0"/>
+          <a:fillRef idx="0"/>
+          <a:effectRef idx="0"/>
+          <a:fontRef idx="minor"/>
+        </p:style>
         <p:txBody>
           <a:bodyPr lIns="90000" rIns="90000" tIns="45000" bIns="45000"/>
           <a:p>
+            <a:pPr>
+              <a:lnSpc>
+                <a:spcPct val="100000"/>
+              </a:lnSpc>
+            </a:pPr>
             <a:r>
               <a:rPr b="0" lang="en-US" sz="1800" spc="-1" strike="noStrike">
                 <a:solidFill>
                   <a:srgbClr val="0066b3"/>
                 </a:solidFill>
                 <a:latin typeface="Arial"/>
+                <a:ea typeface="DejaVu Sans"/>
               </a:rPr>
               <a:t>AppComponent</a:t>
             </a:r>
             <a:endParaRPr b="0" lang="en-US" sz="1800" spc="-1" strike="noStrike">
-              <a:solidFill>
-                <a:srgbClr val="0066b3"/>
-              </a:solidFill>
-              <a:latin typeface="Arial"/>
-            </a:endParaRPr>
-          </a:p>
-        </p:txBody>
-      </p:sp>
-      <p:sp>
-        <p:nvSpPr>
-          <p:cNvPr id="48" name="CustomShape 3"/>
+              <a:latin typeface="Arial"/>
+            </a:endParaRPr>
+          </a:p>
+        </p:txBody>
+      </p:sp>
+      <p:sp>
+        <p:nvSpPr>
+          <p:cNvPr id="45" name="CustomShape 3"/>
           <p:cNvSpPr/>
           <p:nvPr/>
         </p:nvSpPr>
         <p:spPr>
           <a:xfrm>
             <a:off x="3474720" y="1280160"/>
-            <a:ext cx="3566160" cy="1097280"/>
+            <a:ext cx="3565080" cy="1096200"/>
           </a:xfrm>
           <a:prstGeom prst="rect">
             <a:avLst/>
@@ -2197,13 +2167,21 @@
         <p:txBody>
           <a:bodyPr wrap="none" lIns="99000" rIns="99000" tIns="54000" bIns="54000" anchor="ctr"/>
           <a:p>
-            <a:pPr algn="ctr"/>
+            <a:pPr algn="ctr">
+              <a:lnSpc>
+                <a:spcPct val="100000"/>
+              </a:lnSpc>
+            </a:pPr>
             <a:endParaRPr b="0" lang="en-US" sz="1800" spc="-1" strike="noStrike">
               <a:latin typeface="Arial"/>
             </a:endParaRPr>
           </a:p>
           <a:p>
-            <a:pPr algn="ctr"/>
+            <a:pPr algn="ctr">
+              <a:lnSpc>
+                <a:spcPct val="100000"/>
+              </a:lnSpc>
+            </a:pPr>
             <a:endParaRPr b="0" lang="en-US" sz="1800" spc="-1" strike="noStrike">
               <a:latin typeface="Arial"/>
             </a:endParaRPr>
@@ -2212,14 +2190,14 @@
       </p:sp>
       <p:sp>
         <p:nvSpPr>
-          <p:cNvPr id="49" name="TextShape 4"/>
-          <p:cNvSpPr txBox="1"/>
+          <p:cNvPr id="46" name="CustomShape 4"/>
+          <p:cNvSpPr/>
           <p:nvPr/>
         </p:nvSpPr>
         <p:spPr>
           <a:xfrm>
             <a:off x="3474720" y="1280160"/>
-            <a:ext cx="3383280" cy="602280"/>
+            <a:ext cx="3382200" cy="601200"/>
           </a:xfrm>
           <a:prstGeom prst="rect">
             <a:avLst/>
@@ -2229,20 +2207,29 @@
             <a:noFill/>
           </a:ln>
         </p:spPr>
+        <p:style>
+          <a:lnRef idx="0"/>
+          <a:fillRef idx="0"/>
+          <a:effectRef idx="0"/>
+          <a:fontRef idx="minor"/>
+        </p:style>
         <p:txBody>
           <a:bodyPr lIns="90000" rIns="90000" tIns="45000" bIns="45000"/>
           <a:p>
+            <a:pPr>
+              <a:lnSpc>
+                <a:spcPct val="100000"/>
+              </a:lnSpc>
+            </a:pPr>
             <a:r>
               <a:rPr b="1" lang="en-US" sz="1800" spc="-1" strike="noStrike">
-                <a:latin typeface="Arial"/>
-              </a:rPr>
-              <a:t>AddressEntryCompone</a:t>
-            </a:r>
-            <a:r>
-              <a:rPr b="1" lang="en-US" sz="1800" spc="-1" strike="noStrike">
-                <a:latin typeface="Arial"/>
-              </a:rPr>
-              <a:t>nt</a:t>
+                <a:solidFill>
+                  <a:srgbClr val="000000"/>
+                </a:solidFill>
+                <a:latin typeface="Arial"/>
+                <a:ea typeface="DejaVu Sans"/>
+              </a:rPr>
+              <a:t>AddressEntryComponent</a:t>
             </a:r>
             <a:endParaRPr b="0" lang="en-US" sz="1800" spc="-1" strike="noStrike">
               <a:latin typeface="Arial"/>
@@ -2252,14 +2239,14 @@
       </p:sp>
       <p:sp>
         <p:nvSpPr>
-          <p:cNvPr id="50" name="CustomShape 5"/>
+          <p:cNvPr id="47" name="CustomShape 5"/>
           <p:cNvSpPr/>
           <p:nvPr/>
         </p:nvSpPr>
         <p:spPr>
           <a:xfrm>
             <a:off x="3474720" y="2834640"/>
-            <a:ext cx="3566160" cy="602280"/>
+            <a:ext cx="3565080" cy="601200"/>
           </a:xfrm>
           <a:prstGeom prst="rect">
             <a:avLst/>
@@ -2283,13 +2270,21 @@
         <p:txBody>
           <a:bodyPr wrap="none" lIns="99000" rIns="99000" tIns="54000" bIns="54000" anchor="ctr"/>
           <a:p>
-            <a:pPr algn="ctr"/>
+            <a:pPr algn="ctr">
+              <a:lnSpc>
+                <a:spcPct val="100000"/>
+              </a:lnSpc>
+            </a:pPr>
             <a:endParaRPr b="0" lang="en-US" sz="1800" spc="-1" strike="noStrike">
               <a:latin typeface="Arial"/>
             </a:endParaRPr>
           </a:p>
           <a:p>
-            <a:pPr algn="ctr"/>
+            <a:pPr algn="ctr">
+              <a:lnSpc>
+                <a:spcPct val="100000"/>
+              </a:lnSpc>
+            </a:pPr>
             <a:endParaRPr b="0" lang="en-US" sz="1800" spc="-1" strike="noStrike">
               <a:latin typeface="Arial"/>
             </a:endParaRPr>
@@ -2298,14 +2293,14 @@
       </p:sp>
       <p:sp>
         <p:nvSpPr>
-          <p:cNvPr id="51" name="TextShape 6"/>
-          <p:cNvSpPr txBox="1"/>
+          <p:cNvPr id="48" name="CustomShape 6"/>
+          <p:cNvSpPr/>
           <p:nvPr/>
         </p:nvSpPr>
         <p:spPr>
           <a:xfrm>
             <a:off x="3474720" y="2834640"/>
-            <a:ext cx="3383280" cy="602280"/>
+            <a:ext cx="3382200" cy="601200"/>
           </a:xfrm>
           <a:prstGeom prst="rect">
             <a:avLst/>
@@ -2315,37 +2310,46 @@
             <a:noFill/>
           </a:ln>
         </p:spPr>
+        <p:style>
+          <a:lnRef idx="0"/>
+          <a:fillRef idx="0"/>
+          <a:effectRef idx="0"/>
+          <a:fontRef idx="minor"/>
+        </p:style>
         <p:txBody>
           <a:bodyPr lIns="90000" rIns="90000" tIns="45000" bIns="45000"/>
           <a:p>
+            <a:pPr>
+              <a:lnSpc>
+                <a:spcPct val="100000"/>
+              </a:lnSpc>
+            </a:pPr>
             <a:r>
               <a:rPr b="1" lang="en-US" sz="1800" spc="-1" strike="noStrike">
                 <a:solidFill>
                   <a:srgbClr val="ce181e"/>
                 </a:solidFill>
                 <a:latin typeface="Arial"/>
+                <a:ea typeface="DejaVu Sans"/>
               </a:rPr>
               <a:t>AddressComponent</a:t>
             </a:r>
             <a:endParaRPr b="0" lang="en-US" sz="1800" spc="-1" strike="noStrike">
-              <a:solidFill>
-                <a:srgbClr val="ce181e"/>
-              </a:solidFill>
-              <a:latin typeface="Arial"/>
-            </a:endParaRPr>
-          </a:p>
-        </p:txBody>
-      </p:sp>
-      <p:sp>
-        <p:nvSpPr>
-          <p:cNvPr id="52" name="CustomShape 7"/>
+              <a:latin typeface="Arial"/>
+            </a:endParaRPr>
+          </a:p>
+        </p:txBody>
+      </p:sp>
+      <p:sp>
+        <p:nvSpPr>
+          <p:cNvPr id="49" name="CustomShape 7"/>
           <p:cNvSpPr/>
           <p:nvPr/>
         </p:nvSpPr>
         <p:spPr>
           <a:xfrm>
             <a:off x="3474720" y="3554640"/>
-            <a:ext cx="3566160" cy="602280"/>
+            <a:ext cx="3565080" cy="601200"/>
           </a:xfrm>
           <a:prstGeom prst="rect">
             <a:avLst/>
@@ -2369,13 +2373,21 @@
         <p:txBody>
           <a:bodyPr wrap="none" lIns="99000" rIns="99000" tIns="54000" bIns="54000" anchor="ctr"/>
           <a:p>
-            <a:pPr algn="ctr"/>
+            <a:pPr algn="ctr">
+              <a:lnSpc>
+                <a:spcPct val="100000"/>
+              </a:lnSpc>
+            </a:pPr>
             <a:endParaRPr b="0" lang="en-US" sz="1800" spc="-1" strike="noStrike">
               <a:latin typeface="Arial"/>
             </a:endParaRPr>
           </a:p>
           <a:p>
-            <a:pPr algn="ctr"/>
+            <a:pPr algn="ctr">
+              <a:lnSpc>
+                <a:spcPct val="100000"/>
+              </a:lnSpc>
+            </a:pPr>
             <a:endParaRPr b="0" lang="en-US" sz="1800" spc="-1" strike="noStrike">
               <a:latin typeface="Arial"/>
             </a:endParaRPr>
@@ -2384,14 +2396,14 @@
       </p:sp>
       <p:sp>
         <p:nvSpPr>
-          <p:cNvPr id="53" name="TextShape 8"/>
-          <p:cNvSpPr txBox="1"/>
+          <p:cNvPr id="50" name="CustomShape 8"/>
+          <p:cNvSpPr/>
           <p:nvPr/>
         </p:nvSpPr>
         <p:spPr>
           <a:xfrm>
             <a:off x="3474720" y="3554640"/>
-            <a:ext cx="3383280" cy="602280"/>
+            <a:ext cx="3382200" cy="601200"/>
           </a:xfrm>
           <a:prstGeom prst="rect">
             <a:avLst/>
@@ -2401,46 +2413,46 @@
             <a:noFill/>
           </a:ln>
         </p:spPr>
+        <p:style>
+          <a:lnRef idx="0"/>
+          <a:fillRef idx="0"/>
+          <a:effectRef idx="0"/>
+          <a:fontRef idx="minor"/>
+        </p:style>
         <p:txBody>
           <a:bodyPr lIns="90000" rIns="90000" tIns="45000" bIns="45000"/>
           <a:p>
+            <a:pPr>
+              <a:lnSpc>
+                <a:spcPct val="100000"/>
+              </a:lnSpc>
+            </a:pPr>
             <a:r>
               <a:rPr b="1" lang="en-US" sz="1800" spc="-1" strike="noStrike">
                 <a:solidFill>
                   <a:srgbClr val="ce181e"/>
                 </a:solidFill>
                 <a:latin typeface="Arial"/>
-              </a:rPr>
-              <a:t>AddressCompo</a:t>
-            </a:r>
-            <a:r>
-              <a:rPr b="1" lang="en-US" sz="1800" spc="-1" strike="noStrike">
-                <a:solidFill>
-                  <a:srgbClr val="ce181e"/>
-                </a:solidFill>
-                <a:latin typeface="Arial"/>
-              </a:rPr>
-              <a:t>nent</a:t>
+                <a:ea typeface="DejaVu Sans"/>
+              </a:rPr>
+              <a:t>AddressComponent</a:t>
             </a:r>
             <a:endParaRPr b="0" lang="en-US" sz="1800" spc="-1" strike="noStrike">
-              <a:solidFill>
-                <a:srgbClr val="ce181e"/>
-              </a:solidFill>
-              <a:latin typeface="Arial"/>
-            </a:endParaRPr>
-          </a:p>
-        </p:txBody>
-      </p:sp>
-      <p:sp>
-        <p:nvSpPr>
-          <p:cNvPr id="54" name="CustomShape 9"/>
+              <a:latin typeface="Arial"/>
+            </a:endParaRPr>
+          </a:p>
+        </p:txBody>
+      </p:sp>
+      <p:sp>
+        <p:nvSpPr>
+          <p:cNvPr id="51" name="CustomShape 9"/>
           <p:cNvSpPr/>
           <p:nvPr/>
         </p:nvSpPr>
         <p:spPr>
           <a:xfrm>
             <a:off x="3474720" y="4310640"/>
-            <a:ext cx="3566160" cy="602280"/>
+            <a:ext cx="3565080" cy="601200"/>
           </a:xfrm>
           <a:prstGeom prst="rect">
             <a:avLst/>
@@ -2464,13 +2476,21 @@
         <p:txBody>
           <a:bodyPr wrap="none" lIns="99000" rIns="99000" tIns="54000" bIns="54000" anchor="ctr"/>
           <a:p>
-            <a:pPr algn="ctr"/>
+            <a:pPr algn="ctr">
+              <a:lnSpc>
+                <a:spcPct val="100000"/>
+              </a:lnSpc>
+            </a:pPr>
             <a:endParaRPr b="0" lang="en-US" sz="1800" spc="-1" strike="noStrike">
               <a:latin typeface="Arial"/>
             </a:endParaRPr>
           </a:p>
           <a:p>
-            <a:pPr algn="ctr"/>
+            <a:pPr algn="ctr">
+              <a:lnSpc>
+                <a:spcPct val="100000"/>
+              </a:lnSpc>
+            </a:pPr>
             <a:endParaRPr b="0" lang="en-US" sz="1800" spc="-1" strike="noStrike">
               <a:latin typeface="Arial"/>
             </a:endParaRPr>
@@ -2479,14 +2499,14 @@
       </p:sp>
       <p:sp>
         <p:nvSpPr>
-          <p:cNvPr id="55" name="TextShape 10"/>
-          <p:cNvSpPr txBox="1"/>
+          <p:cNvPr id="52" name="CustomShape 10"/>
+          <p:cNvSpPr/>
           <p:nvPr/>
         </p:nvSpPr>
         <p:spPr>
           <a:xfrm>
             <a:off x="3474720" y="4310640"/>
-            <a:ext cx="3383280" cy="602280"/>
+            <a:ext cx="3382200" cy="601200"/>
           </a:xfrm>
           <a:prstGeom prst="rect">
             <a:avLst/>
@@ -2496,37 +2516,46 @@
             <a:noFill/>
           </a:ln>
         </p:spPr>
+        <p:style>
+          <a:lnRef idx="0"/>
+          <a:fillRef idx="0"/>
+          <a:effectRef idx="0"/>
+          <a:fontRef idx="minor"/>
+        </p:style>
         <p:txBody>
           <a:bodyPr lIns="90000" rIns="90000" tIns="45000" bIns="45000"/>
           <a:p>
+            <a:pPr>
+              <a:lnSpc>
+                <a:spcPct val="100000"/>
+              </a:lnSpc>
+            </a:pPr>
             <a:r>
               <a:rPr b="1" lang="en-US" sz="1800" spc="-1" strike="noStrike">
                 <a:solidFill>
                   <a:srgbClr val="ce181e"/>
                 </a:solidFill>
                 <a:latin typeface="Arial"/>
+                <a:ea typeface="DejaVu Sans"/>
               </a:rPr>
               <a:t>AddressComponent</a:t>
             </a:r>
             <a:endParaRPr b="0" lang="en-US" sz="1800" spc="-1" strike="noStrike">
-              <a:solidFill>
-                <a:srgbClr val="ce181e"/>
-              </a:solidFill>
-              <a:latin typeface="Arial"/>
-            </a:endParaRPr>
-          </a:p>
-        </p:txBody>
-      </p:sp>
-      <p:sp>
-        <p:nvSpPr>
-          <p:cNvPr id="56" name="CustomShape 11"/>
+              <a:latin typeface="Arial"/>
+            </a:endParaRPr>
+          </a:p>
+        </p:txBody>
+      </p:sp>
+      <p:sp>
+        <p:nvSpPr>
+          <p:cNvPr id="53" name="CustomShape 11"/>
           <p:cNvSpPr/>
           <p:nvPr/>
         </p:nvSpPr>
         <p:spPr>
           <a:xfrm>
             <a:off x="1005840" y="2834640"/>
-            <a:ext cx="1463040" cy="822960"/>
+            <a:ext cx="1461960" cy="821880"/>
           </a:xfrm>
           <a:prstGeom prst="rect">
             <a:avLst/>
@@ -2549,22 +2578,30 @@
         <p:txBody>
           <a:bodyPr wrap="none" lIns="90000" rIns="90000" tIns="45000" bIns="45000" anchor="ctr"/>
           <a:p>
-            <a:pPr algn="ctr"/>
+            <a:pPr algn="ctr">
+              <a:lnSpc>
+                <a:spcPct val="100000"/>
+              </a:lnSpc>
+            </a:pPr>
             <a:r>
               <a:rPr b="1" lang="en-US" sz="1800" spc="-1" strike="noStrike">
-                <a:latin typeface="Arial"/>
+                <a:solidFill>
+                  <a:srgbClr val="000000"/>
+                </a:solidFill>
+                <a:latin typeface="Arial"/>
+                <a:ea typeface="DejaVu Sans"/>
               </a:rPr>
               <a:t>Address</a:t>
             </a:r>
-            <a:endParaRPr b="1" lang="en-US" sz="1800" spc="-1" strike="noStrike">
-              <a:latin typeface="Arial"/>
-            </a:endParaRPr>
-          </a:p>
-        </p:txBody>
-      </p:sp>
-      <p:sp>
-        <p:nvSpPr>
-          <p:cNvPr id="57" name="Line 12"/>
+            <a:endParaRPr b="0" lang="en-US" sz="1800" spc="-1" strike="noStrike">
+              <a:latin typeface="Arial"/>
+            </a:endParaRPr>
+          </a:p>
+        </p:txBody>
+      </p:sp>
+      <p:sp>
+        <p:nvSpPr>
+          <p:cNvPr id="54" name="Line 12"/>
           <p:cNvSpPr/>
           <p:nvPr/>
         </p:nvSpPr>
@@ -2592,14 +2629,14 @@
       </p:sp>
       <p:sp>
         <p:nvSpPr>
-          <p:cNvPr id="58" name="TextShape 13"/>
-          <p:cNvSpPr txBox="1"/>
+          <p:cNvPr id="55" name="CustomShape 13"/>
+          <p:cNvSpPr/>
           <p:nvPr/>
         </p:nvSpPr>
         <p:spPr>
           <a:xfrm>
             <a:off x="274320" y="1546560"/>
-            <a:ext cx="2560320" cy="373680"/>
+            <a:ext cx="2559240" cy="372600"/>
           </a:xfrm>
           <a:prstGeom prst="rect">
             <a:avLst/>
@@ -2609,31 +2646,39 @@
             <a:noFill/>
           </a:ln>
         </p:spPr>
+        <p:style>
+          <a:lnRef idx="0"/>
+          <a:fillRef idx="0"/>
+          <a:effectRef idx="0"/>
+          <a:fontRef idx="minor"/>
+        </p:style>
         <p:txBody>
           <a:bodyPr lIns="90000" rIns="90000" tIns="45000" bIns="45000"/>
           <a:p>
-            <a:pPr algn="ctr"/>
+            <a:pPr algn="ctr">
+              <a:lnSpc>
+                <a:spcPct val="100000"/>
+              </a:lnSpc>
+            </a:pPr>
             <a:r>
               <a:rPr b="0" i="1" lang="en-US" sz="2000" spc="-1" strike="noStrike">
-                <a:latin typeface="Arial"/>
-              </a:rPr>
-              <a:t>newAd</a:t>
-            </a:r>
-            <a:r>
-              <a:rPr b="0" i="1" lang="en-US" sz="2000" spc="-1" strike="noStrike">
-                <a:latin typeface="Arial"/>
-              </a:rPr>
-              <a:t>dress</a:t>
-            </a:r>
-            <a:endParaRPr b="0" i="1" lang="en-US" sz="2000" spc="-1" strike="noStrike">
-              <a:latin typeface="Arial"/>
-            </a:endParaRPr>
-          </a:p>
-        </p:txBody>
-      </p:sp>
-      <p:sp>
-        <p:nvSpPr>
-          <p:cNvPr id="59" name="Line 14"/>
+                <a:solidFill>
+                  <a:srgbClr val="000000"/>
+                </a:solidFill>
+                <a:latin typeface="Arial"/>
+                <a:ea typeface="DejaVu Sans"/>
+              </a:rPr>
+              <a:t>newAddress</a:t>
+            </a:r>
+            <a:endParaRPr b="0" lang="en-US" sz="2000" spc="-1" strike="noStrike">
+              <a:latin typeface="Arial"/>
+            </a:endParaRPr>
+          </a:p>
+        </p:txBody>
+      </p:sp>
+      <p:sp>
+        <p:nvSpPr>
+          <p:cNvPr id="56" name="Line 14"/>
           <p:cNvSpPr/>
           <p:nvPr/>
         </p:nvSpPr>
@@ -2661,14 +2706,14 @@
       </p:sp>
       <p:sp>
         <p:nvSpPr>
-          <p:cNvPr id="60" name="TextShape 15"/>
-          <p:cNvSpPr txBox="1"/>
+          <p:cNvPr id="57" name="CustomShape 15"/>
+          <p:cNvSpPr/>
           <p:nvPr/>
         </p:nvSpPr>
         <p:spPr>
           <a:xfrm>
             <a:off x="822960" y="2049480"/>
-            <a:ext cx="2926080" cy="602280"/>
+            <a:ext cx="2925000" cy="601200"/>
           </a:xfrm>
           <a:prstGeom prst="rect">
             <a:avLst/>
@@ -2678,12 +2723,27 @@
             <a:noFill/>
           </a:ln>
         </p:spPr>
+        <p:style>
+          <a:lnRef idx="0"/>
+          <a:fillRef idx="0"/>
+          <a:effectRef idx="0"/>
+          <a:fontRef idx="minor"/>
+        </p:style>
         <p:txBody>
           <a:bodyPr lIns="90000" rIns="90000" tIns="45000" bIns="45000"/>
           <a:p>
+            <a:pPr>
+              <a:lnSpc>
+                <a:spcPct val="100000"/>
+              </a:lnSpc>
+            </a:pPr>
             <a:r>
               <a:rPr b="0" lang="en-US" sz="1800" spc="-1" strike="noStrike">
-                <a:latin typeface="Arial"/>
+                <a:solidFill>
+                  <a:srgbClr val="000000"/>
+                </a:solidFill>
+                <a:latin typeface="Arial"/>
+                <a:ea typeface="DejaVu Sans"/>
               </a:rPr>
               <a:t>EventEmitter&lt;Address&gt;</a:t>
             </a:r>
@@ -2695,14 +2755,14 @@
       </p:sp>
       <p:sp>
         <p:nvSpPr>
-          <p:cNvPr id="61" name="TextShape 16"/>
-          <p:cNvSpPr txBox="1"/>
+          <p:cNvPr id="58" name="CustomShape 16"/>
+          <p:cNvSpPr/>
           <p:nvPr/>
         </p:nvSpPr>
         <p:spPr>
           <a:xfrm>
             <a:off x="1188720" y="896040"/>
-            <a:ext cx="2926080" cy="602280"/>
+            <a:ext cx="2925000" cy="601200"/>
           </a:xfrm>
           <a:prstGeom prst="rect">
             <a:avLst/>
@@ -2712,37 +2772,46 @@
             <a:noFill/>
           </a:ln>
         </p:spPr>
+        <p:style>
+          <a:lnRef idx="0"/>
+          <a:fillRef idx="0"/>
+          <a:effectRef idx="0"/>
+          <a:fontRef idx="minor"/>
+        </p:style>
         <p:txBody>
           <a:bodyPr lIns="90000" rIns="90000" tIns="45000" bIns="45000"/>
           <a:p>
+            <a:pPr>
+              <a:lnSpc>
+                <a:spcPct val="100000"/>
+              </a:lnSpc>
+            </a:pPr>
             <a:r>
               <a:rPr b="0" lang="en-US" sz="1800" spc="-1" strike="noStrike">
                 <a:solidFill>
                   <a:srgbClr val="1b75bc"/>
                 </a:solidFill>
                 <a:latin typeface="Arial"/>
+                <a:ea typeface="DejaVu Sans"/>
               </a:rPr>
               <a:t>(newAddress)</a:t>
             </a:r>
             <a:endParaRPr b="0" lang="en-US" sz="1800" spc="-1" strike="noStrike">
-              <a:solidFill>
-                <a:srgbClr val="1b75bc"/>
-              </a:solidFill>
-              <a:latin typeface="Arial"/>
-            </a:endParaRPr>
-          </a:p>
-        </p:txBody>
-      </p:sp>
-      <p:sp>
-        <p:nvSpPr>
-          <p:cNvPr id="62" name="TextShape 17"/>
-          <p:cNvSpPr txBox="1"/>
+              <a:latin typeface="Arial"/>
+            </a:endParaRPr>
+          </a:p>
+        </p:txBody>
+      </p:sp>
+      <p:sp>
+        <p:nvSpPr>
+          <p:cNvPr id="59" name="CustomShape 17"/>
+          <p:cNvSpPr/>
           <p:nvPr/>
         </p:nvSpPr>
         <p:spPr>
           <a:xfrm>
             <a:off x="7406640" y="2011680"/>
-            <a:ext cx="2194560" cy="715320"/>
+            <a:ext cx="2193480" cy="714240"/>
           </a:xfrm>
           <a:prstGeom prst="rect">
             <a:avLst/>
@@ -2752,39 +2821,39 @@
             <a:noFill/>
           </a:ln>
         </p:spPr>
+        <p:style>
+          <a:lnRef idx="0"/>
+          <a:fillRef idx="0"/>
+          <a:effectRef idx="0"/>
+          <a:fontRef idx="minor"/>
+        </p:style>
         <p:txBody>
           <a:bodyPr lIns="90000" rIns="90000" tIns="45000" bIns="45000"/>
           <a:p>
+            <a:pPr>
+              <a:lnSpc>
+                <a:spcPct val="100000"/>
+              </a:lnSpc>
+            </a:pPr>
             <a:r>
               <a:rPr b="0" lang="en-US" sz="2200" spc="-1" strike="noStrike">
                 <a:solidFill>
                   <a:srgbClr val="1b75bc"/>
                 </a:solidFill>
                 <a:latin typeface="Arial"/>
-              </a:rPr>
-              <a:t>List of </a:t>
-            </a:r>
-            <a:r>
-              <a:rPr b="0" lang="en-US" sz="2200" spc="-1" strike="noStrike">
-                <a:solidFill>
-                  <a:srgbClr val="1b75bc"/>
-                </a:solidFill>
-                <a:latin typeface="Arial"/>
-              </a:rPr>
-              <a:t>Address</a:t>
+                <a:ea typeface="DejaVu Sans"/>
+              </a:rPr>
+              <a:t>List of Address</a:t>
             </a:r>
             <a:endParaRPr b="0" lang="en-US" sz="2200" spc="-1" strike="noStrike">
-              <a:solidFill>
-                <a:srgbClr val="1b75bc"/>
-              </a:solidFill>
-              <a:latin typeface="Arial"/>
-            </a:endParaRPr>
-          </a:p>
-        </p:txBody>
-      </p:sp>
-      <p:sp>
-        <p:nvSpPr>
-          <p:cNvPr id="63" name="Line 18"/>
+              <a:latin typeface="Arial"/>
+            </a:endParaRPr>
+          </a:p>
+        </p:txBody>
+      </p:sp>
+      <p:sp>
+        <p:nvSpPr>
+          <p:cNvPr id="60" name="Line 18"/>
           <p:cNvSpPr/>
           <p:nvPr/>
         </p:nvSpPr>
@@ -2812,7 +2881,7 @@
       </p:sp>
       <p:sp>
         <p:nvSpPr>
-          <p:cNvPr id="64" name="Line 19"/>
+          <p:cNvPr id="61" name="Line 19"/>
           <p:cNvSpPr/>
           <p:nvPr/>
         </p:nvSpPr>
@@ -2840,7 +2909,7 @@
       </p:sp>
       <p:sp>
         <p:nvSpPr>
-          <p:cNvPr id="65" name="Line 20"/>
+          <p:cNvPr id="62" name="Line 20"/>
           <p:cNvSpPr/>
           <p:nvPr/>
         </p:nvSpPr>
@@ -2868,14 +2937,14 @@
       </p:sp>
       <p:sp>
         <p:nvSpPr>
-          <p:cNvPr id="66" name="TextShape 21"/>
-          <p:cNvSpPr txBox="1"/>
+          <p:cNvPr id="63" name="CustomShape 21"/>
+          <p:cNvSpPr/>
           <p:nvPr/>
         </p:nvSpPr>
         <p:spPr>
           <a:xfrm>
             <a:off x="7132320" y="3291840"/>
-            <a:ext cx="1920240" cy="346320"/>
+            <a:ext cx="1919160" cy="345240"/>
           </a:xfrm>
           <a:prstGeom prst="rect">
             <a:avLst/>
@@ -2885,30 +2954,39 @@
             <a:noFill/>
           </a:ln>
         </p:spPr>
+        <p:style>
+          <a:lnRef idx="0"/>
+          <a:fillRef idx="0"/>
+          <a:effectRef idx="0"/>
+          <a:fontRef idx="minor"/>
+        </p:style>
         <p:txBody>
           <a:bodyPr lIns="90000" rIns="90000" tIns="45000" bIns="45000"/>
           <a:p>
+            <a:pPr>
+              <a:lnSpc>
+                <a:spcPct val="100000"/>
+              </a:lnSpc>
+            </a:pPr>
             <a:r>
               <a:rPr b="0" lang="en-US" sz="1800" spc="-1" strike="noStrike">
                 <a:solidFill>
                   <a:srgbClr val="ce181e"/>
                 </a:solidFill>
                 <a:latin typeface="Arial"/>
+                <a:ea typeface="DejaVu Sans"/>
               </a:rPr>
               <a:t>[address]</a:t>
             </a:r>
             <a:endParaRPr b="0" lang="en-US" sz="1800" spc="-1" strike="noStrike">
-              <a:solidFill>
-                <a:srgbClr val="ce181e"/>
-              </a:solidFill>
-              <a:latin typeface="Arial"/>
-            </a:endParaRPr>
-          </a:p>
-        </p:txBody>
-      </p:sp>
-      <p:sp>
-        <p:nvSpPr>
-          <p:cNvPr id="67" name="Line 22"/>
+              <a:latin typeface="Arial"/>
+            </a:endParaRPr>
+          </a:p>
+        </p:txBody>
+      </p:sp>
+      <p:sp>
+        <p:nvSpPr>
+          <p:cNvPr id="64" name="Line 22"/>
           <p:cNvSpPr/>
           <p:nvPr/>
         </p:nvSpPr>
@@ -2936,7 +3014,7 @@
       </p:sp>
       <p:sp>
         <p:nvSpPr>
-          <p:cNvPr id="68" name="Line 23"/>
+          <p:cNvPr id="65" name="Line 23"/>
           <p:cNvSpPr/>
           <p:nvPr/>
         </p:nvSpPr>
@@ -2964,14 +3042,14 @@
       </p:sp>
       <p:sp>
         <p:nvSpPr>
-          <p:cNvPr id="69" name="TextShape 24"/>
-          <p:cNvSpPr txBox="1"/>
+          <p:cNvPr id="66" name="CustomShape 24"/>
+          <p:cNvSpPr/>
           <p:nvPr/>
         </p:nvSpPr>
         <p:spPr>
           <a:xfrm>
             <a:off x="7498080" y="4317120"/>
-            <a:ext cx="1920240" cy="346320"/>
+            <a:ext cx="1919160" cy="345240"/>
           </a:xfrm>
           <a:prstGeom prst="rect">
             <a:avLst/>
@@ -2981,37 +3059,46 @@
             <a:noFill/>
           </a:ln>
         </p:spPr>
+        <p:style>
+          <a:lnRef idx="0"/>
+          <a:fillRef idx="0"/>
+          <a:effectRef idx="0"/>
+          <a:fontRef idx="minor"/>
+        </p:style>
         <p:txBody>
           <a:bodyPr lIns="90000" rIns="90000" tIns="45000" bIns="45000"/>
           <a:p>
+            <a:pPr>
+              <a:lnSpc>
+                <a:spcPct val="100000"/>
+              </a:lnSpc>
+            </a:pPr>
             <a:r>
               <a:rPr b="0" lang="en-US" sz="1800" spc="-1" strike="noStrike">
                 <a:solidFill>
                   <a:srgbClr val="ce181e"/>
                 </a:solidFill>
                 <a:latin typeface="Arial"/>
+                <a:ea typeface="DejaVu Sans"/>
               </a:rPr>
               <a:t>(deleteAddress)</a:t>
             </a:r>
             <a:endParaRPr b="0" lang="en-US" sz="1800" spc="-1" strike="noStrike">
-              <a:solidFill>
-                <a:srgbClr val="ce181e"/>
-              </a:solidFill>
-              <a:latin typeface="Arial"/>
-            </a:endParaRPr>
-          </a:p>
-        </p:txBody>
-      </p:sp>
-      <p:sp>
-        <p:nvSpPr>
-          <p:cNvPr id="70" name="CustomShape 25"/>
+              <a:latin typeface="Arial"/>
+            </a:endParaRPr>
+          </a:p>
+        </p:txBody>
+      </p:sp>
+      <p:sp>
+        <p:nvSpPr>
+          <p:cNvPr id="67" name="CustomShape 25"/>
           <p:cNvSpPr/>
           <p:nvPr/>
         </p:nvSpPr>
         <p:spPr>
           <a:xfrm>
             <a:off x="457200" y="3931920"/>
-            <a:ext cx="1920240" cy="1097280"/>
+            <a:ext cx="1919160" cy="1096200"/>
           </a:xfrm>
           <a:prstGeom prst="rect">
             <a:avLst/>
@@ -3034,10 +3121,18 @@
         <p:txBody>
           <a:bodyPr wrap="none" lIns="90000" rIns="90000" tIns="45000" bIns="45000" anchor="ctr"/>
           <a:p>
-            <a:pPr algn="ctr"/>
+            <a:pPr algn="ctr">
+              <a:lnSpc>
+                <a:spcPct val="100000"/>
+              </a:lnSpc>
+            </a:pPr>
             <a:r>
               <a:rPr b="1" lang="en-US" sz="1800" spc="-1" strike="noStrike">
-                <a:latin typeface="Arial"/>
+                <a:solidFill>
+                  <a:srgbClr val="000000"/>
+                </a:solidFill>
+                <a:latin typeface="Arial"/>
+                <a:ea typeface="DejaVu Sans"/>
               </a:rPr>
               <a:t>AddressService</a:t>
             </a:r>
@@ -3049,7 +3144,7 @@
       </p:sp>
       <p:sp>
         <p:nvSpPr>
-          <p:cNvPr id="71" name="Line 26"/>
+          <p:cNvPr id="68" name="Line 26"/>
           <p:cNvSpPr/>
           <p:nvPr/>
         </p:nvSpPr>
@@ -3077,7 +3172,7 @@
       </p:sp>
       <p:sp>
         <p:nvSpPr>
-          <p:cNvPr id="72" name="Line 27"/>
+          <p:cNvPr id="69" name="Line 27"/>
           <p:cNvSpPr/>
           <p:nvPr/>
         </p:nvSpPr>
@@ -3105,14 +3200,14 @@
       </p:sp>
       <p:sp>
         <p:nvSpPr>
-          <p:cNvPr id="73" name="TextShape 28"/>
-          <p:cNvSpPr txBox="1"/>
+          <p:cNvPr id="70" name="CustomShape 28"/>
+          <p:cNvSpPr/>
           <p:nvPr/>
         </p:nvSpPr>
         <p:spPr>
           <a:xfrm>
             <a:off x="2468880" y="2468880"/>
-            <a:ext cx="2834640" cy="346320"/>
+            <a:ext cx="2833560" cy="345240"/>
           </a:xfrm>
           <a:prstGeom prst="rect">
             <a:avLst/>
@@ -3122,20 +3217,29 @@
             <a:noFill/>
           </a:ln>
         </p:spPr>
+        <p:style>
+          <a:lnRef idx="0"/>
+          <a:fillRef idx="0"/>
+          <a:effectRef idx="0"/>
+          <a:fontRef idx="minor"/>
+        </p:style>
         <p:txBody>
           <a:bodyPr lIns="90000" rIns="90000" tIns="45000" bIns="45000"/>
           <a:p>
+            <a:pPr>
+              <a:lnSpc>
+                <a:spcPct val="100000"/>
+              </a:lnSpc>
+            </a:pPr>
             <a:r>
               <a:rPr b="0" lang="en-US" sz="1800" spc="-1" strike="noStrike">
-                <a:latin typeface="Arial"/>
-              </a:rPr>
-              <a:t>Dependency </a:t>
-            </a:r>
-            <a:r>
-              <a:rPr b="0" lang="en-US" sz="1800" spc="-1" strike="noStrike">
-                <a:latin typeface="Arial"/>
-              </a:rPr>
-              <a:t>injection</a:t>
+                <a:solidFill>
+                  <a:srgbClr val="000000"/>
+                </a:solidFill>
+                <a:latin typeface="Arial"/>
+                <a:ea typeface="DejaVu Sans"/>
+              </a:rPr>
+              <a:t>Dependency injection</a:t>
             </a:r>
             <a:endParaRPr b="0" lang="en-US" sz="1800" spc="-1" strike="noStrike">
               <a:latin typeface="Arial"/>
@@ -3194,14 +3298,14 @@
       </p:grpSpPr>
       <p:sp>
         <p:nvSpPr>
-          <p:cNvPr id="74" name="CustomShape 1"/>
+          <p:cNvPr id="71" name="CustomShape 1"/>
           <p:cNvSpPr/>
           <p:nvPr/>
         </p:nvSpPr>
         <p:spPr>
           <a:xfrm>
             <a:off x="859680" y="3288240"/>
-            <a:ext cx="6638400" cy="548640"/>
+            <a:ext cx="6637320" cy="547560"/>
           </a:xfrm>
           <a:prstGeom prst="rect">
             <a:avLst/>
@@ -3224,10 +3328,18 @@
         <p:txBody>
           <a:bodyPr wrap="none" lIns="90000" rIns="90000" tIns="45000" bIns="45000" anchor="ctr"/>
           <a:p>
-            <a:pPr algn="ctr"/>
+            <a:pPr algn="ctr">
+              <a:lnSpc>
+                <a:spcPct val="100000"/>
+              </a:lnSpc>
+            </a:pPr>
             <a:r>
               <a:rPr b="0" lang="en-US" sz="1800" spc="-1" strike="noStrike">
-                <a:latin typeface="Arial"/>
+                <a:solidFill>
+                  <a:srgbClr val="000000"/>
+                </a:solidFill>
+                <a:latin typeface="Arial"/>
+                <a:ea typeface="DejaVu Sans"/>
               </a:rPr>
               <a:t>AppComponent</a:t>
             </a:r>
@@ -3239,14 +3351,14 @@
       </p:sp>
       <p:sp>
         <p:nvSpPr>
-          <p:cNvPr id="75" name="CustomShape 2"/>
+          <p:cNvPr id="72" name="CustomShape 2"/>
           <p:cNvSpPr/>
           <p:nvPr/>
         </p:nvSpPr>
         <p:spPr>
           <a:xfrm>
             <a:off x="822960" y="4019760"/>
-            <a:ext cx="7955280" cy="548640"/>
+            <a:ext cx="7954200" cy="547560"/>
           </a:xfrm>
           <a:prstGeom prst="rect">
             <a:avLst/>
@@ -3269,10 +3381,18 @@
         <p:txBody>
           <a:bodyPr wrap="none" lIns="90000" rIns="90000" tIns="45000" bIns="45000" anchor="ctr"/>
           <a:p>
-            <a:pPr algn="ctr"/>
+            <a:pPr algn="ctr">
+              <a:lnSpc>
+                <a:spcPct val="100000"/>
+              </a:lnSpc>
+            </a:pPr>
             <a:r>
               <a:rPr b="0" lang="en-US" sz="1800" spc="-1" strike="noStrike">
-                <a:latin typeface="Arial"/>
+                <a:solidFill>
+                  <a:srgbClr val="000000"/>
+                </a:solidFill>
+                <a:latin typeface="Arial"/>
+                <a:ea typeface="DejaVu Sans"/>
               </a:rPr>
               <a:t>AppModule</a:t>
             </a:r>
@@ -3284,14 +3404,14 @@
       </p:sp>
       <p:sp>
         <p:nvSpPr>
-          <p:cNvPr id="76" name="CustomShape 3"/>
+          <p:cNvPr id="73" name="CustomShape 3"/>
           <p:cNvSpPr/>
           <p:nvPr/>
         </p:nvSpPr>
         <p:spPr>
           <a:xfrm>
             <a:off x="859680" y="2465280"/>
-            <a:ext cx="3200400" cy="548640"/>
+            <a:ext cx="3199320" cy="547560"/>
           </a:xfrm>
           <a:prstGeom prst="rect">
             <a:avLst/>
@@ -3314,10 +3434,18 @@
         <p:txBody>
           <a:bodyPr wrap="none" lIns="90000" rIns="90000" tIns="45000" bIns="45000" anchor="ctr"/>
           <a:p>
-            <a:pPr algn="ctr"/>
+            <a:pPr algn="ctr">
+              <a:lnSpc>
+                <a:spcPct val="100000"/>
+              </a:lnSpc>
+            </a:pPr>
             <a:r>
               <a:rPr b="0" lang="en-US" sz="1800" spc="-1" strike="noStrike">
-                <a:latin typeface="Arial"/>
+                <a:solidFill>
+                  <a:srgbClr val="000000"/>
+                </a:solidFill>
+                <a:latin typeface="Arial"/>
+                <a:ea typeface="DejaVu Sans"/>
               </a:rPr>
               <a:t>AddressEntryComponent</a:t>
             </a:r>
@@ -3329,14 +3457,14 @@
       </p:sp>
       <p:sp>
         <p:nvSpPr>
-          <p:cNvPr id="77" name="CustomShape 4"/>
+          <p:cNvPr id="74" name="CustomShape 4"/>
           <p:cNvSpPr/>
           <p:nvPr/>
         </p:nvSpPr>
         <p:spPr>
           <a:xfrm>
             <a:off x="4334400" y="2465280"/>
-            <a:ext cx="3200400" cy="548640"/>
+            <a:ext cx="3199320" cy="547560"/>
           </a:xfrm>
           <a:prstGeom prst="rect">
             <a:avLst/>
@@ -3359,10 +3487,18 @@
         <p:txBody>
           <a:bodyPr wrap="none" lIns="90000" rIns="90000" tIns="45000" bIns="45000" anchor="ctr"/>
           <a:p>
-            <a:pPr algn="ctr"/>
+            <a:pPr algn="ctr">
+              <a:lnSpc>
+                <a:spcPct val="100000"/>
+              </a:lnSpc>
+            </a:pPr>
             <a:r>
               <a:rPr b="0" lang="en-US" sz="1800" spc="-1" strike="noStrike">
-                <a:latin typeface="Arial"/>
+                <a:solidFill>
+                  <a:srgbClr val="000000"/>
+                </a:solidFill>
+                <a:latin typeface="Arial"/>
+                <a:ea typeface="DejaVu Sans"/>
               </a:rPr>
               <a:t>AddressComponent</a:t>
             </a:r>
@@ -3374,14 +3510,14 @@
       </p:sp>
       <p:sp>
         <p:nvSpPr>
-          <p:cNvPr id="78" name="CustomShape 5"/>
+          <p:cNvPr id="75" name="CustomShape 5"/>
           <p:cNvSpPr/>
           <p:nvPr/>
         </p:nvSpPr>
         <p:spPr>
           <a:xfrm>
             <a:off x="4334400" y="1781280"/>
-            <a:ext cx="3200400" cy="548640"/>
+            <a:ext cx="3199320" cy="547560"/>
           </a:xfrm>
           <a:prstGeom prst="rect">
             <a:avLst/>
@@ -3404,10 +3540,18 @@
         <p:txBody>
           <a:bodyPr wrap="none" lIns="90000" rIns="90000" tIns="45000" bIns="45000" anchor="ctr"/>
           <a:p>
-            <a:pPr algn="ctr"/>
+            <a:pPr algn="ctr">
+              <a:lnSpc>
+                <a:spcPct val="100000"/>
+              </a:lnSpc>
+            </a:pPr>
             <a:r>
               <a:rPr b="0" lang="en-US" sz="1800" spc="-1" strike="noStrike">
-                <a:latin typeface="Arial"/>
+                <a:solidFill>
+                  <a:srgbClr val="000000"/>
+                </a:solidFill>
+                <a:latin typeface="Arial"/>
+                <a:ea typeface="DejaVu Sans"/>
               </a:rPr>
               <a:t>AddressComponent</a:t>
             </a:r>
@@ -3419,14 +3563,14 @@
       </p:sp>
       <p:sp>
         <p:nvSpPr>
-          <p:cNvPr id="79" name="CustomShape 6"/>
+          <p:cNvPr id="76" name="CustomShape 6"/>
           <p:cNvSpPr/>
           <p:nvPr/>
         </p:nvSpPr>
         <p:spPr>
           <a:xfrm>
             <a:off x="4334400" y="1097280"/>
-            <a:ext cx="3200400" cy="548640"/>
+            <a:ext cx="3199320" cy="547560"/>
           </a:xfrm>
           <a:prstGeom prst="rect">
             <a:avLst/>
@@ -3449,10 +3593,18 @@
         <p:txBody>
           <a:bodyPr wrap="none" lIns="90000" rIns="90000" tIns="45000" bIns="45000" anchor="ctr"/>
           <a:p>
-            <a:pPr algn="ctr"/>
+            <a:pPr algn="ctr">
+              <a:lnSpc>
+                <a:spcPct val="100000"/>
+              </a:lnSpc>
+            </a:pPr>
             <a:r>
               <a:rPr b="0" lang="en-US" sz="1800" spc="-1" strike="noStrike">
-                <a:latin typeface="Arial"/>
+                <a:solidFill>
+                  <a:srgbClr val="000000"/>
+                </a:solidFill>
+                <a:latin typeface="Arial"/>
+                <a:ea typeface="DejaVu Sans"/>
               </a:rPr>
               <a:t>AddressComponent</a:t>
             </a:r>
@@ -3464,14 +3616,14 @@
       </p:sp>
       <p:sp>
         <p:nvSpPr>
-          <p:cNvPr id="80" name="CustomShape 7"/>
+          <p:cNvPr id="77" name="CustomShape 7"/>
           <p:cNvSpPr/>
           <p:nvPr/>
         </p:nvSpPr>
         <p:spPr>
           <a:xfrm>
             <a:off x="7772400" y="1097280"/>
-            <a:ext cx="914400" cy="2743200"/>
+            <a:ext cx="913320" cy="2742120"/>
           </a:xfrm>
           <a:prstGeom prst="rect">
             <a:avLst/>
@@ -3494,14 +3646,14 @@
       </p:sp>
       <p:sp>
         <p:nvSpPr>
-          <p:cNvPr id="81" name="TextShape 8"/>
-          <p:cNvSpPr txBox="1"/>
+          <p:cNvPr id="78" name="CustomShape 8"/>
+          <p:cNvSpPr/>
           <p:nvPr/>
         </p:nvSpPr>
         <p:spPr>
           <a:xfrm rot="16200000">
-            <a:off x="6855120" y="2295720"/>
-            <a:ext cx="2743200" cy="346320"/>
+            <a:off x="6855120" y="2296800"/>
+            <a:ext cx="2742120" cy="345240"/>
           </a:xfrm>
           <a:prstGeom prst="rect">
             <a:avLst/>
@@ -3511,13 +3663,27 @@
             <a:noFill/>
           </a:ln>
         </p:spPr>
+        <p:style>
+          <a:lnRef idx="0"/>
+          <a:fillRef idx="0"/>
+          <a:effectRef idx="0"/>
+          <a:fontRef idx="minor"/>
+        </p:style>
         <p:txBody>
           <a:bodyPr lIns="90000" rIns="90000" tIns="45000" bIns="45000"/>
           <a:p>
-            <a:pPr algn="ctr"/>
+            <a:pPr algn="ctr">
+              <a:lnSpc>
+                <a:spcPct val="100000"/>
+              </a:lnSpc>
+            </a:pPr>
             <a:r>
               <a:rPr b="0" lang="en-US" sz="1800" spc="-1" strike="noStrike">
-                <a:latin typeface="Arial"/>
+                <a:solidFill>
+                  <a:srgbClr val="000000"/>
+                </a:solidFill>
+                <a:latin typeface="Arial"/>
+                <a:ea typeface="DejaVu Sans"/>
               </a:rPr>
               <a:t>AddressService</a:t>
             </a:r>
@@ -3529,6 +3695,3408 @@
       </p:sp>
     </p:spTree>
   </p:cSld>
+  <p:timing>
+    <p:tnLst>
+      <p:par>
+        <p:cTn id="5" dur="indefinite" restart="never" nodeType="tmRoot">
+          <p:childTnLst>
+            <p:seq>
+              <p:cTn id="6" dur="indefinite" nodeType="mainSeq"/>
+              <p:prevCondLst>
+                <p:cond delay="0" evt="onPrev">
+                  <p:tgtEl>
+                    <p:sldTgt/>
+                  </p:tgtEl>
+                </p:cond>
+              </p:prevCondLst>
+              <p:nextCondLst>
+                <p:cond delay="0" evt="onNext">
+                  <p:tgtEl>
+                    <p:sldTgt/>
+                  </p:tgtEl>
+                </p:cond>
+              </p:nextCondLst>
+            </p:seq>
+          </p:childTnLst>
+        </p:cTn>
+      </p:par>
+    </p:tnLst>
+  </p:timing>
+</p:sld>
+</file>
+
+<file path=ppt/slides/slide4.xml><?xml version="1.0" encoding="utf-8"?>
+<p:sld xmlns:a="http://schemas.openxmlformats.org/drawingml/2006/main" xmlns:p="http://schemas.openxmlformats.org/presentationml/2006/main" xmlns:r="http://schemas.openxmlformats.org/officeDocument/2006/relationships" xmlns:p14="http://schemas.microsoft.com/office/powerpoint/2010/main" xmlns:p15="http://schemas.microsoft.com/office/powerpoint/2012/main" xmlns:mc="http://schemas.openxmlformats.org/markup-compatibility/2006">
+  <p:cSld>
+    <p:spTree>
+      <p:nvGrpSpPr>
+        <p:cNvPr id="1" name=""/>
+        <p:cNvGrpSpPr/>
+        <p:nvPr/>
+      </p:nvGrpSpPr>
+      <p:grpSpPr>
+        <a:xfrm>
+          <a:off x="0" y="0"/>
+          <a:ext cx="0" cy="0"/>
+          <a:chOff x="0" y="0"/>
+          <a:chExt cx="0" cy="0"/>
+        </a:xfrm>
+      </p:grpSpPr>
+      <p:sp>
+        <p:nvSpPr>
+          <p:cNvPr id="79" name="CustomShape 1"/>
+          <p:cNvSpPr/>
+          <p:nvPr/>
+        </p:nvSpPr>
+        <p:spPr>
+          <a:xfrm>
+            <a:off x="681840" y="1280160"/>
+            <a:ext cx="2559600" cy="2833920"/>
+          </a:xfrm>
+          <a:prstGeom prst="rect">
+            <a:avLst/>
+          </a:prstGeom>
+          <a:solidFill>
+            <a:srgbClr val="eeeeee"/>
+          </a:solidFill>
+          <a:ln>
+            <a:solidFill>
+              <a:srgbClr val="000000"/>
+            </a:solidFill>
+          </a:ln>
+        </p:spPr>
+        <p:style>
+          <a:lnRef idx="0"/>
+          <a:fillRef idx="0"/>
+          <a:effectRef idx="0"/>
+          <a:fontRef idx="minor"/>
+        </p:style>
+      </p:sp>
+      <p:sp>
+        <p:nvSpPr>
+          <p:cNvPr id="80" name="CustomShape 2"/>
+          <p:cNvSpPr/>
+          <p:nvPr/>
+        </p:nvSpPr>
+        <p:spPr>
+          <a:xfrm>
+            <a:off x="321840" y="365760"/>
+            <a:ext cx="3474000" cy="345600"/>
+          </a:xfrm>
+          <a:prstGeom prst="rect">
+            <a:avLst/>
+          </a:prstGeom>
+          <a:noFill/>
+          <a:ln>
+            <a:noFill/>
+          </a:ln>
+        </p:spPr>
+        <p:style>
+          <a:lnRef idx="0"/>
+          <a:fillRef idx="0"/>
+          <a:effectRef idx="0"/>
+          <a:fontRef idx="minor"/>
+        </p:style>
+        <p:txBody>
+          <a:bodyPr lIns="90000" rIns="90000" tIns="45000" bIns="45000"/>
+          <a:p>
+            <a:pPr>
+              <a:lnSpc>
+                <a:spcPct val="100000"/>
+              </a:lnSpc>
+            </a:pPr>
+            <a:r>
+              <a:rPr b="0" lang="en-US" sz="1800" spc="-1" strike="noStrike" u="sng">
+                <a:solidFill>
+                  <a:srgbClr val="0000ff"/>
+                </a:solidFill>
+                <a:uFillTx/>
+                <a:latin typeface="Arial"/>
+                <a:ea typeface="DejaVu Sans"/>
+                <a:hlinkClick r:id="rId1"/>
+              </a:rPr>
+              <a:t>http://localhost:4200/index.html</a:t>
+            </a:r>
+            <a:endParaRPr b="0" lang="en-US" sz="1800" spc="-1" strike="noStrike">
+              <a:latin typeface="Arial"/>
+            </a:endParaRPr>
+          </a:p>
+          <a:p>
+            <a:pPr>
+              <a:lnSpc>
+                <a:spcPct val="100000"/>
+              </a:lnSpc>
+            </a:pPr>
+            <a:r>
+              <a:rPr b="0" lang="en-US" sz="1800" spc="-1" strike="noStrike">
+                <a:solidFill>
+                  <a:srgbClr val="000000"/>
+                </a:solidFill>
+                <a:latin typeface="Arial"/>
+                <a:ea typeface="DejaVu Sans"/>
+              </a:rPr>
+              <a:t>http://localhost:4200</a:t>
+            </a:r>
+            <a:endParaRPr b="0" lang="en-US" sz="1800" spc="-1" strike="noStrike">
+              <a:latin typeface="Arial"/>
+            </a:endParaRPr>
+          </a:p>
+          <a:p>
+            <a:pPr>
+              <a:lnSpc>
+                <a:spcPct val="100000"/>
+              </a:lnSpc>
+            </a:pPr>
+            <a:endParaRPr b="0" lang="en-US" sz="1800" spc="-1" strike="noStrike">
+              <a:latin typeface="Arial"/>
+            </a:endParaRPr>
+          </a:p>
+          <a:p>
+            <a:pPr>
+              <a:lnSpc>
+                <a:spcPct val="100000"/>
+              </a:lnSpc>
+            </a:pPr>
+            <a:endParaRPr b="0" lang="en-US" sz="1800" spc="-1" strike="noStrike">
+              <a:latin typeface="Arial"/>
+            </a:endParaRPr>
+          </a:p>
+        </p:txBody>
+      </p:sp>
+      <p:sp>
+        <p:nvSpPr>
+          <p:cNvPr id="81" name="CustomShape 3"/>
+          <p:cNvSpPr/>
+          <p:nvPr/>
+        </p:nvSpPr>
+        <p:spPr>
+          <a:xfrm>
+            <a:off x="3868560" y="202320"/>
+            <a:ext cx="2925360" cy="345600"/>
+          </a:xfrm>
+          <a:prstGeom prst="rect">
+            <a:avLst/>
+          </a:prstGeom>
+          <a:noFill/>
+          <a:ln>
+            <a:noFill/>
+          </a:ln>
+        </p:spPr>
+        <p:style>
+          <a:lnRef idx="0"/>
+          <a:fillRef idx="0"/>
+          <a:effectRef idx="0"/>
+          <a:fontRef idx="minor"/>
+        </p:style>
+        <p:txBody>
+          <a:bodyPr lIns="90000" rIns="90000" tIns="45000" bIns="45000"/>
+          <a:p>
+            <a:pPr>
+              <a:lnSpc>
+                <a:spcPct val="100000"/>
+              </a:lnSpc>
+            </a:pPr>
+            <a:r>
+              <a:rPr b="0" lang="en-US" sz="1800" spc="-1" strike="noStrike">
+                <a:solidFill>
+                  <a:srgbClr val="000000"/>
+                </a:solidFill>
+                <a:latin typeface="Arial"/>
+                <a:ea typeface="DejaVu Sans"/>
+              </a:rPr>
+              <a:t>http://localhost:4200/films</a:t>
+            </a:r>
+            <a:endParaRPr b="0" lang="en-US" sz="1800" spc="-1" strike="noStrike">
+              <a:latin typeface="Arial"/>
+            </a:endParaRPr>
+          </a:p>
+        </p:txBody>
+      </p:sp>
+      <p:sp>
+        <p:nvSpPr>
+          <p:cNvPr id="82" name="CustomShape 4"/>
+          <p:cNvSpPr/>
+          <p:nvPr/>
+        </p:nvSpPr>
+        <p:spPr>
+          <a:xfrm>
+            <a:off x="3960000" y="731520"/>
+            <a:ext cx="2559600" cy="2833920"/>
+          </a:xfrm>
+          <a:prstGeom prst="rect">
+            <a:avLst/>
+          </a:prstGeom>
+          <a:solidFill>
+            <a:srgbClr val="eeeeee"/>
+          </a:solidFill>
+          <a:ln>
+            <a:solidFill>
+              <a:srgbClr val="000000"/>
+            </a:solidFill>
+          </a:ln>
+        </p:spPr>
+        <p:style>
+          <a:lnRef idx="0"/>
+          <a:fillRef idx="0"/>
+          <a:effectRef idx="0"/>
+          <a:fontRef idx="minor"/>
+        </p:style>
+      </p:sp>
+      <p:sp>
+        <p:nvSpPr>
+          <p:cNvPr id="83" name="CustomShape 5"/>
+          <p:cNvSpPr/>
+          <p:nvPr/>
+        </p:nvSpPr>
+        <p:spPr>
+          <a:xfrm>
+            <a:off x="4234320" y="1005840"/>
+            <a:ext cx="2010960" cy="2285280"/>
+          </a:xfrm>
+          <a:prstGeom prst="rect">
+            <a:avLst/>
+          </a:prstGeom>
+          <a:solidFill>
+            <a:srgbClr val="729fcf"/>
+          </a:solidFill>
+          <a:ln>
+            <a:solidFill>
+              <a:srgbClr val="3465a4"/>
+            </a:solidFill>
+          </a:ln>
+        </p:spPr>
+        <p:style>
+          <a:lnRef idx="0"/>
+          <a:fillRef idx="0"/>
+          <a:effectRef idx="0"/>
+          <a:fontRef idx="minor"/>
+        </p:style>
+        <p:txBody>
+          <a:bodyPr wrap="none" lIns="90000" rIns="90000" tIns="45000" bIns="45000" anchor="ctr"/>
+          <a:p>
+            <a:pPr algn="ctr">
+              <a:lnSpc>
+                <a:spcPct val="100000"/>
+              </a:lnSpc>
+            </a:pPr>
+            <a:r>
+              <a:rPr b="0" lang="en-US" sz="1800" spc="-1" strike="noStrike">
+                <a:solidFill>
+                  <a:srgbClr val="000000"/>
+                </a:solidFill>
+                <a:latin typeface="Arial"/>
+                <a:ea typeface="DejaVu Sans"/>
+              </a:rPr>
+              <a:t>List of flims</a:t>
+            </a:r>
+            <a:endParaRPr b="0" lang="en-US" sz="1800" spc="-1" strike="noStrike">
+              <a:latin typeface="Arial"/>
+            </a:endParaRPr>
+          </a:p>
+        </p:txBody>
+      </p:sp>
+      <p:sp>
+        <p:nvSpPr>
+          <p:cNvPr id="84" name="CustomShape 6"/>
+          <p:cNvSpPr/>
+          <p:nvPr/>
+        </p:nvSpPr>
+        <p:spPr>
+          <a:xfrm>
+            <a:off x="7007760" y="390960"/>
+            <a:ext cx="2925360" cy="345600"/>
+          </a:xfrm>
+          <a:prstGeom prst="rect">
+            <a:avLst/>
+          </a:prstGeom>
+          <a:noFill/>
+          <a:ln>
+            <a:noFill/>
+          </a:ln>
+        </p:spPr>
+        <p:style>
+          <a:lnRef idx="0"/>
+          <a:fillRef idx="0"/>
+          <a:effectRef idx="0"/>
+          <a:fontRef idx="minor"/>
+        </p:style>
+        <p:txBody>
+          <a:bodyPr lIns="90000" rIns="90000" tIns="45000" bIns="45000"/>
+          <a:p>
+            <a:pPr>
+              <a:lnSpc>
+                <a:spcPct val="100000"/>
+              </a:lnSpc>
+            </a:pPr>
+            <a:r>
+              <a:rPr b="0" lang="en-US" sz="1800" spc="-1" strike="noStrike">
+                <a:solidFill>
+                  <a:srgbClr val="000000"/>
+                </a:solidFill>
+                <a:latin typeface="Arial"/>
+                <a:ea typeface="DejaVu Sans"/>
+              </a:rPr>
+              <a:t>http://localhost:4200/film/1</a:t>
+            </a:r>
+            <a:endParaRPr b="0" lang="en-US" sz="1800" spc="-1" strike="noStrike">
+              <a:latin typeface="Arial"/>
+            </a:endParaRPr>
+          </a:p>
+        </p:txBody>
+      </p:sp>
+      <p:sp>
+        <p:nvSpPr>
+          <p:cNvPr id="85" name="CustomShape 7"/>
+          <p:cNvSpPr/>
+          <p:nvPr/>
+        </p:nvSpPr>
+        <p:spPr>
+          <a:xfrm>
+            <a:off x="7315200" y="920160"/>
+            <a:ext cx="2559600" cy="2833920"/>
+          </a:xfrm>
+          <a:prstGeom prst="rect">
+            <a:avLst/>
+          </a:prstGeom>
+          <a:solidFill>
+            <a:srgbClr val="eeeeee"/>
+          </a:solidFill>
+          <a:ln>
+            <a:solidFill>
+              <a:srgbClr val="000000"/>
+            </a:solidFill>
+          </a:ln>
+        </p:spPr>
+        <p:style>
+          <a:lnRef idx="0"/>
+          <a:fillRef idx="0"/>
+          <a:effectRef idx="0"/>
+          <a:fontRef idx="minor"/>
+        </p:style>
+      </p:sp>
+      <p:sp>
+        <p:nvSpPr>
+          <p:cNvPr id="86" name="CustomShape 8"/>
+          <p:cNvSpPr/>
+          <p:nvPr/>
+        </p:nvSpPr>
+        <p:spPr>
+          <a:xfrm>
+            <a:off x="7589520" y="1194480"/>
+            <a:ext cx="2010960" cy="2285280"/>
+          </a:xfrm>
+          <a:prstGeom prst="rect">
+            <a:avLst/>
+          </a:prstGeom>
+          <a:solidFill>
+            <a:srgbClr val="729fcf"/>
+          </a:solidFill>
+          <a:ln>
+            <a:solidFill>
+              <a:srgbClr val="3465a4"/>
+            </a:solidFill>
+          </a:ln>
+        </p:spPr>
+        <p:style>
+          <a:lnRef idx="0"/>
+          <a:fillRef idx="0"/>
+          <a:effectRef idx="0"/>
+          <a:fontRef idx="minor"/>
+        </p:style>
+        <p:txBody>
+          <a:bodyPr wrap="none" lIns="90000" rIns="90000" tIns="45000" bIns="45000" anchor="ctr"/>
+          <a:p>
+            <a:pPr algn="ctr">
+              <a:lnSpc>
+                <a:spcPct val="100000"/>
+              </a:lnSpc>
+            </a:pPr>
+            <a:r>
+              <a:rPr b="0" lang="en-US" sz="1800" spc="-1" strike="noStrike">
+                <a:solidFill>
+                  <a:srgbClr val="000000"/>
+                </a:solidFill>
+                <a:latin typeface="Arial"/>
+                <a:ea typeface="DejaVu Sans"/>
+              </a:rPr>
+              <a:t>Film detail</a:t>
+            </a:r>
+            <a:endParaRPr b="0" lang="en-US" sz="1800" spc="-1" strike="noStrike">
+              <a:latin typeface="Arial"/>
+            </a:endParaRPr>
+          </a:p>
+        </p:txBody>
+      </p:sp>
+      <p:sp>
+        <p:nvSpPr>
+          <p:cNvPr id="87" name="CustomShape 9"/>
+          <p:cNvSpPr/>
+          <p:nvPr/>
+        </p:nvSpPr>
+        <p:spPr>
+          <a:xfrm>
+            <a:off x="321840" y="365760"/>
+            <a:ext cx="3474000" cy="345600"/>
+          </a:xfrm>
+          <a:prstGeom prst="rect">
+            <a:avLst/>
+          </a:prstGeom>
+          <a:noFill/>
+          <a:ln>
+            <a:noFill/>
+          </a:ln>
+        </p:spPr>
+        <p:style>
+          <a:lnRef idx="0"/>
+          <a:fillRef idx="0"/>
+          <a:effectRef idx="0"/>
+          <a:fontRef idx="minor"/>
+        </p:style>
+        <p:txBody>
+          <a:bodyPr lIns="90000" rIns="90000" tIns="45000" bIns="45000"/>
+          <a:p>
+            <a:pPr>
+              <a:lnSpc>
+                <a:spcPct val="100000"/>
+              </a:lnSpc>
+            </a:pPr>
+            <a:r>
+              <a:rPr b="0" lang="en-US" sz="1800" spc="-1" strike="noStrike">
+                <a:solidFill>
+                  <a:srgbClr val="000000"/>
+                </a:solidFill>
+                <a:latin typeface="Arial"/>
+                <a:ea typeface="DejaVu Sans"/>
+              </a:rPr>
+              <a:t>http://localhost:4200/index.html</a:t>
+            </a:r>
+            <a:endParaRPr b="0" lang="en-US" sz="1800" spc="-1" strike="noStrike">
+              <a:latin typeface="Arial"/>
+            </a:endParaRPr>
+          </a:p>
+        </p:txBody>
+      </p:sp>
+      <p:sp>
+        <p:nvSpPr>
+          <p:cNvPr id="88" name="CustomShape 10"/>
+          <p:cNvSpPr/>
+          <p:nvPr/>
+        </p:nvSpPr>
+        <p:spPr>
+          <a:xfrm>
+            <a:off x="321840" y="365760"/>
+            <a:ext cx="3474000" cy="345600"/>
+          </a:xfrm>
+          <a:prstGeom prst="rect">
+            <a:avLst/>
+          </a:prstGeom>
+          <a:noFill/>
+          <a:ln>
+            <a:noFill/>
+          </a:ln>
+        </p:spPr>
+        <p:style>
+          <a:lnRef idx="0"/>
+          <a:fillRef idx="0"/>
+          <a:effectRef idx="0"/>
+          <a:fontRef idx="minor"/>
+        </p:style>
+        <p:txBody>
+          <a:bodyPr lIns="90000" rIns="90000" tIns="45000" bIns="45000"/>
+          <a:p>
+            <a:pPr>
+              <a:lnSpc>
+                <a:spcPct val="100000"/>
+              </a:lnSpc>
+            </a:pPr>
+            <a:r>
+              <a:rPr b="0" lang="en-US" sz="1800" spc="-1" strike="noStrike">
+                <a:solidFill>
+                  <a:srgbClr val="000000"/>
+                </a:solidFill>
+                <a:latin typeface="Arial"/>
+                <a:ea typeface="DejaVu Sans"/>
+              </a:rPr>
+              <a:t>http://localhost:4200/index.html</a:t>
+            </a:r>
+            <a:endParaRPr b="0" lang="en-US" sz="1800" spc="-1" strike="noStrike">
+              <a:latin typeface="Arial"/>
+            </a:endParaRPr>
+          </a:p>
+        </p:txBody>
+      </p:sp>
+      <p:sp>
+        <p:nvSpPr>
+          <p:cNvPr id="89" name="CustomShape 11"/>
+          <p:cNvSpPr/>
+          <p:nvPr/>
+        </p:nvSpPr>
+        <p:spPr>
+          <a:xfrm>
+            <a:off x="321840" y="365760"/>
+            <a:ext cx="3474000" cy="345600"/>
+          </a:xfrm>
+          <a:prstGeom prst="rect">
+            <a:avLst/>
+          </a:prstGeom>
+          <a:noFill/>
+          <a:ln>
+            <a:noFill/>
+          </a:ln>
+        </p:spPr>
+        <p:style>
+          <a:lnRef idx="0"/>
+          <a:fillRef idx="0"/>
+          <a:effectRef idx="0"/>
+          <a:fontRef idx="minor"/>
+        </p:style>
+        <p:txBody>
+          <a:bodyPr lIns="90000" rIns="90000" tIns="45000" bIns="45000"/>
+          <a:p>
+            <a:pPr>
+              <a:lnSpc>
+                <a:spcPct val="100000"/>
+              </a:lnSpc>
+            </a:pPr>
+            <a:r>
+              <a:rPr b="0" lang="en-US" sz="1800" spc="-1" strike="noStrike">
+                <a:solidFill>
+                  <a:srgbClr val="000000"/>
+                </a:solidFill>
+                <a:latin typeface="Arial"/>
+                <a:ea typeface="DejaVu Sans"/>
+              </a:rPr>
+              <a:t>http://localhost:4200/index.html</a:t>
+            </a:r>
+            <a:endParaRPr b="0" lang="en-US" sz="1800" spc="-1" strike="noStrike">
+              <a:latin typeface="Arial"/>
+            </a:endParaRPr>
+          </a:p>
+        </p:txBody>
+      </p:sp>
+      <p:sp>
+        <p:nvSpPr>
+          <p:cNvPr id="90" name="CustomShape 12"/>
+          <p:cNvSpPr/>
+          <p:nvPr/>
+        </p:nvSpPr>
+        <p:spPr>
+          <a:xfrm>
+            <a:off x="321840" y="365760"/>
+            <a:ext cx="3474000" cy="345600"/>
+          </a:xfrm>
+          <a:prstGeom prst="rect">
+            <a:avLst/>
+          </a:prstGeom>
+          <a:noFill/>
+          <a:ln>
+            <a:noFill/>
+          </a:ln>
+        </p:spPr>
+        <p:style>
+          <a:lnRef idx="0"/>
+          <a:fillRef idx="0"/>
+          <a:effectRef idx="0"/>
+          <a:fontRef idx="minor"/>
+        </p:style>
+        <p:txBody>
+          <a:bodyPr lIns="90000" rIns="90000" tIns="45000" bIns="45000"/>
+          <a:p>
+            <a:pPr>
+              <a:lnSpc>
+                <a:spcPct val="100000"/>
+              </a:lnSpc>
+            </a:pPr>
+            <a:r>
+              <a:rPr b="0" lang="en-US" sz="1800" spc="-1" strike="noStrike">
+                <a:solidFill>
+                  <a:srgbClr val="000000"/>
+                </a:solidFill>
+                <a:latin typeface="Arial"/>
+                <a:ea typeface="DejaVu Sans"/>
+              </a:rPr>
+              <a:t>http://localhost:4200/index.html</a:t>
+            </a:r>
+            <a:endParaRPr b="0" lang="en-US" sz="1800" spc="-1" strike="noStrike">
+              <a:latin typeface="Arial"/>
+            </a:endParaRPr>
+          </a:p>
+        </p:txBody>
+      </p:sp>
+    </p:spTree>
+  </p:cSld>
+  <p:timing>
+    <p:tnLst>
+      <p:par>
+        <p:cTn id="7" dur="indefinite" restart="never" nodeType="tmRoot">
+          <p:childTnLst>
+            <p:seq>
+              <p:cTn id="8" dur="indefinite" nodeType="mainSeq"/>
+              <p:prevCondLst>
+                <p:cond delay="0" evt="onPrev">
+                  <p:tgtEl>
+                    <p:sldTgt/>
+                  </p:tgtEl>
+                </p:cond>
+              </p:prevCondLst>
+              <p:nextCondLst>
+                <p:cond delay="0" evt="onNext">
+                  <p:tgtEl>
+                    <p:sldTgt/>
+                  </p:tgtEl>
+                </p:cond>
+              </p:nextCondLst>
+            </p:seq>
+          </p:childTnLst>
+        </p:cTn>
+      </p:par>
+    </p:tnLst>
+  </p:timing>
+</p:sld>
+</file>
+
+<file path=ppt/slides/slide5.xml><?xml version="1.0" encoding="utf-8"?>
+<p:sld xmlns:a="http://schemas.openxmlformats.org/drawingml/2006/main" xmlns:p="http://schemas.openxmlformats.org/presentationml/2006/main" xmlns:r="http://schemas.openxmlformats.org/officeDocument/2006/relationships" xmlns:p14="http://schemas.microsoft.com/office/powerpoint/2010/main" xmlns:p15="http://schemas.microsoft.com/office/powerpoint/2012/main" xmlns:mc="http://schemas.openxmlformats.org/markup-compatibility/2006">
+  <p:cSld>
+    <p:spTree>
+      <p:nvGrpSpPr>
+        <p:cNvPr id="1" name=""/>
+        <p:cNvGrpSpPr/>
+        <p:nvPr/>
+      </p:nvGrpSpPr>
+      <p:grpSpPr>
+        <a:xfrm>
+          <a:off x="0" y="0"/>
+          <a:ext cx="0" cy="0"/>
+          <a:chOff x="0" y="0"/>
+          <a:chExt cx="0" cy="0"/>
+        </a:xfrm>
+      </p:grpSpPr>
+      <p:sp>
+        <p:nvSpPr>
+          <p:cNvPr id="91" name="TextShape 1"/>
+          <p:cNvSpPr txBox="1"/>
+          <p:nvPr/>
+        </p:nvSpPr>
+        <p:spPr>
+          <a:xfrm>
+            <a:off x="640080" y="365760"/>
+            <a:ext cx="8869680" cy="346320"/>
+          </a:xfrm>
+          <a:prstGeom prst="rect">
+            <a:avLst/>
+          </a:prstGeom>
+          <a:noFill/>
+          <a:ln>
+            <a:noFill/>
+          </a:ln>
+        </p:spPr>
+        <p:txBody>
+          <a:bodyPr lIns="90000" rIns="90000" tIns="45000" bIns="45000"/>
+          <a:p>
+            <a:r>
+              <a:rPr b="0" lang="en-US" sz="1800" spc="-1" strike="noStrike">
+                <a:latin typeface="Arial"/>
+              </a:rPr>
+              <a:t>CORS – </a:t>
+            </a:r>
+            <a:r>
+              <a:rPr b="0" lang="en-US" sz="1800" spc="-1" strike="noStrike">
+                <a:latin typeface="Arial"/>
+              </a:rPr>
+              <a:t>cross </a:t>
+            </a:r>
+            <a:r>
+              <a:rPr b="0" lang="en-US" sz="1800" spc="-1" strike="noStrike">
+                <a:latin typeface="Arial"/>
+              </a:rPr>
+              <a:t>origin </a:t>
+            </a:r>
+            <a:r>
+              <a:rPr b="0" lang="en-US" sz="1800" spc="-1" strike="noStrike">
+                <a:latin typeface="Arial"/>
+              </a:rPr>
+              <a:t>resource </a:t>
+            </a:r>
+            <a:r>
+              <a:rPr b="0" lang="en-US" sz="1800" spc="-1" strike="noStrike">
+                <a:latin typeface="Arial"/>
+              </a:rPr>
+              <a:t>sharing</a:t>
+            </a:r>
+            <a:endParaRPr b="0" lang="en-US" sz="1800" spc="-1" strike="noStrike">
+              <a:latin typeface="Arial"/>
+            </a:endParaRPr>
+          </a:p>
+        </p:txBody>
+      </p:sp>
+      <p:sp>
+        <p:nvSpPr>
+          <p:cNvPr id="92" name="CustomShape 2"/>
+          <p:cNvSpPr/>
+          <p:nvPr/>
+        </p:nvSpPr>
+        <p:spPr>
+          <a:xfrm>
+            <a:off x="1463040" y="2103120"/>
+            <a:ext cx="2286000" cy="1280160"/>
+          </a:xfrm>
+          <a:prstGeom prst="rect">
+            <a:avLst/>
+          </a:prstGeom>
+          <a:solidFill>
+            <a:srgbClr val="729fcf"/>
+          </a:solidFill>
+          <a:ln>
+            <a:solidFill>
+              <a:srgbClr val="3465a4"/>
+            </a:solidFill>
+          </a:ln>
+        </p:spPr>
+        <p:style>
+          <a:lnRef idx="0"/>
+          <a:fillRef idx="0"/>
+          <a:effectRef idx="0"/>
+          <a:fontRef idx="minor"/>
+        </p:style>
+        <p:txBody>
+          <a:bodyPr wrap="none" lIns="90000" rIns="90000" tIns="45000" bIns="45000" anchor="ctr"/>
+          <a:p>
+            <a:pPr algn="ctr"/>
+            <a:r>
+              <a:rPr b="0" lang="en-US" sz="1800" spc="-1" strike="noStrike">
+                <a:latin typeface="Arial"/>
+              </a:rPr>
+              <a:t>Angular</a:t>
+            </a:r>
+            <a:endParaRPr b="0" lang="en-US" sz="1800" spc="-1" strike="noStrike">
+              <a:latin typeface="Arial"/>
+            </a:endParaRPr>
+          </a:p>
+          <a:p>
+            <a:pPr algn="ctr"/>
+            <a:r>
+              <a:rPr b="0" lang="en-US" sz="1800" spc="-1" strike="noStrike">
+                <a:latin typeface="Arial"/>
+              </a:rPr>
+              <a:t>Localhost:4200</a:t>
+            </a:r>
+            <a:endParaRPr b="0" lang="en-US" sz="1800" spc="-1" strike="noStrike">
+              <a:latin typeface="Arial"/>
+            </a:endParaRPr>
+          </a:p>
+        </p:txBody>
+      </p:sp>
+      <p:sp>
+        <p:nvSpPr>
+          <p:cNvPr id="93" name="CustomShape 3"/>
+          <p:cNvSpPr/>
+          <p:nvPr/>
+        </p:nvSpPr>
+        <p:spPr>
+          <a:xfrm>
+            <a:off x="6766560" y="2103120"/>
+            <a:ext cx="2286000" cy="1280160"/>
+          </a:xfrm>
+          <a:prstGeom prst="rect">
+            <a:avLst/>
+          </a:prstGeom>
+          <a:solidFill>
+            <a:srgbClr val="fff450"/>
+          </a:solidFill>
+          <a:ln>
+            <a:solidFill>
+              <a:srgbClr val="ccbe00"/>
+            </a:solidFill>
+          </a:ln>
+        </p:spPr>
+        <p:style>
+          <a:lnRef idx="0"/>
+          <a:fillRef idx="0"/>
+          <a:effectRef idx="0"/>
+          <a:fontRef idx="minor"/>
+        </p:style>
+        <p:txBody>
+          <a:bodyPr wrap="none" lIns="90000" rIns="90000" tIns="45000" bIns="45000" anchor="ctr"/>
+          <a:p>
+            <a:pPr algn="ctr"/>
+            <a:r>
+              <a:rPr b="0" lang="en-US" sz="1800" spc="-1" strike="noStrike">
+                <a:latin typeface="Arial"/>
+              </a:rPr>
+              <a:t>Servlet</a:t>
+            </a:r>
+            <a:endParaRPr b="0" lang="en-US" sz="1800" spc="-1" strike="noStrike">
+              <a:latin typeface="Arial"/>
+            </a:endParaRPr>
+          </a:p>
+          <a:p>
+            <a:pPr algn="ctr"/>
+            <a:r>
+              <a:rPr b="0" lang="en-US" sz="1800" spc="-1" strike="noStrike">
+                <a:latin typeface="Arial"/>
+              </a:rPr>
+              <a:t>Localhost:8080</a:t>
+            </a:r>
+            <a:endParaRPr b="0" lang="en-US" sz="1800" spc="-1" strike="noStrike">
+              <a:latin typeface="Arial"/>
+            </a:endParaRPr>
+          </a:p>
+        </p:txBody>
+      </p:sp>
+      <p:sp>
+        <p:nvSpPr>
+          <p:cNvPr id="94" name="CustomShape 4"/>
+          <p:cNvSpPr/>
+          <p:nvPr/>
+        </p:nvSpPr>
+        <p:spPr>
+          <a:xfrm>
+            <a:off x="4206240" y="4572000"/>
+            <a:ext cx="1645920" cy="731520"/>
+          </a:xfrm>
+          <a:prstGeom prst="rect">
+            <a:avLst/>
+          </a:prstGeom>
+          <a:solidFill>
+            <a:srgbClr val="f8aa97"/>
+          </a:solidFill>
+          <a:ln>
+            <a:solidFill>
+              <a:srgbClr val="ba131a"/>
+            </a:solidFill>
+          </a:ln>
+        </p:spPr>
+        <p:style>
+          <a:lnRef idx="0"/>
+          <a:fillRef idx="0"/>
+          <a:effectRef idx="0"/>
+          <a:fontRef idx="minor"/>
+        </p:style>
+        <p:txBody>
+          <a:bodyPr wrap="none" lIns="90000" rIns="90000" tIns="45000" bIns="45000" anchor="ctr"/>
+          <a:p>
+            <a:pPr algn="ctr"/>
+            <a:r>
+              <a:rPr b="0" lang="en-US" sz="1800" spc="-1" strike="noStrike">
+                <a:latin typeface="Arial"/>
+              </a:rPr>
+              <a:t>Browser</a:t>
+            </a:r>
+            <a:endParaRPr b="0" lang="en-US" sz="1800" spc="-1" strike="noStrike">
+              <a:latin typeface="Arial"/>
+            </a:endParaRPr>
+          </a:p>
+        </p:txBody>
+      </p:sp>
+      <p:sp>
+        <p:nvSpPr>
+          <p:cNvPr id="95" name="Line 5"/>
+          <p:cNvSpPr/>
+          <p:nvPr/>
+        </p:nvSpPr>
+        <p:spPr>
+          <a:xfrm>
+            <a:off x="3383280" y="3383280"/>
+            <a:ext cx="1097280" cy="1188720"/>
+          </a:xfrm>
+          <a:prstGeom prst="line">
+            <a:avLst/>
+          </a:prstGeom>
+          <a:ln>
+            <a:solidFill>
+              <a:srgbClr val="000000"/>
+            </a:solidFill>
+            <a:tailEnd len="med" type="triangle" w="med"/>
+          </a:ln>
+        </p:spPr>
+        <p:style>
+          <a:lnRef idx="0"/>
+          <a:fillRef idx="0"/>
+          <a:effectRef idx="0"/>
+          <a:fontRef idx="minor"/>
+        </p:style>
+      </p:sp>
+      <p:sp>
+        <p:nvSpPr>
+          <p:cNvPr id="96" name="TextShape 6"/>
+          <p:cNvSpPr txBox="1"/>
+          <p:nvPr/>
+        </p:nvSpPr>
+        <p:spPr>
+          <a:xfrm>
+            <a:off x="914400" y="4389120"/>
+            <a:ext cx="3108960" cy="858240"/>
+          </a:xfrm>
+          <a:prstGeom prst="rect">
+            <a:avLst/>
+          </a:prstGeom>
+          <a:noFill/>
+          <a:ln>
+            <a:noFill/>
+          </a:ln>
+        </p:spPr>
+        <p:txBody>
+          <a:bodyPr lIns="90000" rIns="90000" tIns="45000" bIns="45000"/>
+          <a:p>
+            <a:r>
+              <a:rPr b="0" lang="en-US" sz="1800" spc="-1" strike="noStrike">
+                <a:latin typeface="Arial"/>
+              </a:rPr>
+              <a:t>Angular application </a:t>
+            </a:r>
+            <a:r>
+              <a:rPr b="0" lang="en-US" sz="1800" spc="-1" strike="noStrike">
+                <a:latin typeface="Arial"/>
+              </a:rPr>
+              <a:t>is loaded from </a:t>
+            </a:r>
+            <a:r>
+              <a:rPr b="0" lang="en-US" sz="1800" spc="-1" strike="noStrike">
+                <a:latin typeface="Arial"/>
+              </a:rPr>
+              <a:t>localhost:4200, the </a:t>
+            </a:r>
+            <a:r>
+              <a:rPr b="0" lang="en-US" sz="1800" spc="-1" strike="noStrike">
+                <a:latin typeface="Arial"/>
+              </a:rPr>
+              <a:t>origin is </a:t>
+            </a:r>
+            <a:r>
+              <a:rPr b="0" lang="en-US" sz="1800" spc="-1" strike="noStrike">
+                <a:latin typeface="Arial"/>
+              </a:rPr>
+              <a:t>localhost:4200</a:t>
+            </a:r>
+            <a:endParaRPr b="0" lang="en-US" sz="1800" spc="-1" strike="noStrike">
+              <a:latin typeface="Arial"/>
+            </a:endParaRPr>
+          </a:p>
+        </p:txBody>
+      </p:sp>
+      <p:sp>
+        <p:nvSpPr>
+          <p:cNvPr id="97" name="Line 7"/>
+          <p:cNvSpPr/>
+          <p:nvPr/>
+        </p:nvSpPr>
+        <p:spPr>
+          <a:xfrm flipV="1">
+            <a:off x="5394960" y="3108960"/>
+            <a:ext cx="1371600" cy="1463040"/>
+          </a:xfrm>
+          <a:prstGeom prst="line">
+            <a:avLst/>
+          </a:prstGeom>
+          <a:ln>
+            <a:solidFill>
+              <a:srgbClr val="000000"/>
+            </a:solidFill>
+            <a:tailEnd len="med" type="triangle" w="med"/>
+          </a:ln>
+        </p:spPr>
+        <p:style>
+          <a:lnRef idx="0"/>
+          <a:fillRef idx="0"/>
+          <a:effectRef idx="0"/>
+          <a:fontRef idx="minor"/>
+        </p:style>
+      </p:sp>
+      <p:sp>
+        <p:nvSpPr>
+          <p:cNvPr id="98" name="TextShape 8"/>
+          <p:cNvSpPr txBox="1"/>
+          <p:nvPr/>
+        </p:nvSpPr>
+        <p:spPr>
+          <a:xfrm>
+            <a:off x="4846320" y="3383280"/>
+            <a:ext cx="1280160" cy="602280"/>
+          </a:xfrm>
+          <a:prstGeom prst="rect">
+            <a:avLst/>
+          </a:prstGeom>
+          <a:noFill/>
+          <a:ln>
+            <a:noFill/>
+          </a:ln>
+        </p:spPr>
+        <p:txBody>
+          <a:bodyPr lIns="90000" rIns="90000" tIns="45000" bIns="45000"/>
+          <a:p>
+            <a:r>
+              <a:rPr b="0" lang="en-US" sz="1800" spc="-1" strike="noStrike">
+                <a:latin typeface="Arial"/>
+              </a:rPr>
+              <a:t>Servlet is </a:t>
+            </a:r>
+            <a:r>
+              <a:rPr b="0" lang="en-US" sz="1800" spc="-1" strike="noStrike">
+                <a:latin typeface="Arial"/>
+              </a:rPr>
+              <a:t>non-origin</a:t>
+            </a:r>
+            <a:endParaRPr b="0" lang="en-US" sz="1800" spc="-1" strike="noStrike">
+              <a:latin typeface="Arial"/>
+            </a:endParaRPr>
+          </a:p>
+        </p:txBody>
+      </p:sp>
+      <p:sp>
+        <p:nvSpPr>
+          <p:cNvPr id="99" name="Line 9"/>
+          <p:cNvSpPr/>
+          <p:nvPr/>
+        </p:nvSpPr>
+        <p:spPr>
+          <a:xfrm flipH="1">
+            <a:off x="5852160" y="3383280"/>
+            <a:ext cx="1463040" cy="1280160"/>
+          </a:xfrm>
+          <a:prstGeom prst="line">
+            <a:avLst/>
+          </a:prstGeom>
+          <a:ln>
+            <a:solidFill>
+              <a:srgbClr val="000000"/>
+            </a:solidFill>
+            <a:tailEnd len="med" type="triangle" w="med"/>
+          </a:ln>
+        </p:spPr>
+        <p:style>
+          <a:lnRef idx="0"/>
+          <a:fillRef idx="0"/>
+          <a:effectRef idx="0"/>
+          <a:fontRef idx="minor"/>
+        </p:style>
+      </p:sp>
+      <p:sp>
+        <p:nvSpPr>
+          <p:cNvPr id="100" name="TextShape 10"/>
+          <p:cNvSpPr txBox="1"/>
+          <p:nvPr/>
+        </p:nvSpPr>
+        <p:spPr>
+          <a:xfrm>
+            <a:off x="6287040" y="4244040"/>
+            <a:ext cx="3497040" cy="602280"/>
+          </a:xfrm>
+          <a:prstGeom prst="rect">
+            <a:avLst/>
+          </a:prstGeom>
+          <a:noFill/>
+          <a:ln>
+            <a:noFill/>
+          </a:ln>
+        </p:spPr>
+        <p:txBody>
+          <a:bodyPr lIns="90000" rIns="90000" tIns="45000" bIns="45000"/>
+          <a:p>
+            <a:r>
+              <a:rPr b="0" lang="en-US" sz="1800" spc="-1" strike="noStrike">
+                <a:latin typeface="Arial"/>
+              </a:rPr>
+              <a:t>Access-Control-Allow-Origin: *</a:t>
+            </a:r>
+            <a:endParaRPr b="0" lang="en-US" sz="1800" spc="-1" strike="noStrike">
+              <a:latin typeface="Arial"/>
+            </a:endParaRPr>
+          </a:p>
+        </p:txBody>
+      </p:sp>
+    </p:spTree>
+  </p:cSld>
+  <p:timing>
+    <p:tnLst>
+      <p:par>
+        <p:cTn id="9" dur="indefinite" restart="never" nodeType="tmRoot">
+          <p:childTnLst>
+            <p:seq>
+              <p:cTn id="10" dur="indefinite" nodeType="mainSeq"/>
+              <p:prevCondLst>
+                <p:cond delay="0" evt="onPrev">
+                  <p:tgtEl>
+                    <p:sldTgt/>
+                  </p:tgtEl>
+                </p:cond>
+              </p:prevCondLst>
+              <p:nextCondLst>
+                <p:cond delay="0" evt="onNext">
+                  <p:tgtEl>
+                    <p:sldTgt/>
+                  </p:tgtEl>
+                </p:cond>
+              </p:nextCondLst>
+            </p:seq>
+          </p:childTnLst>
+        </p:cTn>
+      </p:par>
+    </p:tnLst>
+  </p:timing>
+</p:sld>
+</file>
+
+<file path=ppt/slides/slide6.xml><?xml version="1.0" encoding="utf-8"?>
+<p:sld xmlns:a="http://schemas.openxmlformats.org/drawingml/2006/main" xmlns:p="http://schemas.openxmlformats.org/presentationml/2006/main" xmlns:r="http://schemas.openxmlformats.org/officeDocument/2006/relationships" xmlns:p14="http://schemas.microsoft.com/office/powerpoint/2010/main" xmlns:p15="http://schemas.microsoft.com/office/powerpoint/2012/main" xmlns:mc="http://schemas.openxmlformats.org/markup-compatibility/2006">
+  <p:cSld>
+    <p:spTree>
+      <p:nvGrpSpPr>
+        <p:cNvPr id="1" name=""/>
+        <p:cNvGrpSpPr/>
+        <p:nvPr/>
+      </p:nvGrpSpPr>
+      <p:grpSpPr>
+        <a:xfrm>
+          <a:off x="0" y="0"/>
+          <a:ext cx="0" cy="0"/>
+          <a:chOff x="0" y="0"/>
+          <a:chExt cx="0" cy="0"/>
+        </a:xfrm>
+      </p:grpSpPr>
+      <p:sp>
+        <p:nvSpPr>
+          <p:cNvPr id="101" name="CustomShape 1"/>
+          <p:cNvSpPr/>
+          <p:nvPr/>
+        </p:nvSpPr>
+        <p:spPr>
+          <a:xfrm>
+            <a:off x="3770640" y="2103120"/>
+            <a:ext cx="1188720" cy="1097280"/>
+          </a:xfrm>
+          <a:prstGeom prst="rect">
+            <a:avLst/>
+          </a:prstGeom>
+          <a:solidFill>
+            <a:srgbClr val="add58a"/>
+          </a:solidFill>
+          <a:ln>
+            <a:solidFill>
+              <a:srgbClr val="407927"/>
+            </a:solidFill>
+          </a:ln>
+        </p:spPr>
+        <p:style>
+          <a:lnRef idx="0"/>
+          <a:fillRef idx="0"/>
+          <a:effectRef idx="0"/>
+          <a:fontRef idx="minor"/>
+        </p:style>
+        <p:txBody>
+          <a:bodyPr wrap="none" lIns="90000" rIns="90000" tIns="45000" bIns="45000" anchor="ctr"/>
+          <a:p>
+            <a:pPr algn="ctr"/>
+            <a:r>
+              <a:rPr b="0" lang="en-US" sz="1800" spc="-1" strike="noStrike">
+                <a:latin typeface="Arial"/>
+              </a:rPr>
+              <a:t>Filter</a:t>
+            </a:r>
+            <a:endParaRPr b="0" lang="en-US" sz="1800" spc="-1" strike="noStrike">
+              <a:latin typeface="Arial"/>
+            </a:endParaRPr>
+          </a:p>
+        </p:txBody>
+      </p:sp>
+      <p:sp>
+        <p:nvSpPr>
+          <p:cNvPr id="102" name="CustomShape 2"/>
+          <p:cNvSpPr/>
+          <p:nvPr/>
+        </p:nvSpPr>
+        <p:spPr>
+          <a:xfrm>
+            <a:off x="5138640" y="2103120"/>
+            <a:ext cx="1188720" cy="1097280"/>
+          </a:xfrm>
+          <a:prstGeom prst="rect">
+            <a:avLst/>
+          </a:prstGeom>
+          <a:solidFill>
+            <a:srgbClr val="add58a"/>
+          </a:solidFill>
+          <a:ln>
+            <a:solidFill>
+              <a:srgbClr val="407927"/>
+            </a:solidFill>
+          </a:ln>
+        </p:spPr>
+        <p:style>
+          <a:lnRef idx="0"/>
+          <a:fillRef idx="0"/>
+          <a:effectRef idx="0"/>
+          <a:fontRef idx="minor"/>
+        </p:style>
+        <p:txBody>
+          <a:bodyPr wrap="none" lIns="90000" rIns="90000" tIns="45000" bIns="45000" anchor="ctr"/>
+          <a:p>
+            <a:pPr algn="ctr"/>
+            <a:r>
+              <a:rPr b="0" lang="en-US" sz="1800" spc="-1" strike="noStrike">
+                <a:latin typeface="Arial"/>
+              </a:rPr>
+              <a:t>Filter</a:t>
+            </a:r>
+            <a:endParaRPr b="0" lang="en-US" sz="1800" spc="-1" strike="noStrike">
+              <a:latin typeface="Arial"/>
+            </a:endParaRPr>
+          </a:p>
+        </p:txBody>
+      </p:sp>
+      <p:sp>
+        <p:nvSpPr>
+          <p:cNvPr id="103" name="CustomShape 3"/>
+          <p:cNvSpPr/>
+          <p:nvPr/>
+        </p:nvSpPr>
+        <p:spPr>
+          <a:xfrm>
+            <a:off x="6858000" y="1463040"/>
+            <a:ext cx="2194560" cy="1188720"/>
+          </a:xfrm>
+          <a:prstGeom prst="rect">
+            <a:avLst/>
+          </a:prstGeom>
+          <a:solidFill>
+            <a:srgbClr val="729fcf"/>
+          </a:solidFill>
+          <a:ln>
+            <a:solidFill>
+              <a:srgbClr val="3465a4"/>
+            </a:solidFill>
+          </a:ln>
+        </p:spPr>
+        <p:style>
+          <a:lnRef idx="0"/>
+          <a:fillRef idx="0"/>
+          <a:effectRef idx="0"/>
+          <a:fontRef idx="minor"/>
+        </p:style>
+        <p:txBody>
+          <a:bodyPr wrap="none" lIns="90000" rIns="90000" tIns="45000" bIns="45000" anchor="ctr"/>
+          <a:p>
+            <a:pPr algn="ctr"/>
+            <a:r>
+              <a:rPr b="0" lang="en-US" sz="1800" spc="-1" strike="noStrike">
+                <a:latin typeface="Arial"/>
+              </a:rPr>
+              <a:t>FilmsServlet</a:t>
+            </a:r>
+            <a:endParaRPr b="0" lang="en-US" sz="1800" spc="-1" strike="noStrike">
+              <a:latin typeface="Arial"/>
+            </a:endParaRPr>
+          </a:p>
+        </p:txBody>
+      </p:sp>
+      <p:sp>
+        <p:nvSpPr>
+          <p:cNvPr id="104" name="CustomShape 4"/>
+          <p:cNvSpPr/>
+          <p:nvPr/>
+        </p:nvSpPr>
+        <p:spPr>
+          <a:xfrm>
+            <a:off x="6858000" y="2834640"/>
+            <a:ext cx="2194560" cy="1188720"/>
+          </a:xfrm>
+          <a:prstGeom prst="rect">
+            <a:avLst/>
+          </a:prstGeom>
+          <a:solidFill>
+            <a:srgbClr val="729fcf"/>
+          </a:solidFill>
+          <a:ln>
+            <a:solidFill>
+              <a:srgbClr val="3465a4"/>
+            </a:solidFill>
+          </a:ln>
+        </p:spPr>
+        <p:style>
+          <a:lnRef idx="0"/>
+          <a:fillRef idx="0"/>
+          <a:effectRef idx="0"/>
+          <a:fontRef idx="minor"/>
+        </p:style>
+        <p:txBody>
+          <a:bodyPr wrap="none" lIns="90000" rIns="90000" tIns="45000" bIns="45000" anchor="ctr"/>
+          <a:p>
+            <a:pPr algn="ctr"/>
+            <a:r>
+              <a:rPr b="0" lang="en-US" sz="1800" spc="-1" strike="noStrike">
+                <a:latin typeface="Arial"/>
+              </a:rPr>
+              <a:t>AnotherServlet</a:t>
+            </a:r>
+            <a:endParaRPr b="0" lang="en-US" sz="1800" spc="-1" strike="noStrike">
+              <a:latin typeface="Arial"/>
+            </a:endParaRPr>
+          </a:p>
+        </p:txBody>
+      </p:sp>
+      <p:sp>
+        <p:nvSpPr>
+          <p:cNvPr id="105" name="CustomShape 5"/>
+          <p:cNvSpPr/>
+          <p:nvPr/>
+        </p:nvSpPr>
+        <p:spPr>
+          <a:xfrm>
+            <a:off x="2402640" y="2103120"/>
+            <a:ext cx="1188720" cy="1097280"/>
+          </a:xfrm>
+          <a:prstGeom prst="rect">
+            <a:avLst/>
+          </a:prstGeom>
+          <a:solidFill>
+            <a:srgbClr val="add58a"/>
+          </a:solidFill>
+          <a:ln>
+            <a:solidFill>
+              <a:srgbClr val="407927"/>
+            </a:solidFill>
+          </a:ln>
+        </p:spPr>
+        <p:style>
+          <a:lnRef idx="0"/>
+          <a:fillRef idx="0"/>
+          <a:effectRef idx="0"/>
+          <a:fontRef idx="minor"/>
+        </p:style>
+        <p:txBody>
+          <a:bodyPr wrap="none" lIns="90000" rIns="90000" tIns="45000" bIns="45000" anchor="ctr"/>
+          <a:p>
+            <a:pPr algn="ctr"/>
+            <a:r>
+              <a:rPr b="0" lang="en-US" sz="1800" spc="-1" strike="noStrike">
+                <a:latin typeface="Arial"/>
+              </a:rPr>
+              <a:t>Filter</a:t>
+            </a:r>
+            <a:endParaRPr b="0" lang="en-US" sz="1800" spc="-1" strike="noStrike">
+              <a:latin typeface="Arial"/>
+            </a:endParaRPr>
+          </a:p>
+        </p:txBody>
+      </p:sp>
+      <p:sp>
+        <p:nvSpPr>
+          <p:cNvPr id="106" name="Line 6"/>
+          <p:cNvSpPr/>
+          <p:nvPr/>
+        </p:nvSpPr>
+        <p:spPr>
+          <a:xfrm>
+            <a:off x="1371600" y="2286000"/>
+            <a:ext cx="5394960" cy="0"/>
+          </a:xfrm>
+          <a:prstGeom prst="line">
+            <a:avLst/>
+          </a:prstGeom>
+          <a:ln>
+            <a:solidFill>
+              <a:srgbClr val="000000"/>
+            </a:solidFill>
+            <a:tailEnd len="med" type="triangle" w="med"/>
+          </a:ln>
+        </p:spPr>
+        <p:style>
+          <a:lnRef idx="0"/>
+          <a:fillRef idx="0"/>
+          <a:effectRef idx="0"/>
+          <a:fontRef idx="minor"/>
+        </p:style>
+      </p:sp>
+      <p:sp>
+        <p:nvSpPr>
+          <p:cNvPr id="107" name="Line 7"/>
+          <p:cNvSpPr/>
+          <p:nvPr/>
+        </p:nvSpPr>
+        <p:spPr>
+          <a:xfrm flipH="1">
+            <a:off x="1662480" y="2926080"/>
+            <a:ext cx="4937760" cy="0"/>
+          </a:xfrm>
+          <a:prstGeom prst="line">
+            <a:avLst/>
+          </a:prstGeom>
+          <a:ln>
+            <a:solidFill>
+              <a:srgbClr val="000000"/>
+            </a:solidFill>
+            <a:tailEnd len="med" type="triangle" w="med"/>
+          </a:ln>
+        </p:spPr>
+        <p:style>
+          <a:lnRef idx="0"/>
+          <a:fillRef idx="0"/>
+          <a:effectRef idx="0"/>
+          <a:fontRef idx="minor"/>
+        </p:style>
+      </p:sp>
+      <p:sp>
+        <p:nvSpPr>
+          <p:cNvPr id="108" name="TextShape 8"/>
+          <p:cNvSpPr txBox="1"/>
+          <p:nvPr/>
+        </p:nvSpPr>
+        <p:spPr>
+          <a:xfrm>
+            <a:off x="822960" y="1848240"/>
+            <a:ext cx="4846320" cy="346320"/>
+          </a:xfrm>
+          <a:prstGeom prst="rect">
+            <a:avLst/>
+          </a:prstGeom>
+          <a:noFill/>
+          <a:ln>
+            <a:noFill/>
+          </a:ln>
+        </p:spPr>
+        <p:txBody>
+          <a:bodyPr lIns="90000" rIns="90000" tIns="45000" bIns="45000"/>
+          <a:p>
+            <a:r>
+              <a:rPr b="0" lang="en-US" sz="1800" spc="-1" strike="noStrike">
+                <a:latin typeface="Arial"/>
+              </a:rPr>
+              <a:t>ServletRequest</a:t>
+            </a:r>
+            <a:endParaRPr b="0" lang="en-US" sz="1800" spc="-1" strike="noStrike">
+              <a:latin typeface="Arial"/>
+            </a:endParaRPr>
+          </a:p>
+        </p:txBody>
+      </p:sp>
+      <p:sp>
+        <p:nvSpPr>
+          <p:cNvPr id="109" name="TextShape 9"/>
+          <p:cNvSpPr txBox="1"/>
+          <p:nvPr/>
+        </p:nvSpPr>
+        <p:spPr>
+          <a:xfrm>
+            <a:off x="822960" y="3108960"/>
+            <a:ext cx="4846320" cy="346320"/>
+          </a:xfrm>
+          <a:prstGeom prst="rect">
+            <a:avLst/>
+          </a:prstGeom>
+          <a:noFill/>
+          <a:ln>
+            <a:noFill/>
+          </a:ln>
+        </p:spPr>
+        <p:txBody>
+          <a:bodyPr lIns="90000" rIns="90000" tIns="45000" bIns="45000"/>
+          <a:p>
+            <a:r>
+              <a:rPr b="0" lang="en-US" sz="1800" spc="-1" strike="noStrike">
+                <a:latin typeface="Arial"/>
+              </a:rPr>
+              <a:t>ServletResponse</a:t>
+            </a:r>
+            <a:endParaRPr b="0" lang="en-US" sz="1800" spc="-1" strike="noStrike">
+              <a:latin typeface="Arial"/>
+            </a:endParaRPr>
+          </a:p>
+        </p:txBody>
+      </p:sp>
+      <p:sp>
+        <p:nvSpPr>
+          <p:cNvPr id="110" name="CustomShape 10"/>
+          <p:cNvSpPr/>
+          <p:nvPr/>
+        </p:nvSpPr>
+        <p:spPr>
+          <a:xfrm>
+            <a:off x="3200400" y="1626480"/>
+            <a:ext cx="1005840" cy="659520"/>
+          </a:xfrm>
+          <a:custGeom>
+            <a:avLst/>
+            <a:gdLst/>
+            <a:ahLst/>
+            <a:rect l="0" t="0" r="r" b="b"/>
+            <a:pathLst>
+              <a:path w="3145" h="1371">
+                <a:moveTo>
+                  <a:pt x="2109" y="916"/>
+                </a:moveTo>
+                <a:lnTo>
+                  <a:pt x="2108" y="892"/>
+                </a:lnTo>
+                <a:lnTo>
+                  <a:pt x="2105" y="869"/>
+                </a:lnTo>
+                <a:lnTo>
+                  <a:pt x="2101" y="845"/>
+                </a:lnTo>
+                <a:lnTo>
+                  <a:pt x="2094" y="822"/>
+                </a:lnTo>
+                <a:lnTo>
+                  <a:pt x="2086" y="799"/>
+                </a:lnTo>
+                <a:lnTo>
+                  <a:pt x="2076" y="776"/>
+                </a:lnTo>
+                <a:lnTo>
+                  <a:pt x="2065" y="754"/>
+                </a:lnTo>
+                <a:lnTo>
+                  <a:pt x="2051" y="732"/>
+                </a:lnTo>
+                <a:lnTo>
+                  <a:pt x="2036" y="710"/>
+                </a:lnTo>
+                <a:lnTo>
+                  <a:pt x="2020" y="689"/>
+                </a:lnTo>
+                <a:lnTo>
+                  <a:pt x="2001" y="669"/>
+                </a:lnTo>
+                <a:lnTo>
+                  <a:pt x="1981" y="649"/>
+                </a:lnTo>
+                <a:lnTo>
+                  <a:pt x="1960" y="630"/>
+                </a:lnTo>
+                <a:lnTo>
+                  <a:pt x="1937" y="612"/>
+                </a:lnTo>
+                <a:lnTo>
+                  <a:pt x="1913" y="594"/>
+                </a:lnTo>
+                <a:lnTo>
+                  <a:pt x="1888" y="578"/>
+                </a:lnTo>
+                <a:lnTo>
+                  <a:pt x="1861" y="562"/>
+                </a:lnTo>
+                <a:lnTo>
+                  <a:pt x="1833" y="547"/>
+                </a:lnTo>
+                <a:lnTo>
+                  <a:pt x="1804" y="533"/>
+                </a:lnTo>
+                <a:lnTo>
+                  <a:pt x="1774" y="520"/>
+                </a:lnTo>
+                <a:lnTo>
+                  <a:pt x="1743" y="508"/>
+                </a:lnTo>
+                <a:lnTo>
+                  <a:pt x="1711" y="497"/>
+                </a:lnTo>
+                <a:lnTo>
+                  <a:pt x="1678" y="487"/>
+                </a:lnTo>
+                <a:lnTo>
+                  <a:pt x="1644" y="478"/>
+                </a:lnTo>
+                <a:lnTo>
+                  <a:pt x="1610" y="470"/>
+                </a:lnTo>
+                <a:lnTo>
+                  <a:pt x="1575" y="464"/>
+                </a:lnTo>
+                <a:lnTo>
+                  <a:pt x="1540" y="459"/>
+                </a:lnTo>
+                <a:lnTo>
+                  <a:pt x="1505" y="454"/>
+                </a:lnTo>
+                <a:lnTo>
+                  <a:pt x="1469" y="451"/>
+                </a:lnTo>
+                <a:lnTo>
+                  <a:pt x="1433" y="450"/>
+                </a:lnTo>
+                <a:lnTo>
+                  <a:pt x="1397" y="449"/>
+                </a:lnTo>
+                <a:lnTo>
+                  <a:pt x="1361" y="450"/>
+                </a:lnTo>
+                <a:lnTo>
+                  <a:pt x="1325" y="451"/>
+                </a:lnTo>
+                <a:lnTo>
+                  <a:pt x="1289" y="454"/>
+                </a:lnTo>
+                <a:lnTo>
+                  <a:pt x="1254" y="459"/>
+                </a:lnTo>
+                <a:lnTo>
+                  <a:pt x="1219" y="464"/>
+                </a:lnTo>
+                <a:lnTo>
+                  <a:pt x="1184" y="470"/>
+                </a:lnTo>
+                <a:lnTo>
+                  <a:pt x="1150" y="478"/>
+                </a:lnTo>
+                <a:lnTo>
+                  <a:pt x="1116" y="487"/>
+                </a:lnTo>
+                <a:lnTo>
+                  <a:pt x="1083" y="497"/>
+                </a:lnTo>
+                <a:lnTo>
+                  <a:pt x="1051" y="508"/>
+                </a:lnTo>
+                <a:lnTo>
+                  <a:pt x="1020" y="520"/>
+                </a:lnTo>
+                <a:lnTo>
+                  <a:pt x="990" y="533"/>
+                </a:lnTo>
+                <a:lnTo>
+                  <a:pt x="961" y="547"/>
+                </a:lnTo>
+                <a:lnTo>
+                  <a:pt x="933" y="562"/>
+                </a:lnTo>
+                <a:lnTo>
+                  <a:pt x="906" y="578"/>
+                </a:lnTo>
+                <a:lnTo>
+                  <a:pt x="881" y="594"/>
+                </a:lnTo>
+                <a:lnTo>
+                  <a:pt x="857" y="612"/>
+                </a:lnTo>
+                <a:lnTo>
+                  <a:pt x="834" y="630"/>
+                </a:lnTo>
+                <a:lnTo>
+                  <a:pt x="813" y="649"/>
+                </a:lnTo>
+                <a:lnTo>
+                  <a:pt x="793" y="669"/>
+                </a:lnTo>
+                <a:lnTo>
+                  <a:pt x="774" y="689"/>
+                </a:lnTo>
+                <a:lnTo>
+                  <a:pt x="758" y="710"/>
+                </a:lnTo>
+                <a:lnTo>
+                  <a:pt x="743" y="732"/>
+                </a:lnTo>
+                <a:lnTo>
+                  <a:pt x="729" y="754"/>
+                </a:lnTo>
+                <a:lnTo>
+                  <a:pt x="718" y="776"/>
+                </a:lnTo>
+                <a:lnTo>
+                  <a:pt x="708" y="799"/>
+                </a:lnTo>
+                <a:lnTo>
+                  <a:pt x="700" y="822"/>
+                </a:lnTo>
+                <a:lnTo>
+                  <a:pt x="693" y="845"/>
+                </a:lnTo>
+                <a:lnTo>
+                  <a:pt x="689" y="869"/>
+                </a:lnTo>
+                <a:lnTo>
+                  <a:pt x="686" y="892"/>
+                </a:lnTo>
+                <a:lnTo>
+                  <a:pt x="685" y="916"/>
+                </a:lnTo>
+                <a:lnTo>
+                  <a:pt x="0" y="916"/>
+                </a:lnTo>
+                <a:lnTo>
+                  <a:pt x="2" y="870"/>
+                </a:lnTo>
+                <a:lnTo>
+                  <a:pt x="7" y="823"/>
+                </a:lnTo>
+                <a:lnTo>
+                  <a:pt x="16" y="777"/>
+                </a:lnTo>
+                <a:lnTo>
+                  <a:pt x="29" y="732"/>
+                </a:lnTo>
+                <a:lnTo>
+                  <a:pt x="45" y="686"/>
+                </a:lnTo>
+                <a:lnTo>
+                  <a:pt x="64" y="642"/>
+                </a:lnTo>
+                <a:lnTo>
+                  <a:pt x="87" y="598"/>
+                </a:lnTo>
+                <a:lnTo>
+                  <a:pt x="113" y="555"/>
+                </a:lnTo>
+                <a:lnTo>
+                  <a:pt x="143" y="513"/>
+                </a:lnTo>
+                <a:lnTo>
+                  <a:pt x="176" y="471"/>
+                </a:lnTo>
+                <a:lnTo>
+                  <a:pt x="211" y="431"/>
+                </a:lnTo>
+                <a:lnTo>
+                  <a:pt x="250" y="393"/>
+                </a:lnTo>
+                <a:lnTo>
+                  <a:pt x="292" y="355"/>
+                </a:lnTo>
+                <a:lnTo>
+                  <a:pt x="337" y="319"/>
+                </a:lnTo>
+                <a:lnTo>
+                  <a:pt x="384" y="285"/>
+                </a:lnTo>
+                <a:lnTo>
+                  <a:pt x="435" y="252"/>
+                </a:lnTo>
+                <a:lnTo>
+                  <a:pt x="487" y="221"/>
+                </a:lnTo>
+                <a:lnTo>
+                  <a:pt x="542" y="192"/>
+                </a:lnTo>
+                <a:lnTo>
+                  <a:pt x="599" y="164"/>
+                </a:lnTo>
+                <a:lnTo>
+                  <a:pt x="658" y="139"/>
+                </a:lnTo>
+                <a:lnTo>
+                  <a:pt x="719" y="115"/>
+                </a:lnTo>
+                <a:lnTo>
+                  <a:pt x="782" y="94"/>
+                </a:lnTo>
+                <a:lnTo>
+                  <a:pt x="846" y="74"/>
+                </a:lnTo>
+                <a:lnTo>
+                  <a:pt x="912" y="57"/>
+                </a:lnTo>
+                <a:lnTo>
+                  <a:pt x="979" y="42"/>
+                </a:lnTo>
+                <a:lnTo>
+                  <a:pt x="1047" y="29"/>
+                </a:lnTo>
+                <a:lnTo>
+                  <a:pt x="1116" y="19"/>
+                </a:lnTo>
+                <a:lnTo>
+                  <a:pt x="1185" y="11"/>
+                </a:lnTo>
+                <a:lnTo>
+                  <a:pt x="1256" y="5"/>
+                </a:lnTo>
+                <a:lnTo>
+                  <a:pt x="1326" y="1"/>
+                </a:lnTo>
+                <a:lnTo>
+                  <a:pt x="1397" y="0"/>
+                </a:lnTo>
+                <a:lnTo>
+                  <a:pt x="1468" y="1"/>
+                </a:lnTo>
+                <a:lnTo>
+                  <a:pt x="1538" y="5"/>
+                </a:lnTo>
+                <a:lnTo>
+                  <a:pt x="1609" y="11"/>
+                </a:lnTo>
+                <a:lnTo>
+                  <a:pt x="1678" y="19"/>
+                </a:lnTo>
+                <a:lnTo>
+                  <a:pt x="1747" y="29"/>
+                </a:lnTo>
+                <a:lnTo>
+                  <a:pt x="1815" y="42"/>
+                </a:lnTo>
+                <a:lnTo>
+                  <a:pt x="1882" y="57"/>
+                </a:lnTo>
+                <a:lnTo>
+                  <a:pt x="1948" y="74"/>
+                </a:lnTo>
+                <a:lnTo>
+                  <a:pt x="2012" y="94"/>
+                </a:lnTo>
+                <a:lnTo>
+                  <a:pt x="2075" y="115"/>
+                </a:lnTo>
+                <a:lnTo>
+                  <a:pt x="2136" y="139"/>
+                </a:lnTo>
+                <a:lnTo>
+                  <a:pt x="2195" y="164"/>
+                </a:lnTo>
+                <a:lnTo>
+                  <a:pt x="2252" y="192"/>
+                </a:lnTo>
+                <a:lnTo>
+                  <a:pt x="2307" y="221"/>
+                </a:lnTo>
+                <a:lnTo>
+                  <a:pt x="2359" y="252"/>
+                </a:lnTo>
+                <a:lnTo>
+                  <a:pt x="2410" y="285"/>
+                </a:lnTo>
+                <a:lnTo>
+                  <a:pt x="2457" y="319"/>
+                </a:lnTo>
+                <a:lnTo>
+                  <a:pt x="2502" y="355"/>
+                </a:lnTo>
+                <a:lnTo>
+                  <a:pt x="2544" y="393"/>
+                </a:lnTo>
+                <a:lnTo>
+                  <a:pt x="2583" y="431"/>
+                </a:lnTo>
+                <a:lnTo>
+                  <a:pt x="2618" y="471"/>
+                </a:lnTo>
+                <a:lnTo>
+                  <a:pt x="2651" y="513"/>
+                </a:lnTo>
+                <a:lnTo>
+                  <a:pt x="2681" y="555"/>
+                </a:lnTo>
+                <a:lnTo>
+                  <a:pt x="2707" y="598"/>
+                </a:lnTo>
+                <a:lnTo>
+                  <a:pt x="2730" y="642"/>
+                </a:lnTo>
+                <a:lnTo>
+                  <a:pt x="2749" y="686"/>
+                </a:lnTo>
+                <a:lnTo>
+                  <a:pt x="2765" y="732"/>
+                </a:lnTo>
+                <a:lnTo>
+                  <a:pt x="2778" y="777"/>
+                </a:lnTo>
+                <a:lnTo>
+                  <a:pt x="2787" y="823"/>
+                </a:lnTo>
+                <a:lnTo>
+                  <a:pt x="2792" y="870"/>
+                </a:lnTo>
+                <a:lnTo>
+                  <a:pt x="2794" y="916"/>
+                </a:lnTo>
+                <a:lnTo>
+                  <a:pt x="3144" y="916"/>
+                </a:lnTo>
+                <a:lnTo>
+                  <a:pt x="2452" y="1370"/>
+                </a:lnTo>
+                <a:lnTo>
+                  <a:pt x="1759" y="916"/>
+                </a:lnTo>
+                <a:lnTo>
+                  <a:pt x="2109" y="916"/>
+                </a:lnTo>
+              </a:path>
+            </a:pathLst>
+          </a:custGeom>
+          <a:solidFill>
+            <a:srgbClr val="729fcf"/>
+          </a:solidFill>
+          <a:ln>
+            <a:solidFill>
+              <a:srgbClr val="3465a4"/>
+            </a:solidFill>
+          </a:ln>
+        </p:spPr>
+        <p:style>
+          <a:lnRef idx="0"/>
+          <a:fillRef idx="0"/>
+          <a:effectRef idx="0"/>
+          <a:fontRef idx="minor"/>
+        </p:style>
+      </p:sp>
+      <p:sp>
+        <p:nvSpPr>
+          <p:cNvPr id="111" name="CustomShape 11"/>
+          <p:cNvSpPr/>
+          <p:nvPr/>
+        </p:nvSpPr>
+        <p:spPr>
+          <a:xfrm>
+            <a:off x="4500000" y="1590480"/>
+            <a:ext cx="1005840" cy="659520"/>
+          </a:xfrm>
+          <a:custGeom>
+            <a:avLst/>
+            <a:gdLst/>
+            <a:ahLst/>
+            <a:rect l="0" t="0" r="r" b="b"/>
+            <a:pathLst>
+              <a:path w="3145" h="1371">
+                <a:moveTo>
+                  <a:pt x="2109" y="916"/>
+                </a:moveTo>
+                <a:lnTo>
+                  <a:pt x="2108" y="892"/>
+                </a:lnTo>
+                <a:lnTo>
+                  <a:pt x="2105" y="869"/>
+                </a:lnTo>
+                <a:lnTo>
+                  <a:pt x="2101" y="845"/>
+                </a:lnTo>
+                <a:lnTo>
+                  <a:pt x="2094" y="822"/>
+                </a:lnTo>
+                <a:lnTo>
+                  <a:pt x="2086" y="799"/>
+                </a:lnTo>
+                <a:lnTo>
+                  <a:pt x="2076" y="776"/>
+                </a:lnTo>
+                <a:lnTo>
+                  <a:pt x="2065" y="754"/>
+                </a:lnTo>
+                <a:lnTo>
+                  <a:pt x="2051" y="732"/>
+                </a:lnTo>
+                <a:lnTo>
+                  <a:pt x="2036" y="710"/>
+                </a:lnTo>
+                <a:lnTo>
+                  <a:pt x="2020" y="689"/>
+                </a:lnTo>
+                <a:lnTo>
+                  <a:pt x="2001" y="669"/>
+                </a:lnTo>
+                <a:lnTo>
+                  <a:pt x="1981" y="649"/>
+                </a:lnTo>
+                <a:lnTo>
+                  <a:pt x="1960" y="630"/>
+                </a:lnTo>
+                <a:lnTo>
+                  <a:pt x="1937" y="612"/>
+                </a:lnTo>
+                <a:lnTo>
+                  <a:pt x="1913" y="594"/>
+                </a:lnTo>
+                <a:lnTo>
+                  <a:pt x="1888" y="578"/>
+                </a:lnTo>
+                <a:lnTo>
+                  <a:pt x="1861" y="562"/>
+                </a:lnTo>
+                <a:lnTo>
+                  <a:pt x="1833" y="547"/>
+                </a:lnTo>
+                <a:lnTo>
+                  <a:pt x="1804" y="533"/>
+                </a:lnTo>
+                <a:lnTo>
+                  <a:pt x="1774" y="520"/>
+                </a:lnTo>
+                <a:lnTo>
+                  <a:pt x="1743" y="508"/>
+                </a:lnTo>
+                <a:lnTo>
+                  <a:pt x="1711" y="497"/>
+                </a:lnTo>
+                <a:lnTo>
+                  <a:pt x="1678" y="487"/>
+                </a:lnTo>
+                <a:lnTo>
+                  <a:pt x="1644" y="478"/>
+                </a:lnTo>
+                <a:lnTo>
+                  <a:pt x="1610" y="470"/>
+                </a:lnTo>
+                <a:lnTo>
+                  <a:pt x="1575" y="464"/>
+                </a:lnTo>
+                <a:lnTo>
+                  <a:pt x="1540" y="459"/>
+                </a:lnTo>
+                <a:lnTo>
+                  <a:pt x="1505" y="454"/>
+                </a:lnTo>
+                <a:lnTo>
+                  <a:pt x="1469" y="451"/>
+                </a:lnTo>
+                <a:lnTo>
+                  <a:pt x="1433" y="450"/>
+                </a:lnTo>
+                <a:lnTo>
+                  <a:pt x="1397" y="449"/>
+                </a:lnTo>
+                <a:lnTo>
+                  <a:pt x="1361" y="450"/>
+                </a:lnTo>
+                <a:lnTo>
+                  <a:pt x="1325" y="451"/>
+                </a:lnTo>
+                <a:lnTo>
+                  <a:pt x="1289" y="454"/>
+                </a:lnTo>
+                <a:lnTo>
+                  <a:pt x="1254" y="459"/>
+                </a:lnTo>
+                <a:lnTo>
+                  <a:pt x="1219" y="464"/>
+                </a:lnTo>
+                <a:lnTo>
+                  <a:pt x="1184" y="470"/>
+                </a:lnTo>
+                <a:lnTo>
+                  <a:pt x="1150" y="478"/>
+                </a:lnTo>
+                <a:lnTo>
+                  <a:pt x="1116" y="487"/>
+                </a:lnTo>
+                <a:lnTo>
+                  <a:pt x="1083" y="497"/>
+                </a:lnTo>
+                <a:lnTo>
+                  <a:pt x="1051" y="508"/>
+                </a:lnTo>
+                <a:lnTo>
+                  <a:pt x="1020" y="520"/>
+                </a:lnTo>
+                <a:lnTo>
+                  <a:pt x="990" y="533"/>
+                </a:lnTo>
+                <a:lnTo>
+                  <a:pt x="961" y="547"/>
+                </a:lnTo>
+                <a:lnTo>
+                  <a:pt x="933" y="562"/>
+                </a:lnTo>
+                <a:lnTo>
+                  <a:pt x="906" y="578"/>
+                </a:lnTo>
+                <a:lnTo>
+                  <a:pt x="881" y="594"/>
+                </a:lnTo>
+                <a:lnTo>
+                  <a:pt x="857" y="612"/>
+                </a:lnTo>
+                <a:lnTo>
+                  <a:pt x="834" y="630"/>
+                </a:lnTo>
+                <a:lnTo>
+                  <a:pt x="813" y="649"/>
+                </a:lnTo>
+                <a:lnTo>
+                  <a:pt x="793" y="669"/>
+                </a:lnTo>
+                <a:lnTo>
+                  <a:pt x="774" y="689"/>
+                </a:lnTo>
+                <a:lnTo>
+                  <a:pt x="758" y="710"/>
+                </a:lnTo>
+                <a:lnTo>
+                  <a:pt x="743" y="732"/>
+                </a:lnTo>
+                <a:lnTo>
+                  <a:pt x="729" y="754"/>
+                </a:lnTo>
+                <a:lnTo>
+                  <a:pt x="718" y="776"/>
+                </a:lnTo>
+                <a:lnTo>
+                  <a:pt x="708" y="799"/>
+                </a:lnTo>
+                <a:lnTo>
+                  <a:pt x="700" y="822"/>
+                </a:lnTo>
+                <a:lnTo>
+                  <a:pt x="693" y="845"/>
+                </a:lnTo>
+                <a:lnTo>
+                  <a:pt x="689" y="869"/>
+                </a:lnTo>
+                <a:lnTo>
+                  <a:pt x="686" y="892"/>
+                </a:lnTo>
+                <a:lnTo>
+                  <a:pt x="685" y="916"/>
+                </a:lnTo>
+                <a:lnTo>
+                  <a:pt x="0" y="916"/>
+                </a:lnTo>
+                <a:lnTo>
+                  <a:pt x="2" y="870"/>
+                </a:lnTo>
+                <a:lnTo>
+                  <a:pt x="7" y="823"/>
+                </a:lnTo>
+                <a:lnTo>
+                  <a:pt x="16" y="777"/>
+                </a:lnTo>
+                <a:lnTo>
+                  <a:pt x="29" y="732"/>
+                </a:lnTo>
+                <a:lnTo>
+                  <a:pt x="45" y="686"/>
+                </a:lnTo>
+                <a:lnTo>
+                  <a:pt x="64" y="642"/>
+                </a:lnTo>
+                <a:lnTo>
+                  <a:pt x="87" y="598"/>
+                </a:lnTo>
+                <a:lnTo>
+                  <a:pt x="113" y="555"/>
+                </a:lnTo>
+                <a:lnTo>
+                  <a:pt x="143" y="513"/>
+                </a:lnTo>
+                <a:lnTo>
+                  <a:pt x="176" y="471"/>
+                </a:lnTo>
+                <a:lnTo>
+                  <a:pt x="211" y="431"/>
+                </a:lnTo>
+                <a:lnTo>
+                  <a:pt x="250" y="393"/>
+                </a:lnTo>
+                <a:lnTo>
+                  <a:pt x="292" y="355"/>
+                </a:lnTo>
+                <a:lnTo>
+                  <a:pt x="337" y="319"/>
+                </a:lnTo>
+                <a:lnTo>
+                  <a:pt x="384" y="285"/>
+                </a:lnTo>
+                <a:lnTo>
+                  <a:pt x="435" y="252"/>
+                </a:lnTo>
+                <a:lnTo>
+                  <a:pt x="487" y="221"/>
+                </a:lnTo>
+                <a:lnTo>
+                  <a:pt x="542" y="192"/>
+                </a:lnTo>
+                <a:lnTo>
+                  <a:pt x="599" y="164"/>
+                </a:lnTo>
+                <a:lnTo>
+                  <a:pt x="658" y="139"/>
+                </a:lnTo>
+                <a:lnTo>
+                  <a:pt x="719" y="115"/>
+                </a:lnTo>
+                <a:lnTo>
+                  <a:pt x="782" y="94"/>
+                </a:lnTo>
+                <a:lnTo>
+                  <a:pt x="846" y="74"/>
+                </a:lnTo>
+                <a:lnTo>
+                  <a:pt x="912" y="57"/>
+                </a:lnTo>
+                <a:lnTo>
+                  <a:pt x="979" y="42"/>
+                </a:lnTo>
+                <a:lnTo>
+                  <a:pt x="1047" y="29"/>
+                </a:lnTo>
+                <a:lnTo>
+                  <a:pt x="1116" y="19"/>
+                </a:lnTo>
+                <a:lnTo>
+                  <a:pt x="1185" y="11"/>
+                </a:lnTo>
+                <a:lnTo>
+                  <a:pt x="1256" y="5"/>
+                </a:lnTo>
+                <a:lnTo>
+                  <a:pt x="1326" y="1"/>
+                </a:lnTo>
+                <a:lnTo>
+                  <a:pt x="1397" y="0"/>
+                </a:lnTo>
+                <a:lnTo>
+                  <a:pt x="1468" y="1"/>
+                </a:lnTo>
+                <a:lnTo>
+                  <a:pt x="1538" y="5"/>
+                </a:lnTo>
+                <a:lnTo>
+                  <a:pt x="1609" y="11"/>
+                </a:lnTo>
+                <a:lnTo>
+                  <a:pt x="1678" y="19"/>
+                </a:lnTo>
+                <a:lnTo>
+                  <a:pt x="1747" y="29"/>
+                </a:lnTo>
+                <a:lnTo>
+                  <a:pt x="1815" y="42"/>
+                </a:lnTo>
+                <a:lnTo>
+                  <a:pt x="1882" y="57"/>
+                </a:lnTo>
+                <a:lnTo>
+                  <a:pt x="1948" y="74"/>
+                </a:lnTo>
+                <a:lnTo>
+                  <a:pt x="2012" y="94"/>
+                </a:lnTo>
+                <a:lnTo>
+                  <a:pt x="2075" y="115"/>
+                </a:lnTo>
+                <a:lnTo>
+                  <a:pt x="2136" y="139"/>
+                </a:lnTo>
+                <a:lnTo>
+                  <a:pt x="2195" y="164"/>
+                </a:lnTo>
+                <a:lnTo>
+                  <a:pt x="2252" y="192"/>
+                </a:lnTo>
+                <a:lnTo>
+                  <a:pt x="2307" y="221"/>
+                </a:lnTo>
+                <a:lnTo>
+                  <a:pt x="2359" y="252"/>
+                </a:lnTo>
+                <a:lnTo>
+                  <a:pt x="2410" y="285"/>
+                </a:lnTo>
+                <a:lnTo>
+                  <a:pt x="2457" y="319"/>
+                </a:lnTo>
+                <a:lnTo>
+                  <a:pt x="2502" y="355"/>
+                </a:lnTo>
+                <a:lnTo>
+                  <a:pt x="2544" y="393"/>
+                </a:lnTo>
+                <a:lnTo>
+                  <a:pt x="2583" y="431"/>
+                </a:lnTo>
+                <a:lnTo>
+                  <a:pt x="2618" y="471"/>
+                </a:lnTo>
+                <a:lnTo>
+                  <a:pt x="2651" y="513"/>
+                </a:lnTo>
+                <a:lnTo>
+                  <a:pt x="2681" y="555"/>
+                </a:lnTo>
+                <a:lnTo>
+                  <a:pt x="2707" y="598"/>
+                </a:lnTo>
+                <a:lnTo>
+                  <a:pt x="2730" y="642"/>
+                </a:lnTo>
+                <a:lnTo>
+                  <a:pt x="2749" y="686"/>
+                </a:lnTo>
+                <a:lnTo>
+                  <a:pt x="2765" y="732"/>
+                </a:lnTo>
+                <a:lnTo>
+                  <a:pt x="2778" y="777"/>
+                </a:lnTo>
+                <a:lnTo>
+                  <a:pt x="2787" y="823"/>
+                </a:lnTo>
+                <a:lnTo>
+                  <a:pt x="2792" y="870"/>
+                </a:lnTo>
+                <a:lnTo>
+                  <a:pt x="2794" y="916"/>
+                </a:lnTo>
+                <a:lnTo>
+                  <a:pt x="3144" y="916"/>
+                </a:lnTo>
+                <a:lnTo>
+                  <a:pt x="2452" y="1370"/>
+                </a:lnTo>
+                <a:lnTo>
+                  <a:pt x="1759" y="916"/>
+                </a:lnTo>
+                <a:lnTo>
+                  <a:pt x="2109" y="916"/>
+                </a:lnTo>
+              </a:path>
+            </a:pathLst>
+          </a:custGeom>
+          <a:solidFill>
+            <a:srgbClr val="729fcf"/>
+          </a:solidFill>
+          <a:ln>
+            <a:solidFill>
+              <a:srgbClr val="3465a4"/>
+            </a:solidFill>
+          </a:ln>
+        </p:spPr>
+        <p:style>
+          <a:lnRef idx="0"/>
+          <a:fillRef idx="0"/>
+          <a:effectRef idx="0"/>
+          <a:fontRef idx="minor"/>
+        </p:style>
+      </p:sp>
+      <p:sp>
+        <p:nvSpPr>
+          <p:cNvPr id="112" name="CustomShape 12"/>
+          <p:cNvSpPr/>
+          <p:nvPr/>
+        </p:nvSpPr>
+        <p:spPr>
+          <a:xfrm>
+            <a:off x="5852160" y="1626480"/>
+            <a:ext cx="1005840" cy="659520"/>
+          </a:xfrm>
+          <a:custGeom>
+            <a:avLst/>
+            <a:gdLst/>
+            <a:ahLst/>
+            <a:rect l="0" t="0" r="r" b="b"/>
+            <a:pathLst>
+              <a:path w="3145" h="1371">
+                <a:moveTo>
+                  <a:pt x="2109" y="916"/>
+                </a:moveTo>
+                <a:lnTo>
+                  <a:pt x="2108" y="892"/>
+                </a:lnTo>
+                <a:lnTo>
+                  <a:pt x="2105" y="869"/>
+                </a:lnTo>
+                <a:lnTo>
+                  <a:pt x="2101" y="845"/>
+                </a:lnTo>
+                <a:lnTo>
+                  <a:pt x="2094" y="822"/>
+                </a:lnTo>
+                <a:lnTo>
+                  <a:pt x="2086" y="799"/>
+                </a:lnTo>
+                <a:lnTo>
+                  <a:pt x="2076" y="776"/>
+                </a:lnTo>
+                <a:lnTo>
+                  <a:pt x="2065" y="754"/>
+                </a:lnTo>
+                <a:lnTo>
+                  <a:pt x="2051" y="732"/>
+                </a:lnTo>
+                <a:lnTo>
+                  <a:pt x="2036" y="710"/>
+                </a:lnTo>
+                <a:lnTo>
+                  <a:pt x="2020" y="689"/>
+                </a:lnTo>
+                <a:lnTo>
+                  <a:pt x="2001" y="669"/>
+                </a:lnTo>
+                <a:lnTo>
+                  <a:pt x="1981" y="649"/>
+                </a:lnTo>
+                <a:lnTo>
+                  <a:pt x="1960" y="630"/>
+                </a:lnTo>
+                <a:lnTo>
+                  <a:pt x="1937" y="612"/>
+                </a:lnTo>
+                <a:lnTo>
+                  <a:pt x="1913" y="594"/>
+                </a:lnTo>
+                <a:lnTo>
+                  <a:pt x="1888" y="578"/>
+                </a:lnTo>
+                <a:lnTo>
+                  <a:pt x="1861" y="562"/>
+                </a:lnTo>
+                <a:lnTo>
+                  <a:pt x="1833" y="547"/>
+                </a:lnTo>
+                <a:lnTo>
+                  <a:pt x="1804" y="533"/>
+                </a:lnTo>
+                <a:lnTo>
+                  <a:pt x="1774" y="520"/>
+                </a:lnTo>
+                <a:lnTo>
+                  <a:pt x="1743" y="508"/>
+                </a:lnTo>
+                <a:lnTo>
+                  <a:pt x="1711" y="497"/>
+                </a:lnTo>
+                <a:lnTo>
+                  <a:pt x="1678" y="487"/>
+                </a:lnTo>
+                <a:lnTo>
+                  <a:pt x="1644" y="478"/>
+                </a:lnTo>
+                <a:lnTo>
+                  <a:pt x="1610" y="470"/>
+                </a:lnTo>
+                <a:lnTo>
+                  <a:pt x="1575" y="464"/>
+                </a:lnTo>
+                <a:lnTo>
+                  <a:pt x="1540" y="459"/>
+                </a:lnTo>
+                <a:lnTo>
+                  <a:pt x="1505" y="454"/>
+                </a:lnTo>
+                <a:lnTo>
+                  <a:pt x="1469" y="451"/>
+                </a:lnTo>
+                <a:lnTo>
+                  <a:pt x="1433" y="450"/>
+                </a:lnTo>
+                <a:lnTo>
+                  <a:pt x="1397" y="449"/>
+                </a:lnTo>
+                <a:lnTo>
+                  <a:pt x="1361" y="450"/>
+                </a:lnTo>
+                <a:lnTo>
+                  <a:pt x="1325" y="451"/>
+                </a:lnTo>
+                <a:lnTo>
+                  <a:pt x="1289" y="454"/>
+                </a:lnTo>
+                <a:lnTo>
+                  <a:pt x="1254" y="459"/>
+                </a:lnTo>
+                <a:lnTo>
+                  <a:pt x="1219" y="464"/>
+                </a:lnTo>
+                <a:lnTo>
+                  <a:pt x="1184" y="470"/>
+                </a:lnTo>
+                <a:lnTo>
+                  <a:pt x="1150" y="478"/>
+                </a:lnTo>
+                <a:lnTo>
+                  <a:pt x="1116" y="487"/>
+                </a:lnTo>
+                <a:lnTo>
+                  <a:pt x="1083" y="497"/>
+                </a:lnTo>
+                <a:lnTo>
+                  <a:pt x="1051" y="508"/>
+                </a:lnTo>
+                <a:lnTo>
+                  <a:pt x="1020" y="520"/>
+                </a:lnTo>
+                <a:lnTo>
+                  <a:pt x="990" y="533"/>
+                </a:lnTo>
+                <a:lnTo>
+                  <a:pt x="961" y="547"/>
+                </a:lnTo>
+                <a:lnTo>
+                  <a:pt x="933" y="562"/>
+                </a:lnTo>
+                <a:lnTo>
+                  <a:pt x="906" y="578"/>
+                </a:lnTo>
+                <a:lnTo>
+                  <a:pt x="881" y="594"/>
+                </a:lnTo>
+                <a:lnTo>
+                  <a:pt x="857" y="612"/>
+                </a:lnTo>
+                <a:lnTo>
+                  <a:pt x="834" y="630"/>
+                </a:lnTo>
+                <a:lnTo>
+                  <a:pt x="813" y="649"/>
+                </a:lnTo>
+                <a:lnTo>
+                  <a:pt x="793" y="669"/>
+                </a:lnTo>
+                <a:lnTo>
+                  <a:pt x="774" y="689"/>
+                </a:lnTo>
+                <a:lnTo>
+                  <a:pt x="758" y="710"/>
+                </a:lnTo>
+                <a:lnTo>
+                  <a:pt x="743" y="732"/>
+                </a:lnTo>
+                <a:lnTo>
+                  <a:pt x="729" y="754"/>
+                </a:lnTo>
+                <a:lnTo>
+                  <a:pt x="718" y="776"/>
+                </a:lnTo>
+                <a:lnTo>
+                  <a:pt x="708" y="799"/>
+                </a:lnTo>
+                <a:lnTo>
+                  <a:pt x="700" y="822"/>
+                </a:lnTo>
+                <a:lnTo>
+                  <a:pt x="693" y="845"/>
+                </a:lnTo>
+                <a:lnTo>
+                  <a:pt x="689" y="869"/>
+                </a:lnTo>
+                <a:lnTo>
+                  <a:pt x="686" y="892"/>
+                </a:lnTo>
+                <a:lnTo>
+                  <a:pt x="685" y="916"/>
+                </a:lnTo>
+                <a:lnTo>
+                  <a:pt x="0" y="916"/>
+                </a:lnTo>
+                <a:lnTo>
+                  <a:pt x="2" y="870"/>
+                </a:lnTo>
+                <a:lnTo>
+                  <a:pt x="7" y="823"/>
+                </a:lnTo>
+                <a:lnTo>
+                  <a:pt x="16" y="777"/>
+                </a:lnTo>
+                <a:lnTo>
+                  <a:pt x="29" y="732"/>
+                </a:lnTo>
+                <a:lnTo>
+                  <a:pt x="45" y="686"/>
+                </a:lnTo>
+                <a:lnTo>
+                  <a:pt x="64" y="642"/>
+                </a:lnTo>
+                <a:lnTo>
+                  <a:pt x="87" y="598"/>
+                </a:lnTo>
+                <a:lnTo>
+                  <a:pt x="113" y="555"/>
+                </a:lnTo>
+                <a:lnTo>
+                  <a:pt x="143" y="513"/>
+                </a:lnTo>
+                <a:lnTo>
+                  <a:pt x="176" y="471"/>
+                </a:lnTo>
+                <a:lnTo>
+                  <a:pt x="211" y="431"/>
+                </a:lnTo>
+                <a:lnTo>
+                  <a:pt x="250" y="393"/>
+                </a:lnTo>
+                <a:lnTo>
+                  <a:pt x="292" y="355"/>
+                </a:lnTo>
+                <a:lnTo>
+                  <a:pt x="337" y="319"/>
+                </a:lnTo>
+                <a:lnTo>
+                  <a:pt x="384" y="285"/>
+                </a:lnTo>
+                <a:lnTo>
+                  <a:pt x="435" y="252"/>
+                </a:lnTo>
+                <a:lnTo>
+                  <a:pt x="487" y="221"/>
+                </a:lnTo>
+                <a:lnTo>
+                  <a:pt x="542" y="192"/>
+                </a:lnTo>
+                <a:lnTo>
+                  <a:pt x="599" y="164"/>
+                </a:lnTo>
+                <a:lnTo>
+                  <a:pt x="658" y="139"/>
+                </a:lnTo>
+                <a:lnTo>
+                  <a:pt x="719" y="115"/>
+                </a:lnTo>
+                <a:lnTo>
+                  <a:pt x="782" y="94"/>
+                </a:lnTo>
+                <a:lnTo>
+                  <a:pt x="846" y="74"/>
+                </a:lnTo>
+                <a:lnTo>
+                  <a:pt x="912" y="57"/>
+                </a:lnTo>
+                <a:lnTo>
+                  <a:pt x="979" y="42"/>
+                </a:lnTo>
+                <a:lnTo>
+                  <a:pt x="1047" y="29"/>
+                </a:lnTo>
+                <a:lnTo>
+                  <a:pt x="1116" y="19"/>
+                </a:lnTo>
+                <a:lnTo>
+                  <a:pt x="1185" y="11"/>
+                </a:lnTo>
+                <a:lnTo>
+                  <a:pt x="1256" y="5"/>
+                </a:lnTo>
+                <a:lnTo>
+                  <a:pt x="1326" y="1"/>
+                </a:lnTo>
+                <a:lnTo>
+                  <a:pt x="1397" y="0"/>
+                </a:lnTo>
+                <a:lnTo>
+                  <a:pt x="1468" y="1"/>
+                </a:lnTo>
+                <a:lnTo>
+                  <a:pt x="1538" y="5"/>
+                </a:lnTo>
+                <a:lnTo>
+                  <a:pt x="1609" y="11"/>
+                </a:lnTo>
+                <a:lnTo>
+                  <a:pt x="1678" y="19"/>
+                </a:lnTo>
+                <a:lnTo>
+                  <a:pt x="1747" y="29"/>
+                </a:lnTo>
+                <a:lnTo>
+                  <a:pt x="1815" y="42"/>
+                </a:lnTo>
+                <a:lnTo>
+                  <a:pt x="1882" y="57"/>
+                </a:lnTo>
+                <a:lnTo>
+                  <a:pt x="1948" y="74"/>
+                </a:lnTo>
+                <a:lnTo>
+                  <a:pt x="2012" y="94"/>
+                </a:lnTo>
+                <a:lnTo>
+                  <a:pt x="2075" y="115"/>
+                </a:lnTo>
+                <a:lnTo>
+                  <a:pt x="2136" y="139"/>
+                </a:lnTo>
+                <a:lnTo>
+                  <a:pt x="2195" y="164"/>
+                </a:lnTo>
+                <a:lnTo>
+                  <a:pt x="2252" y="192"/>
+                </a:lnTo>
+                <a:lnTo>
+                  <a:pt x="2307" y="221"/>
+                </a:lnTo>
+                <a:lnTo>
+                  <a:pt x="2359" y="252"/>
+                </a:lnTo>
+                <a:lnTo>
+                  <a:pt x="2410" y="285"/>
+                </a:lnTo>
+                <a:lnTo>
+                  <a:pt x="2457" y="319"/>
+                </a:lnTo>
+                <a:lnTo>
+                  <a:pt x="2502" y="355"/>
+                </a:lnTo>
+                <a:lnTo>
+                  <a:pt x="2544" y="393"/>
+                </a:lnTo>
+                <a:lnTo>
+                  <a:pt x="2583" y="431"/>
+                </a:lnTo>
+                <a:lnTo>
+                  <a:pt x="2618" y="471"/>
+                </a:lnTo>
+                <a:lnTo>
+                  <a:pt x="2651" y="513"/>
+                </a:lnTo>
+                <a:lnTo>
+                  <a:pt x="2681" y="555"/>
+                </a:lnTo>
+                <a:lnTo>
+                  <a:pt x="2707" y="598"/>
+                </a:lnTo>
+                <a:lnTo>
+                  <a:pt x="2730" y="642"/>
+                </a:lnTo>
+                <a:lnTo>
+                  <a:pt x="2749" y="686"/>
+                </a:lnTo>
+                <a:lnTo>
+                  <a:pt x="2765" y="732"/>
+                </a:lnTo>
+                <a:lnTo>
+                  <a:pt x="2778" y="777"/>
+                </a:lnTo>
+                <a:lnTo>
+                  <a:pt x="2787" y="823"/>
+                </a:lnTo>
+                <a:lnTo>
+                  <a:pt x="2792" y="870"/>
+                </a:lnTo>
+                <a:lnTo>
+                  <a:pt x="2794" y="916"/>
+                </a:lnTo>
+                <a:lnTo>
+                  <a:pt x="3144" y="916"/>
+                </a:lnTo>
+                <a:lnTo>
+                  <a:pt x="2452" y="1370"/>
+                </a:lnTo>
+                <a:lnTo>
+                  <a:pt x="1759" y="916"/>
+                </a:lnTo>
+                <a:lnTo>
+                  <a:pt x="2109" y="916"/>
+                </a:lnTo>
+              </a:path>
+            </a:pathLst>
+          </a:custGeom>
+          <a:solidFill>
+            <a:srgbClr val="729fcf"/>
+          </a:solidFill>
+          <a:ln>
+            <a:solidFill>
+              <a:srgbClr val="3465a4"/>
+            </a:solidFill>
+          </a:ln>
+        </p:spPr>
+        <p:style>
+          <a:lnRef idx="0"/>
+          <a:fillRef idx="0"/>
+          <a:effectRef idx="0"/>
+          <a:fontRef idx="minor"/>
+        </p:style>
+      </p:sp>
+    </p:spTree>
+  </p:cSld>
+  <p:timing>
+    <p:tnLst>
+      <p:par>
+        <p:cTn id="11" dur="indefinite" restart="never" nodeType="tmRoot">
+          <p:childTnLst>
+            <p:seq>
+              <p:cTn id="12" dur="indefinite" nodeType="mainSeq"/>
+              <p:prevCondLst>
+                <p:cond delay="0" evt="onPrev">
+                  <p:tgtEl>
+                    <p:sldTgt/>
+                  </p:tgtEl>
+                </p:cond>
+              </p:prevCondLst>
+              <p:nextCondLst>
+                <p:cond delay="0" evt="onNext">
+                  <p:tgtEl>
+                    <p:sldTgt/>
+                  </p:tgtEl>
+                </p:cond>
+              </p:nextCondLst>
+            </p:seq>
+          </p:childTnLst>
+        </p:cTn>
+      </p:par>
+    </p:tnLst>
+  </p:timing>
+</p:sld>
+</file>
+
+<file path=ppt/slides/slide7.xml><?xml version="1.0" encoding="utf-8"?>
+<p:sld xmlns:a="http://schemas.openxmlformats.org/drawingml/2006/main" xmlns:p="http://schemas.openxmlformats.org/presentationml/2006/main" xmlns:r="http://schemas.openxmlformats.org/officeDocument/2006/relationships" xmlns:p14="http://schemas.microsoft.com/office/powerpoint/2010/main" xmlns:p15="http://schemas.microsoft.com/office/powerpoint/2012/main" xmlns:mc="http://schemas.openxmlformats.org/markup-compatibility/2006">
+  <p:cSld>
+    <p:spTree>
+      <p:nvGrpSpPr>
+        <p:cNvPr id="1" name=""/>
+        <p:cNvGrpSpPr/>
+        <p:nvPr/>
+      </p:nvGrpSpPr>
+      <p:grpSpPr>
+        <a:xfrm>
+          <a:off x="0" y="0"/>
+          <a:ext cx="0" cy="0"/>
+          <a:chOff x="0" y="0"/>
+          <a:chExt cx="0" cy="0"/>
+        </a:xfrm>
+      </p:grpSpPr>
+      <p:sp>
+        <p:nvSpPr>
+          <p:cNvPr id="113" name="CustomShape 1"/>
+          <p:cNvSpPr/>
+          <p:nvPr/>
+        </p:nvSpPr>
+        <p:spPr>
+          <a:xfrm>
+            <a:off x="731520" y="548640"/>
+            <a:ext cx="3474720" cy="4480560"/>
+          </a:xfrm>
+          <a:prstGeom prst="rect">
+            <a:avLst/>
+          </a:prstGeom>
+          <a:solidFill>
+            <a:srgbClr val="729fcf"/>
+          </a:solidFill>
+          <a:ln>
+            <a:solidFill>
+              <a:srgbClr val="3465a4"/>
+            </a:solidFill>
+          </a:ln>
+        </p:spPr>
+        <p:style>
+          <a:lnRef idx="0"/>
+          <a:fillRef idx="0"/>
+          <a:effectRef idx="0"/>
+          <a:fontRef idx="minor"/>
+        </p:style>
+        <p:txBody>
+          <a:bodyPr wrap="none" lIns="90000" rIns="90000" tIns="45000" bIns="45000" anchor="ctr"/>
+          <a:p>
+            <a:pPr algn="ctr"/>
+            <a:endParaRPr b="0" lang="en-US" sz="2400" spc="-1" strike="noStrike">
+              <a:latin typeface="Arial"/>
+            </a:endParaRPr>
+          </a:p>
+          <a:p>
+            <a:pPr algn="ctr"/>
+            <a:endParaRPr b="0" lang="en-US" sz="2400" spc="-1" strike="noStrike">
+              <a:latin typeface="Arial"/>
+            </a:endParaRPr>
+          </a:p>
+          <a:p>
+            <a:pPr algn="ctr"/>
+            <a:endParaRPr b="0" lang="en-US" sz="2400" spc="-1" strike="noStrike">
+              <a:latin typeface="Arial"/>
+            </a:endParaRPr>
+          </a:p>
+          <a:p>
+            <a:pPr algn="ctr"/>
+            <a:r>
+              <a:rPr b="0" lang="en-US" sz="2400" spc="-1" strike="noStrike">
+                <a:latin typeface="Arial"/>
+              </a:rPr>
+              <a:t>(HTM</a:t>
+            </a:r>
+            <a:r>
+              <a:rPr b="0" lang="en-US" sz="2400" spc="-1" strike="noStrike">
+                <a:latin typeface="Arial"/>
+              </a:rPr>
+              <a:t>L</a:t>
+            </a:r>
+            <a:endParaRPr b="0" lang="en-US" sz="2400" spc="-1" strike="noStrike">
+              <a:latin typeface="Arial"/>
+            </a:endParaRPr>
+          </a:p>
+          <a:p>
+            <a:pPr algn="ctr"/>
+            <a:r>
+              <a:rPr b="0" lang="en-US" sz="2400" spc="-1" strike="noStrike">
+                <a:latin typeface="Arial"/>
+              </a:rPr>
+              <a:t>CSS) </a:t>
+            </a:r>
+            <a:r>
+              <a:rPr b="0" lang="en-US" sz="2400" spc="-1" strike="noStrike">
+                <a:latin typeface="Arial"/>
+              </a:rPr>
+              <a:t>– </a:t>
+            </a:r>
+            <a:r>
+              <a:rPr b="0" lang="en-US" sz="2400" spc="-1" strike="noStrike">
+                <a:latin typeface="Arial"/>
+              </a:rPr>
+              <a:t>Web</a:t>
+            </a:r>
+            <a:r>
+              <a:rPr b="0" lang="en-US" sz="2400" spc="-1" strike="noStrike">
+                <a:latin typeface="Arial"/>
+              </a:rPr>
+              <a:t>Kit</a:t>
+            </a:r>
+            <a:endParaRPr b="0" lang="en-US" sz="2400" spc="-1" strike="noStrike">
+              <a:latin typeface="Arial"/>
+            </a:endParaRPr>
+          </a:p>
+          <a:p>
+            <a:pPr algn="ctr"/>
+            <a:endParaRPr b="0" lang="en-US" sz="2400" spc="-1" strike="noStrike">
+              <a:latin typeface="Arial"/>
+            </a:endParaRPr>
+          </a:p>
+          <a:p>
+            <a:pPr algn="ctr"/>
+            <a:r>
+              <a:rPr b="0" lang="en-US" sz="2400" spc="-1" strike="noStrike">
+                <a:latin typeface="Arial"/>
+              </a:rPr>
+              <a:t>Java</a:t>
+            </a:r>
+            <a:r>
+              <a:rPr b="0" lang="en-US" sz="2400" spc="-1" strike="noStrike">
+                <a:latin typeface="Arial"/>
+              </a:rPr>
+              <a:t>Script </a:t>
+            </a:r>
+            <a:endParaRPr b="0" lang="en-US" sz="2400" spc="-1" strike="noStrike">
+              <a:latin typeface="Arial"/>
+            </a:endParaRPr>
+          </a:p>
+          <a:p>
+            <a:pPr algn="ctr"/>
+            <a:r>
+              <a:rPr b="0" lang="en-US" sz="2400" spc="-1" strike="noStrike">
+                <a:latin typeface="Arial"/>
+              </a:rPr>
+              <a:t>- </a:t>
+            </a:r>
+            <a:r>
+              <a:rPr b="0" lang="en-US" sz="2400" spc="-1" strike="noStrike">
+                <a:latin typeface="Arial"/>
+              </a:rPr>
+              <a:t>Java</a:t>
+            </a:r>
+            <a:r>
+              <a:rPr b="0" lang="en-US" sz="2400" spc="-1" strike="noStrike">
+                <a:latin typeface="Arial"/>
+              </a:rPr>
+              <a:t>Script</a:t>
+            </a:r>
+            <a:r>
+              <a:rPr b="0" lang="en-US" sz="2400" spc="-1" strike="noStrike">
+                <a:latin typeface="Arial"/>
+              </a:rPr>
+              <a:t>V8</a:t>
+            </a:r>
+            <a:endParaRPr b="0" lang="en-US" sz="2400" spc="-1" strike="noStrike">
+              <a:latin typeface="Arial"/>
+            </a:endParaRPr>
+          </a:p>
+          <a:p>
+            <a:pPr algn="ctr"/>
+            <a:endParaRPr b="0" lang="en-US" sz="2400" spc="-1" strike="noStrike">
+              <a:latin typeface="Arial"/>
+            </a:endParaRPr>
+          </a:p>
+          <a:p>
+            <a:pPr algn="ctr"/>
+            <a:r>
+              <a:rPr b="0" lang="en-US" sz="2400" spc="-1" strike="noStrike">
+                <a:latin typeface="Arial"/>
+              </a:rPr>
+              <a:t>API</a:t>
+            </a:r>
+            <a:endParaRPr b="0" lang="en-US" sz="2400" spc="-1" strike="noStrike">
+              <a:latin typeface="Arial"/>
+            </a:endParaRPr>
+          </a:p>
+          <a:p>
+            <a:pPr algn="ctr"/>
+            <a:endParaRPr b="0" lang="en-US" sz="2400" spc="-1" strike="noStrike">
+              <a:latin typeface="Arial"/>
+            </a:endParaRPr>
+          </a:p>
+          <a:p>
+            <a:pPr algn="ctr"/>
+            <a:r>
+              <a:rPr b="0" lang="en-US" sz="2400" spc="-1" strike="noStrike">
+                <a:latin typeface="Arial"/>
+              </a:rPr>
+              <a:t>Chro</a:t>
+            </a:r>
+            <a:r>
+              <a:rPr b="0" lang="en-US" sz="2400" spc="-1" strike="noStrike">
+                <a:latin typeface="Arial"/>
+              </a:rPr>
+              <a:t>me</a:t>
+            </a:r>
+            <a:endParaRPr b="0" lang="en-US" sz="2400" spc="-1" strike="noStrike">
+              <a:latin typeface="Arial"/>
+            </a:endParaRPr>
+          </a:p>
+        </p:txBody>
+      </p:sp>
+      <p:sp>
+        <p:nvSpPr>
+          <p:cNvPr id="114" name="CustomShape 2"/>
+          <p:cNvSpPr/>
+          <p:nvPr/>
+        </p:nvSpPr>
+        <p:spPr>
+          <a:xfrm>
+            <a:off x="5303520" y="457200"/>
+            <a:ext cx="3200400" cy="1554480"/>
+          </a:xfrm>
+          <a:prstGeom prst="rect">
+            <a:avLst/>
+          </a:prstGeom>
+          <a:solidFill>
+            <a:srgbClr val="fedcc6"/>
+          </a:solidFill>
+          <a:ln>
+            <a:solidFill>
+              <a:srgbClr val="ce181e"/>
+            </a:solidFill>
+            <a:custDash/>
+          </a:ln>
+        </p:spPr>
+        <p:style>
+          <a:lnRef idx="0"/>
+          <a:fillRef idx="0"/>
+          <a:effectRef idx="0"/>
+          <a:fontRef idx="minor"/>
+        </p:style>
+        <p:txBody>
+          <a:bodyPr wrap="none" lIns="90000" rIns="90000" tIns="45000" bIns="45000" anchor="ctr"/>
+          <a:p>
+            <a:pPr algn="ctr"/>
+            <a:r>
+              <a:rPr b="0" lang="en-US" sz="1800" spc="-1" strike="noStrike">
+                <a:latin typeface="Arial"/>
+              </a:rPr>
+              <a:t>Chrome JavaScript engine</a:t>
+            </a:r>
+            <a:endParaRPr b="0" lang="en-US" sz="1800" spc="-1" strike="noStrike">
+              <a:latin typeface="Arial"/>
+            </a:endParaRPr>
+          </a:p>
+          <a:p>
+            <a:pPr algn="ctr"/>
+            <a:r>
+              <a:rPr b="0" lang="en-US" sz="1800" spc="-1" strike="noStrike">
+                <a:latin typeface="Arial"/>
+              </a:rPr>
+              <a:t>V8</a:t>
+            </a:r>
+            <a:endParaRPr b="0" lang="en-US" sz="1800" spc="-1" strike="noStrike">
+              <a:latin typeface="Arial"/>
+            </a:endParaRPr>
+          </a:p>
+          <a:p>
+            <a:pPr algn="ctr"/>
+            <a:r>
+              <a:rPr b="0" lang="en-US" sz="1800" spc="-1" strike="noStrike">
+                <a:latin typeface="Arial"/>
+              </a:rPr>
+              <a:t>Charka</a:t>
+            </a:r>
+            <a:endParaRPr b="0" lang="en-US" sz="1800" spc="-1" strike="noStrike">
+              <a:latin typeface="Arial"/>
+            </a:endParaRPr>
+          </a:p>
+        </p:txBody>
+      </p:sp>
+      <p:sp>
+        <p:nvSpPr>
+          <p:cNvPr id="115" name="CustomShape 3"/>
+          <p:cNvSpPr/>
+          <p:nvPr/>
+        </p:nvSpPr>
+        <p:spPr>
+          <a:xfrm>
+            <a:off x="4937760" y="2926080"/>
+            <a:ext cx="1097280" cy="1005840"/>
+          </a:xfrm>
+          <a:prstGeom prst="rect">
+            <a:avLst/>
+          </a:prstGeom>
+          <a:solidFill>
+            <a:srgbClr val="adc5e7"/>
+          </a:solidFill>
+          <a:ln>
+            <a:solidFill>
+              <a:srgbClr val="3465a4"/>
+            </a:solidFill>
+          </a:ln>
+        </p:spPr>
+        <p:style>
+          <a:lnRef idx="0"/>
+          <a:fillRef idx="0"/>
+          <a:effectRef idx="0"/>
+          <a:fontRef idx="minor"/>
+        </p:style>
+        <p:txBody>
+          <a:bodyPr wrap="none" lIns="90000" rIns="90000" tIns="45000" bIns="45000" anchor="ctr"/>
+          <a:p>
+            <a:pPr algn="ctr"/>
+            <a:r>
+              <a:rPr b="0" lang="en-US" sz="1800" spc="-1" strike="noStrike">
+                <a:latin typeface="Arial"/>
+              </a:rPr>
+              <a:t>Express</a:t>
+            </a:r>
+            <a:endParaRPr b="0" lang="en-US" sz="1800" spc="-1" strike="noStrike">
+              <a:latin typeface="Arial"/>
+            </a:endParaRPr>
+          </a:p>
+        </p:txBody>
+      </p:sp>
+      <p:sp>
+        <p:nvSpPr>
+          <p:cNvPr id="116" name="CustomShape 4"/>
+          <p:cNvSpPr/>
+          <p:nvPr/>
+        </p:nvSpPr>
+        <p:spPr>
+          <a:xfrm>
+            <a:off x="6035040" y="2926080"/>
+            <a:ext cx="1097280" cy="1005840"/>
+          </a:xfrm>
+          <a:prstGeom prst="rect">
+            <a:avLst/>
+          </a:prstGeom>
+          <a:solidFill>
+            <a:srgbClr val="adc5e7"/>
+          </a:solidFill>
+          <a:ln>
+            <a:solidFill>
+              <a:srgbClr val="3465a4"/>
+            </a:solidFill>
+          </a:ln>
+        </p:spPr>
+        <p:style>
+          <a:lnRef idx="0"/>
+          <a:fillRef idx="0"/>
+          <a:effectRef idx="0"/>
+          <a:fontRef idx="minor"/>
+        </p:style>
+        <p:txBody>
+          <a:bodyPr wrap="none" lIns="90000" rIns="90000" tIns="45000" bIns="45000" anchor="ctr"/>
+          <a:p>
+            <a:pPr algn="ctr"/>
+            <a:r>
+              <a:rPr b="0" lang="en-US" sz="1800" spc="-1" strike="noStrike">
+                <a:latin typeface="Arial"/>
+              </a:rPr>
+              <a:t>WebPack</a:t>
+            </a:r>
+            <a:endParaRPr b="0" lang="en-US" sz="1800" spc="-1" strike="noStrike">
+              <a:latin typeface="Arial"/>
+            </a:endParaRPr>
+          </a:p>
+        </p:txBody>
+      </p:sp>
+      <p:sp>
+        <p:nvSpPr>
+          <p:cNvPr id="117" name="CustomShape 5"/>
+          <p:cNvSpPr/>
+          <p:nvPr/>
+        </p:nvSpPr>
+        <p:spPr>
+          <a:xfrm>
+            <a:off x="7187760" y="2926080"/>
+            <a:ext cx="1097280" cy="1005840"/>
+          </a:xfrm>
+          <a:prstGeom prst="rect">
+            <a:avLst/>
+          </a:prstGeom>
+          <a:solidFill>
+            <a:srgbClr val="adc5e7"/>
+          </a:solidFill>
+          <a:ln>
+            <a:solidFill>
+              <a:srgbClr val="3465a4"/>
+            </a:solidFill>
+          </a:ln>
+        </p:spPr>
+        <p:style>
+          <a:lnRef idx="0"/>
+          <a:fillRef idx="0"/>
+          <a:effectRef idx="0"/>
+          <a:fontRef idx="minor"/>
+        </p:style>
+        <p:txBody>
+          <a:bodyPr wrap="none" lIns="90000" rIns="90000" tIns="45000" bIns="45000" anchor="ctr"/>
+          <a:p>
+            <a:pPr algn="ctr"/>
+            <a:r>
+              <a:rPr b="0" lang="en-US" sz="1800" spc="-1" strike="noStrike">
+                <a:latin typeface="Arial"/>
+              </a:rPr>
+              <a:t>MySQL</a:t>
+            </a:r>
+            <a:endParaRPr b="0" lang="en-US" sz="1800" spc="-1" strike="noStrike">
+              <a:latin typeface="Arial"/>
+            </a:endParaRPr>
+          </a:p>
+        </p:txBody>
+      </p:sp>
+      <p:sp>
+        <p:nvSpPr>
+          <p:cNvPr id="118" name="CustomShape 6"/>
+          <p:cNvSpPr/>
+          <p:nvPr/>
+        </p:nvSpPr>
+        <p:spPr>
+          <a:xfrm>
+            <a:off x="8321040" y="2926080"/>
+            <a:ext cx="1097280" cy="1005840"/>
+          </a:xfrm>
+          <a:prstGeom prst="rect">
+            <a:avLst/>
+          </a:prstGeom>
+          <a:solidFill>
+            <a:srgbClr val="adc5e7"/>
+          </a:solidFill>
+          <a:ln>
+            <a:solidFill>
+              <a:srgbClr val="3465a4"/>
+            </a:solidFill>
+          </a:ln>
+        </p:spPr>
+        <p:style>
+          <a:lnRef idx="0"/>
+          <a:fillRef idx="0"/>
+          <a:effectRef idx="0"/>
+          <a:fontRef idx="minor"/>
+        </p:style>
+        <p:txBody>
+          <a:bodyPr wrap="none" lIns="90000" rIns="90000" tIns="45000" bIns="45000" anchor="ctr"/>
+          <a:p>
+            <a:pPr algn="ctr"/>
+            <a:r>
+              <a:rPr b="0" lang="en-US" sz="1800" spc="-1" strike="noStrike">
+                <a:latin typeface="Arial"/>
+              </a:rPr>
+              <a:t>MQTT</a:t>
+            </a:r>
+            <a:endParaRPr b="0" lang="en-US" sz="1800" spc="-1" strike="noStrike">
+              <a:latin typeface="Arial"/>
+            </a:endParaRPr>
+          </a:p>
+        </p:txBody>
+      </p:sp>
+      <p:sp>
+        <p:nvSpPr>
+          <p:cNvPr id="119" name="CustomShape 7"/>
+          <p:cNvSpPr/>
+          <p:nvPr/>
+        </p:nvSpPr>
+        <p:spPr>
+          <a:xfrm>
+            <a:off x="4846320" y="2194560"/>
+            <a:ext cx="4754880" cy="548640"/>
+          </a:xfrm>
+          <a:prstGeom prst="rect">
+            <a:avLst/>
+          </a:prstGeom>
+          <a:solidFill>
+            <a:srgbClr val="add58a"/>
+          </a:solidFill>
+          <a:ln>
+            <a:solidFill>
+              <a:srgbClr val="407927"/>
+            </a:solidFill>
+          </a:ln>
+        </p:spPr>
+        <p:style>
+          <a:lnRef idx="0"/>
+          <a:fillRef idx="0"/>
+          <a:effectRef idx="0"/>
+          <a:fontRef idx="minor"/>
+        </p:style>
+        <p:txBody>
+          <a:bodyPr wrap="none" lIns="90000" rIns="90000" tIns="45000" bIns="45000" anchor="ctr"/>
+          <a:p>
+            <a:pPr algn="ctr"/>
+            <a:r>
+              <a:rPr b="0" lang="en-US" sz="1800" spc="-1" strike="noStrike">
+                <a:latin typeface="Arial"/>
+              </a:rPr>
+              <a:t>Npm – node package manager</a:t>
+            </a:r>
+            <a:endParaRPr b="0" lang="en-US" sz="1800" spc="-1" strike="noStrike">
+              <a:latin typeface="Arial"/>
+            </a:endParaRPr>
+          </a:p>
+        </p:txBody>
+      </p:sp>
+      <p:sp>
+        <p:nvSpPr>
+          <p:cNvPr id="120" name="CustomShape 8"/>
+          <p:cNvSpPr/>
+          <p:nvPr/>
+        </p:nvSpPr>
+        <p:spPr>
+          <a:xfrm>
+            <a:off x="4901760" y="3970080"/>
+            <a:ext cx="1097280" cy="1005840"/>
+          </a:xfrm>
+          <a:prstGeom prst="rect">
+            <a:avLst/>
+          </a:prstGeom>
+          <a:solidFill>
+            <a:srgbClr val="adc5e7"/>
+          </a:solidFill>
+          <a:ln>
+            <a:solidFill>
+              <a:srgbClr val="3465a4"/>
+            </a:solidFill>
+          </a:ln>
+        </p:spPr>
+        <p:style>
+          <a:lnRef idx="0"/>
+          <a:fillRef idx="0"/>
+          <a:effectRef idx="0"/>
+          <a:fontRef idx="minor"/>
+        </p:style>
+        <p:txBody>
+          <a:bodyPr wrap="none" lIns="90000" rIns="90000" tIns="45000" bIns="45000" anchor="ctr"/>
+          <a:p>
+            <a:pPr algn="ctr"/>
+            <a:r>
+              <a:rPr b="0" lang="en-US" sz="1800" spc="-1" strike="noStrike">
+                <a:latin typeface="Arial"/>
+              </a:rPr>
+              <a:t>http-server</a:t>
+            </a:r>
+            <a:endParaRPr b="0" lang="en-US" sz="1800" spc="-1" strike="noStrike">
+              <a:latin typeface="Arial"/>
+            </a:endParaRPr>
+          </a:p>
+        </p:txBody>
+      </p:sp>
+    </p:spTree>
+  </p:cSld>
+  <p:timing>
+    <p:tnLst>
+      <p:par>
+        <p:cTn id="13" dur="indefinite" restart="never" nodeType="tmRoot">
+          <p:childTnLst>
+            <p:seq>
+              <p:cTn id="14" dur="indefinite" nodeType="mainSeq"/>
+              <p:prevCondLst>
+                <p:cond delay="0" evt="onPrev">
+                  <p:tgtEl>
+                    <p:sldTgt/>
+                  </p:tgtEl>
+                </p:cond>
+              </p:prevCondLst>
+              <p:nextCondLst>
+                <p:cond delay="0" evt="onNext">
+                  <p:tgtEl>
+                    <p:sldTgt/>
+                  </p:tgtEl>
+                </p:cond>
+              </p:nextCondLst>
+            </p:seq>
+          </p:childTnLst>
+        </p:cTn>
+      </p:par>
+    </p:tnLst>
+  </p:timing>
 </p:sld>
 </file>
 
